--- a/CV2023_HW4A/CVSpring2023_Miao_Xuanbo_Assignment#4A.pptx
+++ b/CV2023_HW4A/CVSpring2023_Miao_Xuanbo_Assignment#4A.pptx
@@ -8,11 +8,8 @@
     <p:sldId id="257" r:id="rId2"/>
     <p:sldId id="297" r:id="rId3"/>
     <p:sldId id="304" r:id="rId4"/>
-    <p:sldId id="306" r:id="rId5"/>
-    <p:sldId id="307" r:id="rId6"/>
-    <p:sldId id="305" r:id="rId7"/>
-    <p:sldId id="308" r:id="rId8"/>
-    <p:sldId id="278" r:id="rId9"/>
+    <p:sldId id="309" r:id="rId5"/>
+    <p:sldId id="308" r:id="rId6"/>
   </p:sldIdLst>
   <p:sldSz cx="12192000" cy="6858000"/>
   <p:notesSz cx="6858000" cy="9144000"/>
@@ -3862,6 +3859,610 @@
         <pc:sldMkLst>
           <pc:docMk/>
           <pc:sldMk cId="2914115535" sldId="305"/>
+        </pc:sldMkLst>
+      </pc:sldChg>
+    </pc:docChg>
+  </pc:docChgLst>
+  <pc:docChgLst>
+    <pc:chgData name="Xuanbo" userId="52a29cb4-095e-4b88-8e5b-abe65ecae15b" providerId="ADAL" clId="{DC2DCE8F-63B9-4E30-AB9B-AA51221EABDB}"/>
+    <pc:docChg chg="undo custSel addSld delSld modSld">
+      <pc:chgData name="Xuanbo" userId="52a29cb4-095e-4b88-8e5b-abe65ecae15b" providerId="ADAL" clId="{DC2DCE8F-63B9-4E30-AB9B-AA51221EABDB}" dt="2023-04-04T04:52:59.682" v="257" actId="20577"/>
+      <pc:docMkLst>
+        <pc:docMk/>
+      </pc:docMkLst>
+      <pc:sldChg chg="addSp delSp modSp mod">
+        <pc:chgData name="Xuanbo" userId="52a29cb4-095e-4b88-8e5b-abe65ecae15b" providerId="ADAL" clId="{DC2DCE8F-63B9-4E30-AB9B-AA51221EABDB}" dt="2023-04-04T04:45:49.627" v="256" actId="1076"/>
+        <pc:sldMkLst>
+          <pc:docMk/>
+          <pc:sldMk cId="552668685" sldId="257"/>
+        </pc:sldMkLst>
+        <pc:spChg chg="mod">
+          <ac:chgData name="Xuanbo" userId="52a29cb4-095e-4b88-8e5b-abe65ecae15b" providerId="ADAL" clId="{DC2DCE8F-63B9-4E30-AB9B-AA51221EABDB}" dt="2023-04-04T04:13:12.170" v="7" actId="404"/>
+          <ac:spMkLst>
+            <pc:docMk/>
+            <pc:sldMk cId="552668685" sldId="257"/>
+            <ac:spMk id="7" creationId="{8A8512DB-3D28-7985-AF73-D35B05BD1D43}"/>
+          </ac:spMkLst>
+        </pc:spChg>
+        <pc:spChg chg="mod">
+          <ac:chgData name="Xuanbo" userId="52a29cb4-095e-4b88-8e5b-abe65ecae15b" providerId="ADAL" clId="{DC2DCE8F-63B9-4E30-AB9B-AA51221EABDB}" dt="2023-04-04T04:13:12.170" v="7" actId="404"/>
+          <ac:spMkLst>
+            <pc:docMk/>
+            <pc:sldMk cId="552668685" sldId="257"/>
+            <ac:spMk id="9" creationId="{4536A1E2-19E5-85F2-60D0-8CF11F284471}"/>
+          </ac:spMkLst>
+        </pc:spChg>
+        <pc:spChg chg="mod">
+          <ac:chgData name="Xuanbo" userId="52a29cb4-095e-4b88-8e5b-abe65ecae15b" providerId="ADAL" clId="{DC2DCE8F-63B9-4E30-AB9B-AA51221EABDB}" dt="2023-04-04T04:13:12.170" v="7" actId="404"/>
+          <ac:spMkLst>
+            <pc:docMk/>
+            <pc:sldMk cId="552668685" sldId="257"/>
+            <ac:spMk id="11" creationId="{8870D315-40E3-0EC2-6D56-E03037F01BA6}"/>
+          </ac:spMkLst>
+        </pc:spChg>
+        <pc:spChg chg="mod">
+          <ac:chgData name="Xuanbo" userId="52a29cb4-095e-4b88-8e5b-abe65ecae15b" providerId="ADAL" clId="{DC2DCE8F-63B9-4E30-AB9B-AA51221EABDB}" dt="2023-04-04T04:27:23.067" v="8"/>
+          <ac:spMkLst>
+            <pc:docMk/>
+            <pc:sldMk cId="552668685" sldId="257"/>
+            <ac:spMk id="17" creationId="{A38F9D7A-3D85-442F-B4DE-D086862C6FF7}"/>
+          </ac:spMkLst>
+        </pc:spChg>
+        <pc:spChg chg="mod">
+          <ac:chgData name="Xuanbo" userId="52a29cb4-095e-4b88-8e5b-abe65ecae15b" providerId="ADAL" clId="{DC2DCE8F-63B9-4E30-AB9B-AA51221EABDB}" dt="2023-04-04T04:13:12.170" v="7" actId="404"/>
+          <ac:spMkLst>
+            <pc:docMk/>
+            <pc:sldMk cId="552668685" sldId="257"/>
+            <ac:spMk id="18" creationId="{1EAA9979-C218-4DFA-A67E-9A56C9789E18}"/>
+          </ac:spMkLst>
+        </pc:spChg>
+        <pc:grpChg chg="mod">
+          <ac:chgData name="Xuanbo" userId="52a29cb4-095e-4b88-8e5b-abe65ecae15b" providerId="ADAL" clId="{DC2DCE8F-63B9-4E30-AB9B-AA51221EABDB}" dt="2023-04-04T04:13:12.170" v="7" actId="404"/>
+          <ac:grpSpMkLst>
+            <pc:docMk/>
+            <pc:sldMk cId="552668685" sldId="257"/>
+            <ac:grpSpMk id="2" creationId="{89DA59E5-C499-C8AA-1580-49E9A24F5B35}"/>
+          </ac:grpSpMkLst>
+        </pc:grpChg>
+        <pc:grpChg chg="mod">
+          <ac:chgData name="Xuanbo" userId="52a29cb4-095e-4b88-8e5b-abe65ecae15b" providerId="ADAL" clId="{DC2DCE8F-63B9-4E30-AB9B-AA51221EABDB}" dt="2023-04-04T04:13:12.170" v="7" actId="404"/>
+          <ac:grpSpMkLst>
+            <pc:docMk/>
+            <pc:sldMk cId="552668685" sldId="257"/>
+            <ac:grpSpMk id="21" creationId="{CE3DF87E-9F1F-41BD-8ACE-5339990B0C12}"/>
+          </ac:grpSpMkLst>
+        </pc:grpChg>
+        <pc:graphicFrameChg chg="add mod modGraphic">
+          <ac:chgData name="Xuanbo" userId="52a29cb4-095e-4b88-8e5b-abe65ecae15b" providerId="ADAL" clId="{DC2DCE8F-63B9-4E30-AB9B-AA51221EABDB}" dt="2023-04-04T04:45:49.627" v="256" actId="1076"/>
+          <ac:graphicFrameMkLst>
+            <pc:docMk/>
+            <pc:sldMk cId="552668685" sldId="257"/>
+            <ac:graphicFrameMk id="4" creationId="{4C7CF96A-F7A9-4B88-AA90-F2B9CF59712C}"/>
+          </ac:graphicFrameMkLst>
+        </pc:graphicFrameChg>
+        <pc:graphicFrameChg chg="add mod modGraphic">
+          <ac:chgData name="Xuanbo" userId="52a29cb4-095e-4b88-8e5b-abe65ecae15b" providerId="ADAL" clId="{DC2DCE8F-63B9-4E30-AB9B-AA51221EABDB}" dt="2023-04-04T04:45:49.627" v="256" actId="1076"/>
+          <ac:graphicFrameMkLst>
+            <pc:docMk/>
+            <pc:sldMk cId="552668685" sldId="257"/>
+            <ac:graphicFrameMk id="6" creationId="{725E8B55-75EC-4BC6-A227-F4438631F8CF}"/>
+          </ac:graphicFrameMkLst>
+        </pc:graphicFrameChg>
+        <pc:graphicFrameChg chg="del mod">
+          <ac:chgData name="Xuanbo" userId="52a29cb4-095e-4b88-8e5b-abe65ecae15b" providerId="ADAL" clId="{DC2DCE8F-63B9-4E30-AB9B-AA51221EABDB}" dt="2023-04-04T04:27:26.770" v="10" actId="21"/>
+          <ac:graphicFrameMkLst>
+            <pc:docMk/>
+            <pc:sldMk cId="552668685" sldId="257"/>
+            <ac:graphicFrameMk id="8" creationId="{020F8CFB-75D6-4089-894B-43D633B6E0DC}"/>
+          </ac:graphicFrameMkLst>
+        </pc:graphicFrameChg>
+        <pc:graphicFrameChg chg="del">
+          <ac:chgData name="Xuanbo" userId="52a29cb4-095e-4b88-8e5b-abe65ecae15b" providerId="ADAL" clId="{DC2DCE8F-63B9-4E30-AB9B-AA51221EABDB}" dt="2023-04-04T04:27:26.770" v="10" actId="21"/>
+          <ac:graphicFrameMkLst>
+            <pc:docMk/>
+            <pc:sldMk cId="552668685" sldId="257"/>
+            <ac:graphicFrameMk id="12" creationId="{A7BD16EF-A3D1-4F8D-9F48-A854E5D99A64}"/>
+          </ac:graphicFrameMkLst>
+        </pc:graphicFrameChg>
+        <pc:graphicFrameChg chg="add mod ord modGraphic">
+          <ac:chgData name="Xuanbo" userId="52a29cb4-095e-4b88-8e5b-abe65ecae15b" providerId="ADAL" clId="{DC2DCE8F-63B9-4E30-AB9B-AA51221EABDB}" dt="2023-04-04T04:45:49.627" v="256" actId="1076"/>
+          <ac:graphicFrameMkLst>
+            <pc:docMk/>
+            <pc:sldMk cId="552668685" sldId="257"/>
+            <ac:graphicFrameMk id="13" creationId="{A3D172B9-5BF8-4E4F-9CBD-2428A02D62C4}"/>
+          </ac:graphicFrameMkLst>
+        </pc:graphicFrameChg>
+        <pc:graphicFrameChg chg="del">
+          <ac:chgData name="Xuanbo" userId="52a29cb4-095e-4b88-8e5b-abe65ecae15b" providerId="ADAL" clId="{DC2DCE8F-63B9-4E30-AB9B-AA51221EABDB}" dt="2023-04-04T04:27:26.770" v="10" actId="21"/>
+          <ac:graphicFrameMkLst>
+            <pc:docMk/>
+            <pc:sldMk cId="552668685" sldId="257"/>
+            <ac:graphicFrameMk id="14" creationId="{F63717F6-BB53-42CD-97EC-7D39B703993E}"/>
+          </ac:graphicFrameMkLst>
+        </pc:graphicFrameChg>
+        <pc:graphicFrameChg chg="add mod modGraphic">
+          <ac:chgData name="Xuanbo" userId="52a29cb4-095e-4b88-8e5b-abe65ecae15b" providerId="ADAL" clId="{DC2DCE8F-63B9-4E30-AB9B-AA51221EABDB}" dt="2023-04-04T04:45:49.627" v="256" actId="1076"/>
+          <ac:graphicFrameMkLst>
+            <pc:docMk/>
+            <pc:sldMk cId="552668685" sldId="257"/>
+            <ac:graphicFrameMk id="16" creationId="{E828BC50-5131-4C75-B77B-CB63C4D70B20}"/>
+          </ac:graphicFrameMkLst>
+        </pc:graphicFrameChg>
+        <pc:graphicFrameChg chg="del">
+          <ac:chgData name="Xuanbo" userId="52a29cb4-095e-4b88-8e5b-abe65ecae15b" providerId="ADAL" clId="{DC2DCE8F-63B9-4E30-AB9B-AA51221EABDB}" dt="2023-04-04T04:27:26.770" v="10" actId="21"/>
+          <ac:graphicFrameMkLst>
+            <pc:docMk/>
+            <pc:sldMk cId="552668685" sldId="257"/>
+            <ac:graphicFrameMk id="20" creationId="{38B055B2-DFA9-4131-B05B-C38A3F8FB024}"/>
+          </ac:graphicFrameMkLst>
+        </pc:graphicFrameChg>
+        <pc:graphicFrameChg chg="add del mod">
+          <ac:chgData name="Xuanbo" userId="52a29cb4-095e-4b88-8e5b-abe65ecae15b" providerId="ADAL" clId="{DC2DCE8F-63B9-4E30-AB9B-AA51221EABDB}" dt="2023-04-04T04:44:35.257" v="216"/>
+          <ac:graphicFrameMkLst>
+            <pc:docMk/>
+            <pc:sldMk cId="552668685" sldId="257"/>
+            <ac:graphicFrameMk id="23" creationId="{15A5EE35-0EFD-4879-9861-C1062C7E43EF}"/>
+          </ac:graphicFrameMkLst>
+        </pc:graphicFrameChg>
+        <pc:graphicFrameChg chg="add del mod">
+          <ac:chgData name="Xuanbo" userId="52a29cb4-095e-4b88-8e5b-abe65ecae15b" providerId="ADAL" clId="{DC2DCE8F-63B9-4E30-AB9B-AA51221EABDB}" dt="2023-04-04T04:44:35.257" v="216"/>
+          <ac:graphicFrameMkLst>
+            <pc:docMk/>
+            <pc:sldMk cId="552668685" sldId="257"/>
+            <ac:graphicFrameMk id="24" creationId="{3D1AC3A6-BAD0-43F8-A1B5-CDD0F1A7092F}"/>
+          </ac:graphicFrameMkLst>
+        </pc:graphicFrameChg>
+        <pc:graphicFrameChg chg="add del mod">
+          <ac:chgData name="Xuanbo" userId="52a29cb4-095e-4b88-8e5b-abe65ecae15b" providerId="ADAL" clId="{DC2DCE8F-63B9-4E30-AB9B-AA51221EABDB}" dt="2023-04-04T04:44:35.257" v="216"/>
+          <ac:graphicFrameMkLst>
+            <pc:docMk/>
+            <pc:sldMk cId="552668685" sldId="257"/>
+            <ac:graphicFrameMk id="25" creationId="{1769771F-EA47-4537-9B3F-A2278304D872}"/>
+          </ac:graphicFrameMkLst>
+        </pc:graphicFrameChg>
+        <pc:graphicFrameChg chg="add del mod">
+          <ac:chgData name="Xuanbo" userId="52a29cb4-095e-4b88-8e5b-abe65ecae15b" providerId="ADAL" clId="{DC2DCE8F-63B9-4E30-AB9B-AA51221EABDB}" dt="2023-04-04T04:44:35.257" v="216"/>
+          <ac:graphicFrameMkLst>
+            <pc:docMk/>
+            <pc:sldMk cId="552668685" sldId="257"/>
+            <ac:graphicFrameMk id="26" creationId="{5226E6CB-BE84-4813-9922-FFA7E087FB35}"/>
+          </ac:graphicFrameMkLst>
+        </pc:graphicFrameChg>
+        <pc:picChg chg="add del mod">
+          <ac:chgData name="Xuanbo" userId="52a29cb4-095e-4b88-8e5b-abe65ecae15b" providerId="ADAL" clId="{DC2DCE8F-63B9-4E30-AB9B-AA51221EABDB}" dt="2023-04-04T04:44:40.030" v="220"/>
+          <ac:picMkLst>
+            <pc:docMk/>
+            <pc:sldMk cId="552668685" sldId="257"/>
+            <ac:picMk id="19" creationId="{77CB74DD-B0C6-4AF3-9311-66A2DB0E215D}"/>
+          </ac:picMkLst>
+        </pc:picChg>
+        <pc:cxnChg chg="mod">
+          <ac:chgData name="Xuanbo" userId="52a29cb4-095e-4b88-8e5b-abe65ecae15b" providerId="ADAL" clId="{DC2DCE8F-63B9-4E30-AB9B-AA51221EABDB}" dt="2023-04-04T04:45:34.863" v="245" actId="1076"/>
+          <ac:cxnSpMkLst>
+            <pc:docMk/>
+            <pc:sldMk cId="552668685" sldId="257"/>
+            <ac:cxnSpMk id="22" creationId="{10641A20-2F44-4635-9055-AFB038B2D9AC}"/>
+          </ac:cxnSpMkLst>
+        </pc:cxnChg>
+      </pc:sldChg>
+      <pc:sldChg chg="delSp del mod">
+        <pc:chgData name="Xuanbo" userId="52a29cb4-095e-4b88-8e5b-abe65ecae15b" providerId="ADAL" clId="{DC2DCE8F-63B9-4E30-AB9B-AA51221EABDB}" dt="2023-04-04T04:43:04.238" v="202" actId="47"/>
+        <pc:sldMkLst>
+          <pc:docMk/>
+          <pc:sldMk cId="2579405120" sldId="278"/>
+        </pc:sldMkLst>
+        <pc:graphicFrameChg chg="del">
+          <ac:chgData name="Xuanbo" userId="52a29cb4-095e-4b88-8e5b-abe65ecae15b" providerId="ADAL" clId="{DC2DCE8F-63B9-4E30-AB9B-AA51221EABDB}" dt="2023-04-04T04:42:37.867" v="201" actId="21"/>
+          <ac:graphicFrameMkLst>
+            <pc:docMk/>
+            <pc:sldMk cId="2579405120" sldId="278"/>
+            <ac:graphicFrameMk id="6" creationId="{FC6C34AE-189E-4695-9E01-03078AAD076D}"/>
+          </ac:graphicFrameMkLst>
+        </pc:graphicFrameChg>
+        <pc:graphicFrameChg chg="del">
+          <ac:chgData name="Xuanbo" userId="52a29cb4-095e-4b88-8e5b-abe65ecae15b" providerId="ADAL" clId="{DC2DCE8F-63B9-4E30-AB9B-AA51221EABDB}" dt="2023-04-04T04:42:37.867" v="201" actId="21"/>
+          <ac:graphicFrameMkLst>
+            <pc:docMk/>
+            <pc:sldMk cId="2579405120" sldId="278"/>
+            <ac:graphicFrameMk id="7" creationId="{527C4895-A555-491C-ABAF-8513FD0121D2}"/>
+          </ac:graphicFrameMkLst>
+        </pc:graphicFrameChg>
+        <pc:graphicFrameChg chg="del">
+          <ac:chgData name="Xuanbo" userId="52a29cb4-095e-4b88-8e5b-abe65ecae15b" providerId="ADAL" clId="{DC2DCE8F-63B9-4E30-AB9B-AA51221EABDB}" dt="2023-04-04T04:42:37.867" v="201" actId="21"/>
+          <ac:graphicFrameMkLst>
+            <pc:docMk/>
+            <pc:sldMk cId="2579405120" sldId="278"/>
+            <ac:graphicFrameMk id="8" creationId="{710EED48-BC66-431C-BF12-A8926F7D6582}"/>
+          </ac:graphicFrameMkLst>
+        </pc:graphicFrameChg>
+        <pc:graphicFrameChg chg="del">
+          <ac:chgData name="Xuanbo" userId="52a29cb4-095e-4b88-8e5b-abe65ecae15b" providerId="ADAL" clId="{DC2DCE8F-63B9-4E30-AB9B-AA51221EABDB}" dt="2023-04-04T04:42:37.867" v="201" actId="21"/>
+          <ac:graphicFrameMkLst>
+            <pc:docMk/>
+            <pc:sldMk cId="2579405120" sldId="278"/>
+            <ac:graphicFrameMk id="9" creationId="{736FFCF2-3C5C-4A20-ADF6-42B9617526E5}"/>
+          </ac:graphicFrameMkLst>
+        </pc:graphicFrameChg>
+      </pc:sldChg>
+      <pc:sldChg chg="addSp delSp modSp mod">
+        <pc:chgData name="Xuanbo" userId="52a29cb4-095e-4b88-8e5b-abe65ecae15b" providerId="ADAL" clId="{DC2DCE8F-63B9-4E30-AB9B-AA51221EABDB}" dt="2023-04-04T04:30:08.855" v="25" actId="1076"/>
+        <pc:sldMkLst>
+          <pc:docMk/>
+          <pc:sldMk cId="1106058793" sldId="297"/>
+        </pc:sldMkLst>
+        <pc:spChg chg="mod">
+          <ac:chgData name="Xuanbo" userId="52a29cb4-095e-4b88-8e5b-abe65ecae15b" providerId="ADAL" clId="{DC2DCE8F-63B9-4E30-AB9B-AA51221EABDB}" dt="2023-04-04T04:29:43.725" v="19" actId="1076"/>
+          <ac:spMkLst>
+            <pc:docMk/>
+            <pc:sldMk cId="1106058793" sldId="297"/>
+            <ac:spMk id="9" creationId="{46AC14D4-E837-47CB-9BE6-6EAA80D25BCB}"/>
+          </ac:spMkLst>
+        </pc:spChg>
+        <pc:picChg chg="del">
+          <ac:chgData name="Xuanbo" userId="52a29cb4-095e-4b88-8e5b-abe65ecae15b" providerId="ADAL" clId="{DC2DCE8F-63B9-4E30-AB9B-AA51221EABDB}" dt="2023-04-04T04:29:44.996" v="20" actId="21"/>
+          <ac:picMkLst>
+            <pc:docMk/>
+            <pc:sldMk cId="1106058793" sldId="297"/>
+            <ac:picMk id="3" creationId="{41B1E3F0-20FC-4AE1-AA4A-51D82595DCCE}"/>
+          </ac:picMkLst>
+        </pc:picChg>
+        <pc:picChg chg="add mod">
+          <ac:chgData name="Xuanbo" userId="52a29cb4-095e-4b88-8e5b-abe65ecae15b" providerId="ADAL" clId="{DC2DCE8F-63B9-4E30-AB9B-AA51221EABDB}" dt="2023-04-04T04:30:08.855" v="25" actId="1076"/>
+          <ac:picMkLst>
+            <pc:docMk/>
+            <pc:sldMk cId="1106058793" sldId="297"/>
+            <ac:picMk id="4" creationId="{A85303CB-4479-4AA2-B67E-62EB12F5DA07}"/>
+          </ac:picMkLst>
+        </pc:picChg>
+        <pc:picChg chg="del">
+          <ac:chgData name="Xuanbo" userId="52a29cb4-095e-4b88-8e5b-abe65ecae15b" providerId="ADAL" clId="{DC2DCE8F-63B9-4E30-AB9B-AA51221EABDB}" dt="2023-04-04T04:29:44.996" v="20" actId="21"/>
+          <ac:picMkLst>
+            <pc:docMk/>
+            <pc:sldMk cId="1106058793" sldId="297"/>
+            <ac:picMk id="6" creationId="{D3D8F6B1-C8BE-4206-8CB1-9AAA710E6577}"/>
+          </ac:picMkLst>
+        </pc:picChg>
+      </pc:sldChg>
+      <pc:sldChg chg="addSp delSp modSp mod">
+        <pc:chgData name="Xuanbo" userId="52a29cb4-095e-4b88-8e5b-abe65ecae15b" providerId="ADAL" clId="{DC2DCE8F-63B9-4E30-AB9B-AA51221EABDB}" dt="2023-04-04T04:34:52.266" v="105" actId="20577"/>
+        <pc:sldMkLst>
+          <pc:docMk/>
+          <pc:sldMk cId="77921929" sldId="304"/>
+        </pc:sldMkLst>
+        <pc:spChg chg="mod">
+          <ac:chgData name="Xuanbo" userId="52a29cb4-095e-4b88-8e5b-abe65ecae15b" providerId="ADAL" clId="{DC2DCE8F-63B9-4E30-AB9B-AA51221EABDB}" dt="2023-04-04T04:33:24.228" v="79" actId="164"/>
+          <ac:spMkLst>
+            <pc:docMk/>
+            <pc:sldMk cId="77921929" sldId="304"/>
+            <ac:spMk id="7" creationId="{7D6C4428-B079-4976-BC75-D390EBA39177}"/>
+          </ac:spMkLst>
+        </pc:spChg>
+        <pc:spChg chg="add del mod">
+          <ac:chgData name="Xuanbo" userId="52a29cb4-095e-4b88-8e5b-abe65ecae15b" providerId="ADAL" clId="{DC2DCE8F-63B9-4E30-AB9B-AA51221EABDB}" dt="2023-04-04T04:31:08.588" v="47" actId="22"/>
+          <ac:spMkLst>
+            <pc:docMk/>
+            <pc:sldMk cId="77921929" sldId="304"/>
+            <ac:spMk id="10" creationId="{0756E171-EE31-460A-BE92-6B3D18D47569}"/>
+          </ac:spMkLst>
+        </pc:spChg>
+        <pc:spChg chg="del">
+          <ac:chgData name="Xuanbo" userId="52a29cb4-095e-4b88-8e5b-abe65ecae15b" providerId="ADAL" clId="{DC2DCE8F-63B9-4E30-AB9B-AA51221EABDB}" dt="2023-04-04T04:33:47.195" v="85" actId="21"/>
+          <ac:spMkLst>
+            <pc:docMk/>
+            <pc:sldMk cId="77921929" sldId="304"/>
+            <ac:spMk id="13" creationId="{44AC818D-D7CB-4235-9673-82208F9FE01D}"/>
+          </ac:spMkLst>
+        </pc:spChg>
+        <pc:spChg chg="add mod">
+          <ac:chgData name="Xuanbo" userId="52a29cb4-095e-4b88-8e5b-abe65ecae15b" providerId="ADAL" clId="{DC2DCE8F-63B9-4E30-AB9B-AA51221EABDB}" dt="2023-04-04T04:33:25.232" v="80" actId="164"/>
+          <ac:spMkLst>
+            <pc:docMk/>
+            <pc:sldMk cId="77921929" sldId="304"/>
+            <ac:spMk id="14" creationId="{296B0039-9FE5-49EA-9431-D4AA20B6EABF}"/>
+          </ac:spMkLst>
+        </pc:spChg>
+        <pc:spChg chg="add mod">
+          <ac:chgData name="Xuanbo" userId="52a29cb4-095e-4b88-8e5b-abe65ecae15b" providerId="ADAL" clId="{DC2DCE8F-63B9-4E30-AB9B-AA51221EABDB}" dt="2023-04-04T04:34:52.266" v="105" actId="20577"/>
+          <ac:spMkLst>
+            <pc:docMk/>
+            <pc:sldMk cId="77921929" sldId="304"/>
+            <ac:spMk id="18" creationId="{C49589E2-100D-4503-9E2D-D20D4E769D04}"/>
+          </ac:spMkLst>
+        </pc:spChg>
+        <pc:spChg chg="add mod">
+          <ac:chgData name="Xuanbo" userId="52a29cb4-095e-4b88-8e5b-abe65ecae15b" providerId="ADAL" clId="{DC2DCE8F-63B9-4E30-AB9B-AA51221EABDB}" dt="2023-04-04T04:34:24.626" v="102" actId="20577"/>
+          <ac:spMkLst>
+            <pc:docMk/>
+            <pc:sldMk cId="77921929" sldId="304"/>
+            <ac:spMk id="25" creationId="{DEA66D09-890E-43D0-80CB-EE642F7FC063}"/>
+          </ac:spMkLst>
+        </pc:spChg>
+        <pc:grpChg chg="add mod">
+          <ac:chgData name="Xuanbo" userId="52a29cb4-095e-4b88-8e5b-abe65ecae15b" providerId="ADAL" clId="{DC2DCE8F-63B9-4E30-AB9B-AA51221EABDB}" dt="2023-04-04T04:33:24.228" v="79" actId="164"/>
+          <ac:grpSpMkLst>
+            <pc:docMk/>
+            <pc:sldMk cId="77921929" sldId="304"/>
+            <ac:grpSpMk id="20" creationId="{717D9E36-6991-4664-B2BA-3D602C632F62}"/>
+          </ac:grpSpMkLst>
+        </pc:grpChg>
+        <pc:grpChg chg="add mod">
+          <ac:chgData name="Xuanbo" userId="52a29cb4-095e-4b88-8e5b-abe65ecae15b" providerId="ADAL" clId="{DC2DCE8F-63B9-4E30-AB9B-AA51221EABDB}" dt="2023-04-04T04:33:45.221" v="84" actId="465"/>
+          <ac:grpSpMkLst>
+            <pc:docMk/>
+            <pc:sldMk cId="77921929" sldId="304"/>
+            <ac:grpSpMk id="21" creationId="{05CB257B-825C-4B30-8493-726DB4C1EE8B}"/>
+          </ac:grpSpMkLst>
+        </pc:grpChg>
+        <pc:grpChg chg="add mod">
+          <ac:chgData name="Xuanbo" userId="52a29cb4-095e-4b88-8e5b-abe65ecae15b" providerId="ADAL" clId="{DC2DCE8F-63B9-4E30-AB9B-AA51221EABDB}" dt="2023-04-04T04:33:38.205" v="83" actId="408"/>
+          <ac:grpSpMkLst>
+            <pc:docMk/>
+            <pc:sldMk cId="77921929" sldId="304"/>
+            <ac:grpSpMk id="22" creationId="{63F6D3FF-47FB-43E0-9A8B-45AE3FE50AB8}"/>
+          </ac:grpSpMkLst>
+        </pc:grpChg>
+        <pc:graphicFrameChg chg="del">
+          <ac:chgData name="Xuanbo" userId="52a29cb4-095e-4b88-8e5b-abe65ecae15b" providerId="ADAL" clId="{DC2DCE8F-63B9-4E30-AB9B-AA51221EABDB}" dt="2023-04-04T04:30:47.558" v="42" actId="21"/>
+          <ac:graphicFrameMkLst>
+            <pc:docMk/>
+            <pc:sldMk cId="77921929" sldId="304"/>
+            <ac:graphicFrameMk id="2" creationId="{A25FDF38-E177-4465-BC0B-51CE68989D10}"/>
+          </ac:graphicFrameMkLst>
+        </pc:graphicFrameChg>
+        <pc:picChg chg="del">
+          <ac:chgData name="Xuanbo" userId="52a29cb4-095e-4b88-8e5b-abe65ecae15b" providerId="ADAL" clId="{DC2DCE8F-63B9-4E30-AB9B-AA51221EABDB}" dt="2023-04-04T04:30:48.328" v="43" actId="21"/>
+          <ac:picMkLst>
+            <pc:docMk/>
+            <pc:sldMk cId="77921929" sldId="304"/>
+            <ac:picMk id="4" creationId="{BF519D52-A973-4115-BDAC-12D859AC9E76}"/>
+          </ac:picMkLst>
+        </pc:picChg>
+        <pc:picChg chg="del">
+          <ac:chgData name="Xuanbo" userId="52a29cb4-095e-4b88-8e5b-abe65ecae15b" providerId="ADAL" clId="{DC2DCE8F-63B9-4E30-AB9B-AA51221EABDB}" dt="2023-04-04T04:30:47.558" v="42" actId="21"/>
+          <ac:picMkLst>
+            <pc:docMk/>
+            <pc:sldMk cId="77921929" sldId="304"/>
+            <ac:picMk id="6" creationId="{DAE93B3B-04C8-4627-814E-4314C6901EFE}"/>
+          </ac:picMkLst>
+        </pc:picChg>
+        <pc:picChg chg="add mod">
+          <ac:chgData name="Xuanbo" userId="52a29cb4-095e-4b88-8e5b-abe65ecae15b" providerId="ADAL" clId="{DC2DCE8F-63B9-4E30-AB9B-AA51221EABDB}" dt="2023-04-04T04:33:24.228" v="79" actId="164"/>
+          <ac:picMkLst>
+            <pc:docMk/>
+            <pc:sldMk cId="77921929" sldId="304"/>
+            <ac:picMk id="8" creationId="{9185F103-5CD5-404C-8705-7E705FA913F1}"/>
+          </ac:picMkLst>
+        </pc:picChg>
+        <pc:picChg chg="del">
+          <ac:chgData name="Xuanbo" userId="52a29cb4-095e-4b88-8e5b-abe65ecae15b" providerId="ADAL" clId="{DC2DCE8F-63B9-4E30-AB9B-AA51221EABDB}" dt="2023-04-04T04:30:47.558" v="42" actId="21"/>
+          <ac:picMkLst>
+            <pc:docMk/>
+            <pc:sldMk cId="77921929" sldId="304"/>
+            <ac:picMk id="9" creationId="{0095B571-6651-4451-8626-34DBA64368EA}"/>
+          </ac:picMkLst>
+        </pc:picChg>
+        <pc:picChg chg="del">
+          <ac:chgData name="Xuanbo" userId="52a29cb4-095e-4b88-8e5b-abe65ecae15b" providerId="ADAL" clId="{DC2DCE8F-63B9-4E30-AB9B-AA51221EABDB}" dt="2023-04-04T04:30:47.558" v="42" actId="21"/>
+          <ac:picMkLst>
+            <pc:docMk/>
+            <pc:sldMk cId="77921929" sldId="304"/>
+            <ac:picMk id="11" creationId="{5103D45B-4514-4C54-A8AB-E9CCFBB2F603}"/>
+          </ac:picMkLst>
+        </pc:picChg>
+        <pc:picChg chg="add del mod">
+          <ac:chgData name="Xuanbo" userId="52a29cb4-095e-4b88-8e5b-abe65ecae15b" providerId="ADAL" clId="{DC2DCE8F-63B9-4E30-AB9B-AA51221EABDB}" dt="2023-04-04T04:31:59.078" v="57" actId="22"/>
+          <ac:picMkLst>
+            <pc:docMk/>
+            <pc:sldMk cId="77921929" sldId="304"/>
+            <ac:picMk id="15" creationId="{F8A3236B-654C-40F5-BEA8-AF3F2B596C0D}"/>
+          </ac:picMkLst>
+        </pc:picChg>
+        <pc:picChg chg="add mod">
+          <ac:chgData name="Xuanbo" userId="52a29cb4-095e-4b88-8e5b-abe65ecae15b" providerId="ADAL" clId="{DC2DCE8F-63B9-4E30-AB9B-AA51221EABDB}" dt="2023-04-04T04:33:25.232" v="80" actId="164"/>
+          <ac:picMkLst>
+            <pc:docMk/>
+            <pc:sldMk cId="77921929" sldId="304"/>
+            <ac:picMk id="17" creationId="{17C74CAB-3795-48D1-AA6E-9CAC4ED7D8D4}"/>
+          </ac:picMkLst>
+        </pc:picChg>
+        <pc:picChg chg="add mod">
+          <ac:chgData name="Xuanbo" userId="52a29cb4-095e-4b88-8e5b-abe65ecae15b" providerId="ADAL" clId="{DC2DCE8F-63B9-4E30-AB9B-AA51221EABDB}" dt="2023-04-04T04:33:26.284" v="81" actId="164"/>
+          <ac:picMkLst>
+            <pc:docMk/>
+            <pc:sldMk cId="77921929" sldId="304"/>
+            <ac:picMk id="19" creationId="{BE9A5B97-C3A8-4ECB-A48F-669ACD4CF941}"/>
+          </ac:picMkLst>
+        </pc:picChg>
+        <pc:picChg chg="add mod">
+          <ac:chgData name="Xuanbo" userId="52a29cb4-095e-4b88-8e5b-abe65ecae15b" providerId="ADAL" clId="{DC2DCE8F-63B9-4E30-AB9B-AA51221EABDB}" dt="2023-04-04T04:34:12.986" v="92" actId="1076"/>
+          <ac:picMkLst>
+            <pc:docMk/>
+            <pc:sldMk cId="77921929" sldId="304"/>
+            <ac:picMk id="24" creationId="{68B84CDC-0649-4DE6-8EA2-691D8C26F008}"/>
+          </ac:picMkLst>
+        </pc:picChg>
+      </pc:sldChg>
+      <pc:sldChg chg="del">
+        <pc:chgData name="Xuanbo" userId="52a29cb4-095e-4b88-8e5b-abe65ecae15b" providerId="ADAL" clId="{DC2DCE8F-63B9-4E30-AB9B-AA51221EABDB}" dt="2023-04-04T04:32:18.916" v="63" actId="2696"/>
+        <pc:sldMkLst>
+          <pc:docMk/>
+          <pc:sldMk cId="2441299604" sldId="305"/>
+        </pc:sldMkLst>
+      </pc:sldChg>
+      <pc:sldChg chg="del">
+        <pc:chgData name="Xuanbo" userId="52a29cb4-095e-4b88-8e5b-abe65ecae15b" providerId="ADAL" clId="{DC2DCE8F-63B9-4E30-AB9B-AA51221EABDB}" dt="2023-04-04T04:32:18.916" v="63" actId="2696"/>
+        <pc:sldMkLst>
+          <pc:docMk/>
+          <pc:sldMk cId="2568135176" sldId="306"/>
+        </pc:sldMkLst>
+      </pc:sldChg>
+      <pc:sldChg chg="del">
+        <pc:chgData name="Xuanbo" userId="52a29cb4-095e-4b88-8e5b-abe65ecae15b" providerId="ADAL" clId="{DC2DCE8F-63B9-4E30-AB9B-AA51221EABDB}" dt="2023-04-04T04:32:18.916" v="63" actId="2696"/>
+        <pc:sldMkLst>
+          <pc:docMk/>
+          <pc:sldMk cId="3864501305" sldId="307"/>
+        </pc:sldMkLst>
+      </pc:sldChg>
+      <pc:sldChg chg="addSp delSp modSp mod">
+        <pc:chgData name="Xuanbo" userId="52a29cb4-095e-4b88-8e5b-abe65ecae15b" providerId="ADAL" clId="{DC2DCE8F-63B9-4E30-AB9B-AA51221EABDB}" dt="2023-04-04T04:52:59.682" v="257" actId="20577"/>
+        <pc:sldMkLst>
+          <pc:docMk/>
+          <pc:sldMk cId="3758680294" sldId="308"/>
+        </pc:sldMkLst>
+        <pc:spChg chg="mod">
+          <ac:chgData name="Xuanbo" userId="52a29cb4-095e-4b88-8e5b-abe65ecae15b" providerId="ADAL" clId="{DC2DCE8F-63B9-4E30-AB9B-AA51221EABDB}" dt="2023-04-04T04:42:33.635" v="200" actId="20577"/>
+          <ac:spMkLst>
+            <pc:docMk/>
+            <pc:sldMk cId="3758680294" sldId="308"/>
+            <ac:spMk id="14" creationId="{3EF3B805-3704-437E-A20B-22CEEC81991C}"/>
+          </ac:spMkLst>
+        </pc:spChg>
+        <pc:spChg chg="del">
+          <ac:chgData name="Xuanbo" userId="52a29cb4-095e-4b88-8e5b-abe65ecae15b" providerId="ADAL" clId="{DC2DCE8F-63B9-4E30-AB9B-AA51221EABDB}" dt="2023-04-04T04:37:10.714" v="128" actId="21"/>
+          <ac:spMkLst>
+            <pc:docMk/>
+            <pc:sldMk cId="3758680294" sldId="308"/>
+            <ac:spMk id="17" creationId="{1480E2E0-BCD0-4AAE-89B6-C4673AB38299}"/>
+          </ac:spMkLst>
+        </pc:spChg>
+        <pc:spChg chg="add mod">
+          <ac:chgData name="Xuanbo" userId="52a29cb4-095e-4b88-8e5b-abe65ecae15b" providerId="ADAL" clId="{DC2DCE8F-63B9-4E30-AB9B-AA51221EABDB}" dt="2023-04-04T04:52:59.682" v="257" actId="20577"/>
+          <ac:spMkLst>
+            <pc:docMk/>
+            <pc:sldMk cId="3758680294" sldId="308"/>
+            <ac:spMk id="18" creationId="{52BC0EDA-B59A-4C40-8722-CC8394D09911}"/>
+          </ac:spMkLst>
+        </pc:spChg>
+        <pc:grpChg chg="add mod">
+          <ac:chgData name="Xuanbo" userId="52a29cb4-095e-4b88-8e5b-abe65ecae15b" providerId="ADAL" clId="{DC2DCE8F-63B9-4E30-AB9B-AA51221EABDB}" dt="2023-04-04T04:39:10.406" v="164" actId="1076"/>
+          <ac:grpSpMkLst>
+            <pc:docMk/>
+            <pc:sldMk cId="3758680294" sldId="308"/>
+            <ac:grpSpMk id="12" creationId="{DCAD2722-70C6-4ABF-AF19-3C7B66239E02}"/>
+          </ac:grpSpMkLst>
+        </pc:grpChg>
+        <pc:grpChg chg="del">
+          <ac:chgData name="Xuanbo" userId="52a29cb4-095e-4b88-8e5b-abe65ecae15b" providerId="ADAL" clId="{DC2DCE8F-63B9-4E30-AB9B-AA51221EABDB}" dt="2023-04-04T04:37:10.714" v="128" actId="21"/>
+          <ac:grpSpMkLst>
+            <pc:docMk/>
+            <pc:sldMk cId="3758680294" sldId="308"/>
+            <ac:grpSpMk id="15" creationId="{BC89D6FE-77F3-4421-968E-F54365B39686}"/>
+          </ac:grpSpMkLst>
+        </pc:grpChg>
+        <pc:picChg chg="add mod modCrop">
+          <ac:chgData name="Xuanbo" userId="52a29cb4-095e-4b88-8e5b-abe65ecae15b" providerId="ADAL" clId="{DC2DCE8F-63B9-4E30-AB9B-AA51221EABDB}" dt="2023-04-04T04:39:01.097" v="161" actId="164"/>
+          <ac:picMkLst>
+            <pc:docMk/>
+            <pc:sldMk cId="3758680294" sldId="308"/>
+            <ac:picMk id="3" creationId="{0C50A966-F6EE-469F-8FCC-6530947C3051}"/>
+          </ac:picMkLst>
+        </pc:picChg>
+        <pc:picChg chg="add mod modCrop">
+          <ac:chgData name="Xuanbo" userId="52a29cb4-095e-4b88-8e5b-abe65ecae15b" providerId="ADAL" clId="{DC2DCE8F-63B9-4E30-AB9B-AA51221EABDB}" dt="2023-04-04T04:39:01.097" v="161" actId="164"/>
+          <ac:picMkLst>
+            <pc:docMk/>
+            <pc:sldMk cId="3758680294" sldId="308"/>
+            <ac:picMk id="6" creationId="{717CDF2F-9A92-4A55-8CC4-676658A2C90A}"/>
+          </ac:picMkLst>
+        </pc:picChg>
+        <pc:picChg chg="add mod modCrop">
+          <ac:chgData name="Xuanbo" userId="52a29cb4-095e-4b88-8e5b-abe65ecae15b" providerId="ADAL" clId="{DC2DCE8F-63B9-4E30-AB9B-AA51221EABDB}" dt="2023-04-04T04:39:01.097" v="161" actId="164"/>
+          <ac:picMkLst>
+            <pc:docMk/>
+            <pc:sldMk cId="3758680294" sldId="308"/>
+            <ac:picMk id="10" creationId="{C7274BF6-3AC6-4FAF-8EEB-2A9E8904DD1C}"/>
+          </ac:picMkLst>
+        </pc:picChg>
+      </pc:sldChg>
+      <pc:sldChg chg="addSp delSp modSp add mod setBg">
+        <pc:chgData name="Xuanbo" userId="52a29cb4-095e-4b88-8e5b-abe65ecae15b" providerId="ADAL" clId="{DC2DCE8F-63B9-4E30-AB9B-AA51221EABDB}" dt="2023-04-04T04:36:57.453" v="118" actId="1076"/>
+        <pc:sldMkLst>
+          <pc:docMk/>
+          <pc:sldMk cId="961108044" sldId="309"/>
+        </pc:sldMkLst>
+        <pc:spChg chg="mod">
+          <ac:chgData name="Xuanbo" userId="52a29cb4-095e-4b88-8e5b-abe65ecae15b" providerId="ADAL" clId="{DC2DCE8F-63B9-4E30-AB9B-AA51221EABDB}" dt="2023-04-04T04:36:34.703" v="111" actId="14100"/>
+          <ac:spMkLst>
+            <pc:docMk/>
+            <pc:sldMk cId="961108044" sldId="309"/>
+            <ac:spMk id="7" creationId="{7D6C4428-B079-4976-BC75-D390EBA39177}"/>
+          </ac:spMkLst>
+        </pc:spChg>
+        <pc:spChg chg="del">
+          <ac:chgData name="Xuanbo" userId="52a29cb4-095e-4b88-8e5b-abe65ecae15b" providerId="ADAL" clId="{DC2DCE8F-63B9-4E30-AB9B-AA51221EABDB}" dt="2023-04-04T04:35:03.692" v="108" actId="21"/>
+          <ac:spMkLst>
+            <pc:docMk/>
+            <pc:sldMk cId="961108044" sldId="309"/>
+            <ac:spMk id="13" creationId="{44AC818D-D7CB-4235-9673-82208F9FE01D}"/>
+          </ac:spMkLst>
+        </pc:spChg>
+        <pc:spChg chg="del">
+          <ac:chgData name="Xuanbo" userId="52a29cb4-095e-4b88-8e5b-abe65ecae15b" providerId="ADAL" clId="{DC2DCE8F-63B9-4E30-AB9B-AA51221EABDB}" dt="2023-04-04T04:32:21.558" v="64" actId="21"/>
+          <ac:spMkLst>
+            <pc:docMk/>
+            <pc:sldMk cId="961108044" sldId="309"/>
+            <ac:spMk id="14" creationId="{296B0039-9FE5-49EA-9431-D4AA20B6EABF}"/>
+          </ac:spMkLst>
+        </pc:spChg>
+        <pc:picChg chg="add mod">
+          <ac:chgData name="Xuanbo" userId="52a29cb4-095e-4b88-8e5b-abe65ecae15b" providerId="ADAL" clId="{DC2DCE8F-63B9-4E30-AB9B-AA51221EABDB}" dt="2023-04-04T04:36:57.453" v="118" actId="1076"/>
+          <ac:picMkLst>
+            <pc:docMk/>
+            <pc:sldMk cId="961108044" sldId="309"/>
+            <ac:picMk id="3" creationId="{52442A7A-6E5E-4B4F-AA46-C3628F8B1840}"/>
+          </ac:picMkLst>
+        </pc:picChg>
+        <pc:picChg chg="add mod">
+          <ac:chgData name="Xuanbo" userId="52a29cb4-095e-4b88-8e5b-abe65ecae15b" providerId="ADAL" clId="{DC2DCE8F-63B9-4E30-AB9B-AA51221EABDB}" dt="2023-04-04T04:36:55.680" v="117" actId="1076"/>
+          <ac:picMkLst>
+            <pc:docMk/>
+            <pc:sldMk cId="961108044" sldId="309"/>
+            <ac:picMk id="5" creationId="{8DF90EE6-94E1-45E5-B604-D44911DF0408}"/>
+          </ac:picMkLst>
+        </pc:picChg>
+        <pc:picChg chg="del">
+          <ac:chgData name="Xuanbo" userId="52a29cb4-095e-4b88-8e5b-abe65ecae15b" providerId="ADAL" clId="{DC2DCE8F-63B9-4E30-AB9B-AA51221EABDB}" dt="2023-04-04T04:35:03.692" v="108" actId="21"/>
+          <ac:picMkLst>
+            <pc:docMk/>
+            <pc:sldMk cId="961108044" sldId="309"/>
+            <ac:picMk id="8" creationId="{9185F103-5CD5-404C-8705-7E705FA913F1}"/>
+          </ac:picMkLst>
+        </pc:picChg>
+        <pc:picChg chg="del">
+          <ac:chgData name="Xuanbo" userId="52a29cb4-095e-4b88-8e5b-abe65ecae15b" providerId="ADAL" clId="{DC2DCE8F-63B9-4E30-AB9B-AA51221EABDB}" dt="2023-04-04T04:32:21.558" v="64" actId="21"/>
+          <ac:picMkLst>
+            <pc:docMk/>
+            <pc:sldMk cId="961108044" sldId="309"/>
+            <ac:picMk id="17" creationId="{17C74CAB-3795-48D1-AA6E-9CAC4ED7D8D4}"/>
+          </ac:picMkLst>
+        </pc:picChg>
+      </pc:sldChg>
+      <pc:sldChg chg="add del">
+        <pc:chgData name="Xuanbo" userId="52a29cb4-095e-4b88-8e5b-abe65ecae15b" providerId="ADAL" clId="{DC2DCE8F-63B9-4E30-AB9B-AA51221EABDB}" dt="2023-04-04T04:44:02.922" v="207"/>
+        <pc:sldMkLst>
+          <pc:docMk/>
+          <pc:sldMk cId="1095613207" sldId="310"/>
+        </pc:sldMkLst>
+      </pc:sldChg>
+      <pc:sldChg chg="add del setBg">
+        <pc:chgData name="Xuanbo" userId="52a29cb4-095e-4b88-8e5b-abe65ecae15b" providerId="ADAL" clId="{DC2DCE8F-63B9-4E30-AB9B-AA51221EABDB}" dt="2023-04-04T04:44:02.922" v="207"/>
+        <pc:sldMkLst>
+          <pc:docMk/>
+          <pc:sldMk cId="3098911346" sldId="311"/>
+        </pc:sldMkLst>
+      </pc:sldChg>
+      <pc:sldChg chg="add del">
+        <pc:chgData name="Xuanbo" userId="52a29cb4-095e-4b88-8e5b-abe65ecae15b" providerId="ADAL" clId="{DC2DCE8F-63B9-4E30-AB9B-AA51221EABDB}" dt="2023-04-04T04:44:02.922" v="207"/>
+        <pc:sldMkLst>
+          <pc:docMk/>
+          <pc:sldMk cId="3986056011" sldId="312"/>
+        </pc:sldMkLst>
+      </pc:sldChg>
+      <pc:sldChg chg="add del">
+        <pc:chgData name="Xuanbo" userId="52a29cb4-095e-4b88-8e5b-abe65ecae15b" providerId="ADAL" clId="{DC2DCE8F-63B9-4E30-AB9B-AA51221EABDB}" dt="2023-04-04T04:44:02.922" v="207"/>
+        <pc:sldMkLst>
+          <pc:docMk/>
+          <pc:sldMk cId="3964026849" sldId="313"/>
         </pc:sldMkLst>
       </pc:sldChg>
     </pc:docChg>
@@ -11709,7 +12310,7 @@
           <a:p>
             <a:fld id="{EBFF6B57-3ABC-4421-A8BE-44D02CB02B65}" type="datetimeFigureOut">
               <a:rPr lang="en-US" smtClean="0"/>
-              <a:t>3/21/2023</a:t>
+              <a:t>4/3/2023</a:t>
             </a:fld>
             <a:endParaRPr lang="en-US"/>
           </a:p>
@@ -11947,7 +12548,7 @@
           <a:p>
             <a:fld id="{EBFF6B57-3ABC-4421-A8BE-44D02CB02B65}" type="datetimeFigureOut">
               <a:rPr lang="en-US" smtClean="0"/>
-              <a:t>3/21/2023</a:t>
+              <a:t>4/3/2023</a:t>
             </a:fld>
             <a:endParaRPr lang="en-US"/>
           </a:p>
@@ -12185,7 +12786,7 @@
           <a:p>
             <a:fld id="{EBFF6B57-3ABC-4421-A8BE-44D02CB02B65}" type="datetimeFigureOut">
               <a:rPr lang="en-US" smtClean="0"/>
-              <a:t>3/21/2023</a:t>
+              <a:t>4/3/2023</a:t>
             </a:fld>
             <a:endParaRPr lang="en-US"/>
           </a:p>
@@ -12423,7 +13024,7 @@
           <a:p>
             <a:fld id="{EBFF6B57-3ABC-4421-A8BE-44D02CB02B65}" type="datetimeFigureOut">
               <a:rPr lang="en-US" smtClean="0"/>
-              <a:t>3/21/2023</a:t>
+              <a:t>4/3/2023</a:t>
             </a:fld>
             <a:endParaRPr lang="en-US"/>
           </a:p>
@@ -12728,7 +13329,7 @@
           <a:p>
             <a:fld id="{EBFF6B57-3ABC-4421-A8BE-44D02CB02B65}" type="datetimeFigureOut">
               <a:rPr lang="en-US" smtClean="0"/>
-              <a:t>3/21/2023</a:t>
+              <a:t>4/3/2023</a:t>
             </a:fld>
             <a:endParaRPr lang="en-US"/>
           </a:p>
@@ -13031,7 +13632,7 @@
           <a:p>
             <a:fld id="{EBFF6B57-3ABC-4421-A8BE-44D02CB02B65}" type="datetimeFigureOut">
               <a:rPr lang="en-US" smtClean="0"/>
-              <a:t>3/21/2023</a:t>
+              <a:t>4/3/2023</a:t>
             </a:fld>
             <a:endParaRPr lang="en-US"/>
           </a:p>
@@ -13482,7 +14083,7 @@
           <a:p>
             <a:fld id="{EBFF6B57-3ABC-4421-A8BE-44D02CB02B65}" type="datetimeFigureOut">
               <a:rPr lang="en-US" smtClean="0"/>
-              <a:t>3/21/2023</a:t>
+              <a:t>4/3/2023</a:t>
             </a:fld>
             <a:endParaRPr lang="en-US"/>
           </a:p>
@@ -13655,7 +14256,7 @@
           <a:p>
             <a:fld id="{EBFF6B57-3ABC-4421-A8BE-44D02CB02B65}" type="datetimeFigureOut">
               <a:rPr lang="en-US" smtClean="0"/>
-              <a:t>3/21/2023</a:t>
+              <a:t>4/3/2023</a:t>
             </a:fld>
             <a:endParaRPr lang="en-US"/>
           </a:p>
@@ -13792,7 +14393,7 @@
           <a:p>
             <a:fld id="{EBFF6B57-3ABC-4421-A8BE-44D02CB02B65}" type="datetimeFigureOut">
               <a:rPr lang="en-US" smtClean="0"/>
-              <a:t>3/21/2023</a:t>
+              <a:t>4/3/2023</a:t>
             </a:fld>
             <a:endParaRPr lang="en-US"/>
           </a:p>
@@ -14136,7 +14737,7 @@
           <a:p>
             <a:fld id="{EBFF6B57-3ABC-4421-A8BE-44D02CB02B65}" type="datetimeFigureOut">
               <a:rPr lang="en-US" smtClean="0"/>
-              <a:t>3/21/2023</a:t>
+              <a:t>4/3/2023</a:t>
             </a:fld>
             <a:endParaRPr lang="en-US"/>
           </a:p>
@@ -14457,7 +15058,7 @@
           <a:p>
             <a:fld id="{EBFF6B57-3ABC-4421-A8BE-44D02CB02B65}" type="datetimeFigureOut">
               <a:rPr lang="en-US" smtClean="0"/>
-              <a:t>3/21/2023</a:t>
+              <a:t>4/3/2023</a:t>
             </a:fld>
             <a:endParaRPr lang="en-US"/>
           </a:p>
@@ -14889,6 +15490,102 @@
           <a:chExt cx="0" cy="0"/>
         </a:xfrm>
       </p:grpSpPr>
+      <mc:AlternateContent xmlns:mc="http://schemas.openxmlformats.org/markup-compatibility/2006">
+        <mc:Choice xmlns:pslz="http://schemas.microsoft.com/office/powerpoint/2016/slidezoom" Requires="pslz">
+          <p:graphicFrame>
+            <p:nvGraphicFramePr>
+              <p:cNvPr id="13" name="Slide Zoom 12">
+                <a:extLst>
+                  <a:ext uri="{FF2B5EF4-FFF2-40B4-BE49-F238E27FC236}">
+                    <a16:creationId xmlns:a16="http://schemas.microsoft.com/office/drawing/2014/main" id="{A3D172B9-5BF8-4E4F-9CBD-2428A02D62C4}"/>
+                  </a:ext>
+                </a:extLst>
+              </p:cNvPr>
+              <p:cNvGraphicFramePr>
+                <a:graphicFrameLocks noChangeAspect="1"/>
+              </p:cNvGraphicFramePr>
+              <p:nvPr>
+                <p:extLst>
+                  <p:ext uri="{D42A27DB-BD31-4B8C-83A1-F6EECF244321}">
+                    <p14:modId xmlns:p14="http://schemas.microsoft.com/office/powerpoint/2010/main" val="1809440009"/>
+                  </p:ext>
+                </p:extLst>
+              </p:nvPr>
+            </p:nvGraphicFramePr>
+            <p:xfrm>
+              <a:off x="6647055" y="3304079"/>
+              <a:ext cx="3048000" cy="1714500"/>
+            </p:xfrm>
+            <a:graphic>
+              <a:graphicData uri="http://schemas.microsoft.com/office/powerpoint/2016/slidezoom">
+                <pslz:sldZm>
+                  <pslz:sldZmObj sldId="309" cId="961108044">
+                    <pslz:zmPr id="{5B179232-4C77-4FBE-8C9B-E96C0A31EF34}" returnToParent="0" transitionDur="1000">
+                      <p166:blipFill xmlns:p166="http://schemas.microsoft.com/office/powerpoint/2016/6/main">
+                        <a:blip r:embed="rId2"/>
+                        <a:stretch>
+                          <a:fillRect/>
+                        </a:stretch>
+                      </p166:blipFill>
+                      <p166:spPr xmlns:p166="http://schemas.microsoft.com/office/powerpoint/2016/6/main">
+                        <a:xfrm>
+                          <a:off x="0" y="0"/>
+                          <a:ext cx="3048000" cy="1714500"/>
+                        </a:xfrm>
+                        <a:prstGeom prst="rect">
+                          <a:avLst/>
+                        </a:prstGeom>
+                        <a:ln w="3175">
+                          <a:solidFill>
+                            <a:prstClr val="ltGray"/>
+                          </a:solidFill>
+                        </a:ln>
+                      </p166:spPr>
+                    </pslz:zmPr>
+                  </pslz:sldZmObj>
+                </pslz:sldZm>
+              </a:graphicData>
+            </a:graphic>
+          </p:graphicFrame>
+        </mc:Choice>
+        <mc:Fallback>
+          <p:pic>
+            <p:nvPicPr>
+              <p:cNvPr id="13" name="Slide Zoom 12">
+                <a:extLst>
+                  <a:ext uri="{FF2B5EF4-FFF2-40B4-BE49-F238E27FC236}">
+                    <a16:creationId xmlns:a16="http://schemas.microsoft.com/office/drawing/2014/main" id="{A3D172B9-5BF8-4E4F-9CBD-2428A02D62C4}"/>
+                  </a:ext>
+                </a:extLst>
+              </p:cNvPr>
+              <p:cNvPicPr>
+                <a:picLocks noGrp="1" noRot="1" noChangeAspect="1" noMove="1" noResize="1" noEditPoints="1" noAdjustHandles="1" noChangeArrowheads="1" noChangeShapeType="1"/>
+              </p:cNvPicPr>
+              <p:nvPr/>
+            </p:nvPicPr>
+            <p:blipFill>
+              <a:blip r:embed="rId2"/>
+              <a:stretch>
+                <a:fillRect/>
+              </a:stretch>
+            </p:blipFill>
+            <p:spPr>
+              <a:xfrm>
+                <a:off x="6647055" y="3304079"/>
+                <a:ext cx="3048000" cy="1714500"/>
+              </a:xfrm>
+              <a:prstGeom prst="rect">
+                <a:avLst/>
+              </a:prstGeom>
+              <a:ln w="3175">
+                <a:solidFill>
+                  <a:prstClr val="ltGray"/>
+                </a:solidFill>
+              </a:ln>
+            </p:spPr>
+          </p:pic>
+        </mc:Fallback>
+      </mc:AlternateContent>
       <p:sp>
         <p:nvSpPr>
           <p:cNvPr id="17" name="TextBox 16">
@@ -14904,7 +15601,7 @@
         <p:spPr>
           <a:xfrm>
             <a:off x="273438" y="3867721"/>
-            <a:ext cx="5848128" cy="3046988"/>
+            <a:ext cx="5848128" cy="2800767"/>
           </a:xfrm>
           <a:prstGeom prst="rect">
             <a:avLst/>
@@ -14927,7 +15624,51 @@
                 <a:ea typeface="华文新魏" panose="02010800040101010101" pitchFamily="2" charset="-122"/>
                 <a:cs typeface="Times New Roman" panose="02020603050405020304" pitchFamily="18" charset="0"/>
               </a:rPr>
-              <a:t>This assignment addresses the enhancement of a convolutional neural network (CNN) for multi-class image classification. Challenges like poor classification performance on specific classes are analyzed using a confusion matrix. Factors affecting performance include insufficient training, similarity between classes, suboptimal network architecture, inadequate data preprocessing, and imbalanced dataset. Various techniques are suggested to improve performance, such as experimenting with network architectures, increasing training data size, applying data augmentation, addressing class imbalance, and using transfer learning. The assignment underscores the importance of understanding and optimizing factors that affect CNN performance in computer vision tasks.</a:t>
+              <a:t>This assignment evaluates the performance of the DeepLabV3-ResNet50 model, a state-of-the-art semantic image segmentation network, on a set of test images. Using </a:t>
+            </a:r>
+            <a:r>
+              <a:rPr lang="en-US" sz="1600" kern="100" dirty="0" err="1">
+                <a:solidFill>
+                  <a:srgbClr val="16388A"/>
+                </a:solidFill>
+                <a:latin typeface="Times New Roman" panose="02020603050405020304" pitchFamily="18" charset="0"/>
+                <a:ea typeface="华文新魏" panose="02010800040101010101" pitchFamily="2" charset="-122"/>
+                <a:cs typeface="Times New Roman" panose="02020603050405020304" pitchFamily="18" charset="0"/>
+              </a:rPr>
+              <a:t>PyTorch</a:t>
+            </a:r>
+            <a:r>
+              <a:rPr lang="en-US" sz="1600" kern="100" dirty="0">
+                <a:solidFill>
+                  <a:srgbClr val="16388A"/>
+                </a:solidFill>
+                <a:latin typeface="Times New Roman" panose="02020603050405020304" pitchFamily="18" charset="0"/>
+                <a:ea typeface="华文新魏" panose="02010800040101010101" pitchFamily="2" charset="-122"/>
+                <a:cs typeface="Times New Roman" panose="02020603050405020304" pitchFamily="18" charset="0"/>
+              </a:rPr>
+              <a:t> and </a:t>
+            </a:r>
+            <a:r>
+              <a:rPr lang="en-US" sz="1600" kern="100" dirty="0" err="1">
+                <a:solidFill>
+                  <a:srgbClr val="16388A"/>
+                </a:solidFill>
+                <a:latin typeface="Times New Roman" panose="02020603050405020304" pitchFamily="18" charset="0"/>
+                <a:ea typeface="华文新魏" panose="02010800040101010101" pitchFamily="2" charset="-122"/>
+                <a:cs typeface="Times New Roman" panose="02020603050405020304" pitchFamily="18" charset="0"/>
+              </a:rPr>
+              <a:t>TorchVision</a:t>
+            </a:r>
+            <a:r>
+              <a:rPr lang="en-US" sz="1600" kern="100" dirty="0">
+                <a:solidFill>
+                  <a:srgbClr val="16388A"/>
+                </a:solidFill>
+                <a:latin typeface="Times New Roman" panose="02020603050405020304" pitchFamily="18" charset="0"/>
+                <a:ea typeface="华文新魏" panose="02010800040101010101" pitchFamily="2" charset="-122"/>
+                <a:cs typeface="Times New Roman" panose="02020603050405020304" pitchFamily="18" charset="0"/>
+              </a:rPr>
+              <a:t> segmentation frameworks, we preprocess input images, segment them, and visualize the results. We assess the model's performance by comparing generated masks with original images, and discuss potential reasons for incorrect segmentation, such as insufficient training data, class imbalance, occlusion, object variability, and image quality. Our findings provide insights into the strengths and weaknesses of the DeepLabV3 model for semantic image segmentation and suggest directions for future improvements.</a:t>
             </a:r>
           </a:p>
         </p:txBody>
@@ -15027,7 +15768,7 @@
                   </a:spcBef>
                   <a:buSzPct val="120000"/>
                   <a:buBlip>
-                    <a:blip r:embed="rId2"/>
+                    <a:blip r:embed="rId3"/>
                   </a:buBlip>
                   <a:defRPr sz="2800">
                     <a:solidFill>
@@ -15278,7 +16019,7 @@
                     <a:ea typeface="微软雅黑" panose="020B0503020204020204" pitchFamily="34" charset="-122"/>
                     <a:cs typeface="Times New Roman" panose="02020603050405020304" pitchFamily="18" charset="0"/>
                   </a:rPr>
-                  <a:t>HOMEWORK 3B</a:t>
+                  <a:t>HOMEWORK 4A</a:t>
                 </a:r>
               </a:p>
               <a:p>
@@ -15322,8 +16063,8 @@
               </a:p>
             </p:txBody>
           </p:sp>
-          <mc:AlternateContent xmlns:mc="http://schemas.openxmlformats.org/markup-compatibility/2006" xmlns:a14="http://schemas.microsoft.com/office/drawing/2010/main">
-            <mc:Choice Requires="a14">
+          <mc:AlternateContent xmlns:mc="http://schemas.openxmlformats.org/markup-compatibility/2006">
+            <mc:Choice xmlns:a14="http://schemas.microsoft.com/office/drawing/2010/main" Requires="a14">
               <p:sp>
                 <p:nvSpPr>
                   <p:cNvPr id="11" name="TextBox 10">
@@ -15339,7 +16080,7 @@
                 <p:spPr>
                   <a:xfrm>
                     <a:off x="580265" y="1432188"/>
-                    <a:ext cx="4609211" cy="369332"/>
+                    <a:ext cx="4609211" cy="584775"/>
                   </a:xfrm>
                   <a:prstGeom prst="rect">
                     <a:avLst/>
@@ -15362,16 +16103,16 @@
                         </m:oMathParaPr>
                         <m:oMath xmlns:m="http://schemas.openxmlformats.org/officeDocument/2006/math">
                           <m:r>
-                            <a:rPr lang="en-US" b="1" i="1">
+                            <a:rPr lang="en-US" sz="1600" b="1" i="1" smtClean="0">
                               <a:solidFill>
                                 <a:srgbClr val="16388A"/>
                               </a:solidFill>
                               <a:latin typeface="Cambria Math" panose="02040503050406030204" pitchFamily="18" charset="0"/>
                             </a:rPr>
-                            <m:t>𝑰𝒎𝒂𝒈𝒆</m:t>
+                            <m:t>𝑺𝒆𝒎𝒂𝒏𝒕𝒊𝒄</m:t>
                           </m:r>
                           <m:r>
-                            <a:rPr lang="en-US" b="1" i="1">
+                            <a:rPr lang="en-US" sz="1600" b="1" i="1" smtClean="0">
                               <a:solidFill>
                                 <a:srgbClr val="16388A"/>
                               </a:solidFill>
@@ -15380,23 +16121,151 @@
                             <m:t> </m:t>
                           </m:r>
                           <m:r>
-                            <a:rPr lang="en-US" b="1" i="1">
+                            <a:rPr lang="en-US" sz="1600" b="1" i="1" smtClean="0">
                               <a:solidFill>
                                 <a:srgbClr val="16388A"/>
                               </a:solidFill>
                               <a:latin typeface="Cambria Math" panose="02040503050406030204" pitchFamily="18" charset="0"/>
                             </a:rPr>
-                            <m:t>𝑪𝒍𝒂𝒔𝒔𝒊𝒇𝒊𝒄𝒂𝒕𝒊𝒐𝒏</m:t>
+                            <m:t>𝑺𝒆𝒈𝒎𝒆𝒏𝒕𝒂𝒕𝒊𝒐𝒏</m:t>
+                          </m:r>
+                          <m:r>
+                            <a:rPr lang="en-US" sz="1600" b="1" i="1" smtClean="0">
+                              <a:solidFill>
+                                <a:srgbClr val="16388A"/>
+                              </a:solidFill>
+                              <a:latin typeface="Cambria Math" panose="02040503050406030204" pitchFamily="18" charset="0"/>
+                            </a:rPr>
+                            <m:t> </m:t>
+                          </m:r>
+                          <m:r>
+                            <a:rPr lang="en-US" sz="1600" b="1" i="1" smtClean="0">
+                              <a:solidFill>
+                                <a:srgbClr val="16388A"/>
+                              </a:solidFill>
+                              <a:latin typeface="Cambria Math" panose="02040503050406030204" pitchFamily="18" charset="0"/>
+                            </a:rPr>
+                            <m:t>𝒖𝒔𝒊𝒏𝒈</m:t>
+                          </m:r>
+                          <m:r>
+                            <a:rPr lang="en-US" sz="1600" b="1" i="1" smtClean="0">
+                              <a:solidFill>
+                                <a:srgbClr val="16388A"/>
+                              </a:solidFill>
+                              <a:latin typeface="Cambria Math" panose="02040503050406030204" pitchFamily="18" charset="0"/>
+                            </a:rPr>
+                            <m:t> </m:t>
                           </m:r>
                         </m:oMath>
                       </m:oMathPara>
                     </a14:m>
-                    <a:endParaRPr sz="1600" dirty="0"/>
+                    <a:endParaRPr lang="en-US" sz="1600" b="1" i="1" dirty="0">
+                      <a:solidFill>
+                        <a:srgbClr val="16388A"/>
+                      </a:solidFill>
+                      <a:latin typeface="Cambria Math" panose="02040503050406030204" pitchFamily="18" charset="0"/>
+                    </a:endParaRPr>
+                  </a:p>
+                  <a:p>
+                    <a:pPr algn="ctr">
+                      <a:defRPr/>
+                    </a:pPr>
+                    <a14:m>
+                      <m:oMathPara xmlns:m="http://schemas.openxmlformats.org/officeDocument/2006/math">
+                        <m:oMathParaPr>
+                          <m:jc m:val="centerGroup"/>
+                        </m:oMathParaPr>
+                        <m:oMath xmlns:m="http://schemas.openxmlformats.org/officeDocument/2006/math">
+                          <m:r>
+                            <a:rPr lang="en-US" sz="1600" b="1" i="1">
+                              <a:solidFill>
+                                <a:srgbClr val="16388A"/>
+                              </a:solidFill>
+                              <a:latin typeface="Cambria Math" panose="02040503050406030204" pitchFamily="18" charset="0"/>
+                            </a:rPr>
+                            <m:t>𝑷𝒓𝒆</m:t>
+                          </m:r>
+                          <m:r>
+                            <a:rPr lang="en-US" sz="1600" b="1" i="1">
+                              <a:solidFill>
+                                <a:srgbClr val="16388A"/>
+                              </a:solidFill>
+                              <a:latin typeface="Cambria Math" panose="02040503050406030204" pitchFamily="18" charset="0"/>
+                            </a:rPr>
+                            <m:t>-</m:t>
+                          </m:r>
+                          <m:r>
+                            <a:rPr lang="en-US" sz="1600" b="1" i="1">
+                              <a:solidFill>
+                                <a:srgbClr val="16388A"/>
+                              </a:solidFill>
+                              <a:latin typeface="Cambria Math" panose="02040503050406030204" pitchFamily="18" charset="0"/>
+                            </a:rPr>
+                            <m:t>𝒕𝒓𝒂𝒊𝒏𝒆𝒅</m:t>
+                          </m:r>
+                          <m:r>
+                            <a:rPr lang="en-US" sz="1600" b="1" i="1">
+                              <a:solidFill>
+                                <a:srgbClr val="16388A"/>
+                              </a:solidFill>
+                              <a:latin typeface="Cambria Math" panose="02040503050406030204" pitchFamily="18" charset="0"/>
+                            </a:rPr>
+                            <m:t> </m:t>
+                          </m:r>
+                          <m:r>
+                            <a:rPr lang="en-US" sz="1600" b="1" i="1">
+                              <a:solidFill>
+                                <a:srgbClr val="16388A"/>
+                              </a:solidFill>
+                              <a:latin typeface="Cambria Math" panose="02040503050406030204" pitchFamily="18" charset="0"/>
+                            </a:rPr>
+                            <m:t>𝑫𝒆𝒆𝒑</m:t>
+                          </m:r>
+                          <m:r>
+                            <a:rPr lang="en-US" sz="1600" b="1" i="1">
+                              <a:solidFill>
+                                <a:srgbClr val="16388A"/>
+                              </a:solidFill>
+                              <a:latin typeface="Cambria Math" panose="02040503050406030204" pitchFamily="18" charset="0"/>
+                            </a:rPr>
+                            <m:t> </m:t>
+                          </m:r>
+                          <m:r>
+                            <a:rPr lang="en-US" sz="1600" b="1" i="1">
+                              <a:solidFill>
+                                <a:srgbClr val="16388A"/>
+                              </a:solidFill>
+                              <a:latin typeface="Cambria Math" panose="02040503050406030204" pitchFamily="18" charset="0"/>
+                            </a:rPr>
+                            <m:t>𝑳𝒆𝒂𝒓𝒏𝒊𝒏𝒈</m:t>
+                          </m:r>
+                          <m:r>
+                            <a:rPr lang="en-US" sz="1600" b="1" i="1">
+                              <a:solidFill>
+                                <a:srgbClr val="16388A"/>
+                              </a:solidFill>
+                              <a:latin typeface="Cambria Math" panose="02040503050406030204" pitchFamily="18" charset="0"/>
+                            </a:rPr>
+                            <m:t> </m:t>
+                          </m:r>
+                          <m:r>
+                            <a:rPr lang="en-US" sz="1600" b="1" i="1">
+                              <a:solidFill>
+                                <a:srgbClr val="16388A"/>
+                              </a:solidFill>
+                              <a:latin typeface="Cambria Math" panose="02040503050406030204" pitchFamily="18" charset="0"/>
+                            </a:rPr>
+                            <m:t>𝑵𝒆𝒕𝒘𝒐𝒓𝒌𝒔</m:t>
+                          </m:r>
+                        </m:oMath>
+                      </m:oMathPara>
+                    </a14:m>
+                    <a:endParaRPr sz="1400" dirty="0"/>
                   </a:p>
                 </p:txBody>
               </p:sp>
             </mc:Choice>
-            <mc:Fallback xmlns="">
+            <mc:Fallback>
               <p:sp>
                 <p:nvSpPr>
                   <p:cNvPr id="11" name="TextBox 10">
@@ -15414,15 +16283,15 @@
                 <p:spPr>
                   <a:xfrm>
                     <a:off x="580265" y="1432188"/>
-                    <a:ext cx="4609211" cy="369332"/>
+                    <a:ext cx="4609211" cy="584775"/>
                   </a:xfrm>
                   <a:prstGeom prst="rect">
                     <a:avLst/>
                   </a:prstGeom>
                   <a:blipFill>
-                    <a:blip r:embed="rId3"/>
+                    <a:blip r:embed="rId4"/>
                     <a:stretch>
-                      <a:fillRect b="-15000"/>
+                      <a:fillRect b="-4167"/>
                     </a:stretch>
                   </a:blipFill>
                 </p:spPr>
@@ -15549,10 +16418,10 @@
         <mc:Choice xmlns:pslz="http://schemas.microsoft.com/office/powerpoint/2016/slidezoom" Requires="pslz">
           <p:graphicFrame>
             <p:nvGraphicFramePr>
-              <p:cNvPr id="8" name="Slide Zoom 7">
+              <p:cNvPr id="4" name="Slide Zoom 3">
                 <a:extLst>
                   <a:ext uri="{FF2B5EF4-FFF2-40B4-BE49-F238E27FC236}">
-                    <a16:creationId xmlns:a16="http://schemas.microsoft.com/office/drawing/2014/main" id="{020F8CFB-75D6-4089-894B-43D633B6E0DC}"/>
+                    <a16:creationId xmlns:a16="http://schemas.microsoft.com/office/drawing/2014/main" id="{4C7CF96A-F7A9-4B88-AA90-F2B9CF59712C}"/>
                   </a:ext>
                 </a:extLst>
               </p:cNvPr>
@@ -15562,106 +16431,20 @@
               <p:nvPr>
                 <p:extLst>
                   <p:ext uri="{D42A27DB-BD31-4B8C-83A1-F6EECF244321}">
-                    <p14:modId xmlns:p14="http://schemas.microsoft.com/office/powerpoint/2010/main" val="2059297896"/>
+                    <p14:modId xmlns:p14="http://schemas.microsoft.com/office/powerpoint/2010/main" val="4062250056"/>
                   </p:ext>
                 </p:extLst>
               </p:nvPr>
             </p:nvGraphicFramePr>
             <p:xfrm>
-              <a:off x="8811195" y="80821"/>
-              <a:ext cx="3251200" cy="1828800"/>
+              <a:off x="6643838" y="287335"/>
+              <a:ext cx="3048000" cy="1714500"/>
             </p:xfrm>
             <a:graphic>
               <a:graphicData uri="http://schemas.microsoft.com/office/powerpoint/2016/slidezoom">
                 <pslz:sldZm>
-                  <pslz:sldZmObj sldId="304" cId="77921929">
-                    <pslz:zmPr id="{7BC189C0-F562-486C-8416-EECC7186035B}" returnToParent="0" transitionDur="1000">
-                      <p166:blipFill xmlns:p166="http://schemas.microsoft.com/office/powerpoint/2016/6/main">
-                        <a:blip r:embed="rId4"/>
-                        <a:stretch>
-                          <a:fillRect/>
-                        </a:stretch>
-                      </p166:blipFill>
-                      <p166:spPr xmlns:p166="http://schemas.microsoft.com/office/powerpoint/2016/6/main">
-                        <a:xfrm>
-                          <a:off x="0" y="0"/>
-                          <a:ext cx="3251200" cy="1828800"/>
-                        </a:xfrm>
-                        <a:prstGeom prst="rect">
-                          <a:avLst/>
-                        </a:prstGeom>
-                      </p166:spPr>
-                    </pslz:zmPr>
-                  </pslz:sldZmObj>
-                </pslz:sldZm>
-              </a:graphicData>
-            </a:graphic>
-          </p:graphicFrame>
-        </mc:Choice>
-        <mc:Fallback>
-          <p:pic>
-            <p:nvPicPr>
-              <p:cNvPr id="8" name="Slide Zoom 7">
-                <a:extLst>
-                  <a:ext uri="{FF2B5EF4-FFF2-40B4-BE49-F238E27FC236}">
-                    <a16:creationId xmlns:a16="http://schemas.microsoft.com/office/drawing/2014/main" id="{020F8CFB-75D6-4089-894B-43D633B6E0DC}"/>
-                  </a:ext>
-                </a:extLst>
-              </p:cNvPr>
-              <p:cNvPicPr>
-                <a:picLocks noGrp="1" noRot="1" noChangeAspect="1" noMove="1" noResize="1" noEditPoints="1" noAdjustHandles="1" noChangeArrowheads="1" noChangeShapeType="1"/>
-              </p:cNvPicPr>
-              <p:nvPr/>
-            </p:nvPicPr>
-            <p:blipFill>
-              <a:blip r:embed="rId4"/>
-              <a:stretch>
-                <a:fillRect/>
-              </a:stretch>
-            </p:blipFill>
-            <p:spPr>
-              <a:xfrm>
-                <a:off x="8811195" y="80821"/>
-                <a:ext cx="3251200" cy="1828800"/>
-              </a:xfrm>
-              <a:prstGeom prst="rect">
-                <a:avLst/>
-              </a:prstGeom>
-            </p:spPr>
-          </p:pic>
-        </mc:Fallback>
-      </mc:AlternateContent>
-      <mc:AlternateContent xmlns:mc="http://schemas.openxmlformats.org/markup-compatibility/2006">
-        <mc:Choice xmlns:pslz="http://schemas.microsoft.com/office/powerpoint/2016/slidezoom" Requires="pslz">
-          <p:graphicFrame>
-            <p:nvGraphicFramePr>
-              <p:cNvPr id="12" name="Slide Zoom 11">
-                <a:extLst>
-                  <a:ext uri="{FF2B5EF4-FFF2-40B4-BE49-F238E27FC236}">
-                    <a16:creationId xmlns:a16="http://schemas.microsoft.com/office/drawing/2014/main" id="{A7BD16EF-A3D1-4F8D-9F48-A854E5D99A64}"/>
-                  </a:ext>
-                </a:extLst>
-              </p:cNvPr>
-              <p:cNvGraphicFramePr>
-                <a:graphicFrameLocks noChangeAspect="1"/>
-              </p:cNvGraphicFramePr>
-              <p:nvPr>
-                <p:extLst>
-                  <p:ext uri="{D42A27DB-BD31-4B8C-83A1-F6EECF244321}">
-                    <p14:modId xmlns:p14="http://schemas.microsoft.com/office/powerpoint/2010/main" val="3982348004"/>
-                  </p:ext>
-                </p:extLst>
-              </p:nvPr>
-            </p:nvGraphicFramePr>
-            <p:xfrm>
-              <a:off x="6502345" y="1701491"/>
-              <a:ext cx="3251200" cy="1828800"/>
-            </p:xfrm>
-            <a:graphic>
-              <a:graphicData uri="http://schemas.microsoft.com/office/powerpoint/2016/slidezoom">
-                <pslz:sldZm>
-                  <pslz:sldZmObj sldId="306" cId="2568135176">
-                    <pslz:zmPr id="{31966603-D083-4456-92AA-97787BD1F90F}" returnToParent="0" transitionDur="1000">
+                  <pslz:sldZmObj sldId="297" cId="1106058793">
+                    <pslz:zmPr id="{D640414D-AF9B-48FE-954C-FE8D57499242}" returnToParent="0" transitionDur="1000">
                       <p166:blipFill xmlns:p166="http://schemas.microsoft.com/office/powerpoint/2016/6/main">
                         <a:blip r:embed="rId5"/>
                         <a:stretch>
@@ -15671,7 +16454,7 @@
                       <p166:spPr xmlns:p166="http://schemas.microsoft.com/office/powerpoint/2016/6/main">
                         <a:xfrm>
                           <a:off x="0" y="0"/>
-                          <a:ext cx="3251200" cy="1828800"/>
+                          <a:ext cx="3048000" cy="1714500"/>
                         </a:xfrm>
                         <a:prstGeom prst="rect">
                           <a:avLst/>
@@ -15692,10 +16475,10 @@
         <mc:Fallback>
           <p:pic>
             <p:nvPicPr>
-              <p:cNvPr id="12" name="Slide Zoom 11">
+              <p:cNvPr id="4" name="Slide Zoom 3">
                 <a:extLst>
                   <a:ext uri="{FF2B5EF4-FFF2-40B4-BE49-F238E27FC236}">
-                    <a16:creationId xmlns:a16="http://schemas.microsoft.com/office/drawing/2014/main" id="{A7BD16EF-A3D1-4F8D-9F48-A854E5D99A64}"/>
+                    <a16:creationId xmlns:a16="http://schemas.microsoft.com/office/drawing/2014/main" id="{4C7CF96A-F7A9-4B88-AA90-F2B9CF59712C}"/>
                   </a:ext>
                 </a:extLst>
               </p:cNvPr>
@@ -15712,8 +16495,8 @@
             </p:blipFill>
             <p:spPr>
               <a:xfrm>
-                <a:off x="6502345" y="1701491"/>
-                <a:ext cx="3251200" cy="1828800"/>
+                <a:off x="6643838" y="287335"/>
+                <a:ext cx="3048000" cy="1714500"/>
               </a:xfrm>
               <a:prstGeom prst="rect">
                 <a:avLst/>
@@ -15731,10 +16514,10 @@
         <mc:Choice xmlns:pslz="http://schemas.microsoft.com/office/powerpoint/2016/slidezoom" Requires="pslz">
           <p:graphicFrame>
             <p:nvGraphicFramePr>
-              <p:cNvPr id="14" name="Slide Zoom 13">
+              <p:cNvPr id="6" name="Slide Zoom 5">
                 <a:extLst>
                   <a:ext uri="{FF2B5EF4-FFF2-40B4-BE49-F238E27FC236}">
-                    <a16:creationId xmlns:a16="http://schemas.microsoft.com/office/drawing/2014/main" id="{F63717F6-BB53-42CD-97EC-7D39B703993E}"/>
+                    <a16:creationId xmlns:a16="http://schemas.microsoft.com/office/drawing/2014/main" id="{725E8B55-75EC-4BC6-A227-F4438631F8CF}"/>
                   </a:ext>
                 </a:extLst>
               </p:cNvPr>
@@ -15744,20 +16527,20 @@
               <p:nvPr>
                 <p:extLst>
                   <p:ext uri="{D42A27DB-BD31-4B8C-83A1-F6EECF244321}">
-                    <p14:modId xmlns:p14="http://schemas.microsoft.com/office/powerpoint/2010/main" val="3341599241"/>
+                    <p14:modId xmlns:p14="http://schemas.microsoft.com/office/powerpoint/2010/main" val="3595002272"/>
                   </p:ext>
                 </p:extLst>
               </p:nvPr>
             </p:nvGraphicFramePr>
             <p:xfrm>
-              <a:off x="8811195" y="3324935"/>
-              <a:ext cx="3251200" cy="1828800"/>
+              <a:off x="8733726" y="1868563"/>
+              <a:ext cx="3048000" cy="1714500"/>
             </p:xfrm>
             <a:graphic>
               <a:graphicData uri="http://schemas.microsoft.com/office/powerpoint/2016/slidezoom">
                 <pslz:sldZm>
-                  <pslz:sldZmObj sldId="307" cId="3864501305">
-                    <pslz:zmPr id="{0E421F28-D767-4E9E-B2DF-971C91EC4C5E}" returnToParent="0" transitionDur="1000">
+                  <pslz:sldZmObj sldId="304" cId="77921929">
+                    <pslz:zmPr id="{55145732-5167-4BD5-B8D2-1591C053921C}" returnToParent="0" transitionDur="1000">
                       <p166:blipFill xmlns:p166="http://schemas.microsoft.com/office/powerpoint/2016/6/main">
                         <a:blip r:embed="rId6"/>
                         <a:stretch>
@@ -15767,7 +16550,93 @@
                       <p166:spPr xmlns:p166="http://schemas.microsoft.com/office/powerpoint/2016/6/main">
                         <a:xfrm>
                           <a:off x="0" y="0"/>
-                          <a:ext cx="3251200" cy="1828800"/>
+                          <a:ext cx="3048000" cy="1714500"/>
+                        </a:xfrm>
+                        <a:prstGeom prst="rect">
+                          <a:avLst/>
+                        </a:prstGeom>
+                      </p166:spPr>
+                    </pslz:zmPr>
+                  </pslz:sldZmObj>
+                </pslz:sldZm>
+              </a:graphicData>
+            </a:graphic>
+          </p:graphicFrame>
+        </mc:Choice>
+        <mc:Fallback>
+          <p:pic>
+            <p:nvPicPr>
+              <p:cNvPr id="6" name="Slide Zoom 5">
+                <a:extLst>
+                  <a:ext uri="{FF2B5EF4-FFF2-40B4-BE49-F238E27FC236}">
+                    <a16:creationId xmlns:a16="http://schemas.microsoft.com/office/drawing/2014/main" id="{725E8B55-75EC-4BC6-A227-F4438631F8CF}"/>
+                  </a:ext>
+                </a:extLst>
+              </p:cNvPr>
+              <p:cNvPicPr>
+                <a:picLocks noGrp="1" noRot="1" noChangeAspect="1" noMove="1" noResize="1" noEditPoints="1" noAdjustHandles="1" noChangeArrowheads="1" noChangeShapeType="1"/>
+              </p:cNvPicPr>
+              <p:nvPr/>
+            </p:nvPicPr>
+            <p:blipFill>
+              <a:blip r:embed="rId6"/>
+              <a:stretch>
+                <a:fillRect/>
+              </a:stretch>
+            </p:blipFill>
+            <p:spPr>
+              <a:xfrm>
+                <a:off x="8733726" y="1868563"/>
+                <a:ext cx="3048000" cy="1714500"/>
+              </a:xfrm>
+              <a:prstGeom prst="rect">
+                <a:avLst/>
+              </a:prstGeom>
+            </p:spPr>
+          </p:pic>
+        </mc:Fallback>
+      </mc:AlternateContent>
+      <mc:AlternateContent xmlns:mc="http://schemas.openxmlformats.org/markup-compatibility/2006">
+        <mc:Choice xmlns:pslz="http://schemas.microsoft.com/office/powerpoint/2016/slidezoom" Requires="pslz">
+          <p:graphicFrame>
+            <p:nvGraphicFramePr>
+              <p:cNvPr id="16" name="Slide Zoom 15">
+                <a:extLst>
+                  <a:ext uri="{FF2B5EF4-FFF2-40B4-BE49-F238E27FC236}">
+                    <a16:creationId xmlns:a16="http://schemas.microsoft.com/office/drawing/2014/main" id="{E828BC50-5131-4C75-B77B-CB63C4D70B20}"/>
+                  </a:ext>
+                </a:extLst>
+              </p:cNvPr>
+              <p:cNvGraphicFramePr>
+                <a:graphicFrameLocks noChangeAspect="1"/>
+              </p:cNvGraphicFramePr>
+              <p:nvPr>
+                <p:extLst>
+                  <p:ext uri="{D42A27DB-BD31-4B8C-83A1-F6EECF244321}">
+                    <p14:modId xmlns:p14="http://schemas.microsoft.com/office/powerpoint/2010/main" val="1926973374"/>
+                  </p:ext>
+                </p:extLst>
+              </p:nvPr>
+            </p:nvGraphicFramePr>
+            <p:xfrm>
+              <a:off x="8733726" y="4639081"/>
+              <a:ext cx="3048000" cy="1714500"/>
+            </p:xfrm>
+            <a:graphic>
+              <a:graphicData uri="http://schemas.microsoft.com/office/powerpoint/2016/slidezoom">
+                <pslz:sldZm>
+                  <pslz:sldZmObj sldId="308" cId="3758680294">
+                    <pslz:zmPr id="{66BDFA9E-CD02-4105-84B6-223BF53DC50C}" returnToParent="0" transitionDur="1000">
+                      <p166:blipFill xmlns:p166="http://schemas.microsoft.com/office/powerpoint/2016/6/main">
+                        <a:blip r:embed="rId7"/>
+                        <a:stretch>
+                          <a:fillRect/>
+                        </a:stretch>
+                      </p166:blipFill>
+                      <p166:spPr xmlns:p166="http://schemas.microsoft.com/office/powerpoint/2016/6/main">
+                        <a:xfrm>
+                          <a:off x="0" y="0"/>
+                          <a:ext cx="3048000" cy="1714500"/>
                         </a:xfrm>
                         <a:prstGeom prst="rect">
                           <a:avLst/>
@@ -15788,106 +16657,10 @@
         <mc:Fallback>
           <p:pic>
             <p:nvPicPr>
-              <p:cNvPr id="14" name="Slide Zoom 13">
+              <p:cNvPr id="16" name="Slide Zoom 15">
                 <a:extLst>
                   <a:ext uri="{FF2B5EF4-FFF2-40B4-BE49-F238E27FC236}">
-                    <a16:creationId xmlns:a16="http://schemas.microsoft.com/office/drawing/2014/main" id="{F63717F6-BB53-42CD-97EC-7D39B703993E}"/>
-                  </a:ext>
-                </a:extLst>
-              </p:cNvPr>
-              <p:cNvPicPr>
-                <a:picLocks noGrp="1" noRot="1" noChangeAspect="1" noMove="1" noResize="1" noEditPoints="1" noAdjustHandles="1" noChangeArrowheads="1" noChangeShapeType="1"/>
-              </p:cNvPicPr>
-              <p:nvPr/>
-            </p:nvPicPr>
-            <p:blipFill>
-              <a:blip r:embed="rId6"/>
-              <a:stretch>
-                <a:fillRect/>
-              </a:stretch>
-            </p:blipFill>
-            <p:spPr>
-              <a:xfrm>
-                <a:off x="8811195" y="3324935"/>
-                <a:ext cx="3251200" cy="1828800"/>
-              </a:xfrm>
-              <a:prstGeom prst="rect">
-                <a:avLst/>
-              </a:prstGeom>
-              <a:ln w="3175">
-                <a:solidFill>
-                  <a:prstClr val="ltGray"/>
-                </a:solidFill>
-              </a:ln>
-            </p:spPr>
-          </p:pic>
-        </mc:Fallback>
-      </mc:AlternateContent>
-      <mc:AlternateContent xmlns:mc="http://schemas.openxmlformats.org/markup-compatibility/2006">
-        <mc:Choice xmlns:pslz="http://schemas.microsoft.com/office/powerpoint/2016/slidezoom" Requires="pslz">
-          <p:graphicFrame>
-            <p:nvGraphicFramePr>
-              <p:cNvPr id="20" name="Slide Zoom 19">
-                <a:extLst>
-                  <a:ext uri="{FF2B5EF4-FFF2-40B4-BE49-F238E27FC236}">
-                    <a16:creationId xmlns:a16="http://schemas.microsoft.com/office/drawing/2014/main" id="{38B055B2-DFA9-4131-B05B-C38A3F8FB024}"/>
-                  </a:ext>
-                </a:extLst>
-              </p:cNvPr>
-              <p:cNvGraphicFramePr>
-                <a:graphicFrameLocks noChangeAspect="1"/>
-              </p:cNvGraphicFramePr>
-              <p:nvPr>
-                <p:extLst>
-                  <p:ext uri="{D42A27DB-BD31-4B8C-83A1-F6EECF244321}">
-                    <p14:modId xmlns:p14="http://schemas.microsoft.com/office/powerpoint/2010/main" val="2599473838"/>
-                  </p:ext>
-                </p:extLst>
-              </p:nvPr>
-            </p:nvGraphicFramePr>
-            <p:xfrm>
-              <a:off x="6502345" y="4948379"/>
-              <a:ext cx="3251200" cy="1828800"/>
-            </p:xfrm>
-            <a:graphic>
-              <a:graphicData uri="http://schemas.microsoft.com/office/powerpoint/2016/slidezoom">
-                <pslz:sldZm>
-                  <pslz:sldZmObj sldId="308" cId="3758680294">
-                    <pslz:zmPr id="{A6E8FC35-551B-4C64-8503-943B6C5B01AC}" returnToParent="0" transitionDur="1000">
-                      <p166:blipFill xmlns:p166="http://schemas.microsoft.com/office/powerpoint/2016/6/main">
-                        <a:blip r:embed="rId7"/>
-                        <a:stretch>
-                          <a:fillRect/>
-                        </a:stretch>
-                      </p166:blipFill>
-                      <p166:spPr xmlns:p166="http://schemas.microsoft.com/office/powerpoint/2016/6/main">
-                        <a:xfrm>
-                          <a:off x="0" y="0"/>
-                          <a:ext cx="3251200" cy="1828800"/>
-                        </a:xfrm>
-                        <a:prstGeom prst="rect">
-                          <a:avLst/>
-                        </a:prstGeom>
-                        <a:ln w="3175">
-                          <a:solidFill>
-                            <a:prstClr val="ltGray"/>
-                          </a:solidFill>
-                        </a:ln>
-                      </p166:spPr>
-                    </pslz:zmPr>
-                  </pslz:sldZmObj>
-                </pslz:sldZm>
-              </a:graphicData>
-            </a:graphic>
-          </p:graphicFrame>
-        </mc:Choice>
-        <mc:Fallback>
-          <p:pic>
-            <p:nvPicPr>
-              <p:cNvPr id="20" name="Slide Zoom 19">
-                <a:extLst>
-                  <a:ext uri="{FF2B5EF4-FFF2-40B4-BE49-F238E27FC236}">
-                    <a16:creationId xmlns:a16="http://schemas.microsoft.com/office/drawing/2014/main" id="{38B055B2-DFA9-4131-B05B-C38A3F8FB024}"/>
+                    <a16:creationId xmlns:a16="http://schemas.microsoft.com/office/drawing/2014/main" id="{E828BC50-5131-4C75-B77B-CB63C4D70B20}"/>
                   </a:ext>
                 </a:extLst>
               </p:cNvPr>
@@ -15904,8 +16677,8 @@
             </p:blipFill>
             <p:spPr>
               <a:xfrm>
-                <a:off x="6502345" y="4948379"/>
-                <a:ext cx="3251200" cy="1828800"/>
+                <a:off x="8733726" y="4639081"/>
+                <a:ext cx="3048000" cy="1714500"/>
               </a:xfrm>
               <a:prstGeom prst="rect">
                 <a:avLst/>
@@ -16022,8 +16795,8 @@
         </p:nvSpPr>
         <p:spPr>
           <a:xfrm>
-            <a:off x="404447" y="1491993"/>
-            <a:ext cx="7391400" cy="4177426"/>
+            <a:off x="66000" y="898227"/>
+            <a:ext cx="7391400" cy="5509200"/>
           </a:xfrm>
           <a:prstGeom prst="rect">
             <a:avLst/>
@@ -16036,27 +16809,7 @@
           </a:bodyPr>
           <a:lstStyle/>
           <a:p>
-            <a:pPr algn="l"/>
-            <a:r>
-              <a:rPr lang="en-US" sz="2000" b="1" kern="100" dirty="0">
-                <a:solidFill>
-                  <a:srgbClr val="16388A"/>
-                </a:solidFill>
-                <a:latin typeface="Times New Roman" panose="02020603050405020304" pitchFamily="18" charset="0"/>
-                <a:ea typeface="华文新魏" panose="02010800040101010101" pitchFamily="2" charset="-122"/>
-                <a:cs typeface="Times New Roman" panose="02020603050405020304" pitchFamily="18" charset="0"/>
-              </a:rPr>
-              <a:t>Overview</a:t>
-            </a:r>
-          </a:p>
-          <a:p>
-            <a:pPr algn="l">
-              <a:lnSpc>
-                <a:spcPct val="150000"/>
-              </a:lnSpc>
-              <a:buFont typeface="Arial" panose="020B0604020202020204" pitchFamily="34" charset="0"/>
-              <a:buChar char="•"/>
-            </a:pPr>
+            <a:pPr algn="just"/>
             <a:r>
               <a:rPr lang="en-US" sz="1600" kern="100" dirty="0">
                 <a:solidFill>
@@ -16066,17 +16819,11 @@
                 <a:ea typeface="华文新魏" panose="02010800040101010101" pitchFamily="2" charset="-122"/>
                 <a:cs typeface="Times New Roman" panose="02020603050405020304" pitchFamily="18" charset="0"/>
               </a:rPr>
-              <a:t>Create, train, and test a convolutional neural network for image classification</a:t>
+              <a:t>Semantic image segmentation is a fundamental problem in computer vision that aims to assign a class label to each pixel in an image, thus providing a detailed understanding of the image content. Accurate and efficient image segmentation is crucial for various applications, such as autonomous driving, robotics, medical image analysis, and scene understanding.</a:t>
             </a:r>
           </a:p>
           <a:p>
-            <a:pPr algn="l">
-              <a:lnSpc>
-                <a:spcPct val="150000"/>
-              </a:lnSpc>
-              <a:buFont typeface="Arial" panose="020B0604020202020204" pitchFamily="34" charset="0"/>
-              <a:buChar char="•"/>
-            </a:pPr>
+            <a:pPr algn="just"/>
             <a:r>
               <a:rPr lang="en-US" sz="1600" kern="100" dirty="0">
                 <a:solidFill>
@@ -16086,7 +16833,21 @@
                 <a:ea typeface="华文新魏" panose="02010800040101010101" pitchFamily="2" charset="-122"/>
                 <a:cs typeface="Times New Roman" panose="02020603050405020304" pitchFamily="18" charset="0"/>
               </a:rPr>
-              <a:t>Modify existing image classification code from </a:t>
+              <a:t>Deep learning methods, particularly Convolutional Neural Networks (CNNs), have shown great success in addressing the semantic image segmentation challenge. Among various CNN architectures, DeepLabV3 with the ResNet50 backbone has emerged as a popular choice, demonstrating remarkable performance on several benchmark datasets.</a:t>
+            </a:r>
+          </a:p>
+          <a:p>
+            <a:pPr algn="just"/>
+            <a:r>
+              <a:rPr lang="en-US" sz="1600" kern="100" dirty="0">
+                <a:solidFill>
+                  <a:srgbClr val="16388A"/>
+                </a:solidFill>
+                <a:latin typeface="Times New Roman" panose="02020603050405020304" pitchFamily="18" charset="0"/>
+                <a:ea typeface="华文新魏" panose="02010800040101010101" pitchFamily="2" charset="-122"/>
+                <a:cs typeface="Times New Roman" panose="02020603050405020304" pitchFamily="18" charset="0"/>
+              </a:rPr>
+              <a:t>In this assignment, we investigate the performance of the DeepLabV3-ResNet50 model, pretrained on the 20-class PASCAL VOC dataset, using </a:t>
             </a:r>
             <a:r>
               <a:rPr lang="en-US" sz="1600" kern="100" dirty="0" err="1">
@@ -16108,162 +16869,7 @@
                 <a:ea typeface="华文新魏" panose="02010800040101010101" pitchFamily="2" charset="-122"/>
                 <a:cs typeface="Times New Roman" panose="02020603050405020304" pitchFamily="18" charset="0"/>
               </a:rPr>
-              <a:t> tutorial</a:t>
-            </a:r>
-          </a:p>
-          <a:p>
-            <a:pPr algn="l">
-              <a:lnSpc>
-                <a:spcPct val="150000"/>
-              </a:lnSpc>
-              <a:buFont typeface="Arial" panose="020B0604020202020204" pitchFamily="34" charset="0"/>
-              <a:buChar char="•"/>
-            </a:pPr>
-            <a:r>
-              <a:rPr lang="en-US" sz="1600" kern="100" dirty="0">
-                <a:solidFill>
-                  <a:srgbClr val="16388A"/>
-                </a:solidFill>
-                <a:latin typeface="Times New Roman" panose="02020603050405020304" pitchFamily="18" charset="0"/>
-                <a:ea typeface="华文新魏" panose="02010800040101010101" pitchFamily="2" charset="-122"/>
-                <a:cs typeface="Times New Roman" panose="02020603050405020304" pitchFamily="18" charset="0"/>
-              </a:rPr>
-              <a:t>Evaluate and compare different network architectures</a:t>
-            </a:r>
-          </a:p>
-          <a:p>
-            <a:pPr algn="l">
-              <a:lnSpc>
-                <a:spcPct val="150000"/>
-              </a:lnSpc>
-              <a:buFont typeface="Arial" panose="020B0604020202020204" pitchFamily="34" charset="0"/>
-              <a:buChar char="•"/>
-            </a:pPr>
-            <a:r>
-              <a:rPr lang="en-US" sz="1600" kern="100" dirty="0">
-                <a:solidFill>
-                  <a:srgbClr val="16388A"/>
-                </a:solidFill>
-                <a:latin typeface="Times New Roman" panose="02020603050405020304" pitchFamily="18" charset="0"/>
-                <a:ea typeface="华文新魏" panose="02010800040101010101" pitchFamily="2" charset="-122"/>
-                <a:cs typeface="Times New Roman" panose="02020603050405020304" pitchFamily="18" charset="0"/>
-              </a:rPr>
-              <a:t>Use CIFAR10 dataset for training and testing</a:t>
-            </a:r>
-          </a:p>
-          <a:p>
-            <a:pPr algn="l">
-              <a:buFont typeface="Arial" panose="020B0604020202020204" pitchFamily="34" charset="0"/>
-              <a:buChar char="•"/>
-            </a:pPr>
-            <a:endParaRPr lang="en-US" b="0" i="0" dirty="0">
-              <a:solidFill>
-                <a:srgbClr val="D1D5DB"/>
-              </a:solidFill>
-              <a:effectLst/>
-              <a:latin typeface="Söhne"/>
-            </a:endParaRPr>
-          </a:p>
-          <a:p>
-            <a:pPr>
-              <a:lnSpc>
-                <a:spcPct val="150000"/>
-              </a:lnSpc>
-              <a:spcBef>
-                <a:spcPts val="1000"/>
-              </a:spcBef>
-              <a:defRPr/>
-            </a:pPr>
-            <a:r>
-              <a:rPr lang="en-US" sz="2000" b="1" kern="100" dirty="0">
-                <a:solidFill>
-                  <a:srgbClr val="16388A"/>
-                </a:solidFill>
-                <a:latin typeface="Times New Roman" panose="02020603050405020304" pitchFamily="18" charset="0"/>
-                <a:ea typeface="华文新魏" panose="02010800040101010101" pitchFamily="2" charset="-122"/>
-                <a:cs typeface="Times New Roman" panose="02020603050405020304" pitchFamily="18" charset="0"/>
-              </a:rPr>
-              <a:t>Dataset: CIFAR10</a:t>
-            </a:r>
-          </a:p>
-          <a:p>
-            <a:pPr algn="l">
-              <a:lnSpc>
-                <a:spcPct val="150000"/>
-              </a:lnSpc>
-              <a:buFont typeface="Arial" panose="020B0604020202020204" pitchFamily="34" charset="0"/>
-              <a:buChar char="•"/>
-            </a:pPr>
-            <a:r>
-              <a:rPr lang="en-US" sz="1600" kern="100" dirty="0">
-                <a:solidFill>
-                  <a:srgbClr val="16388A"/>
-                </a:solidFill>
-                <a:latin typeface="Times New Roman" panose="02020603050405020304" pitchFamily="18" charset="0"/>
-                <a:ea typeface="华文新魏" panose="02010800040101010101" pitchFamily="2" charset="-122"/>
-                <a:cs typeface="Times New Roman" panose="02020603050405020304" pitchFamily="18" charset="0"/>
-              </a:rPr>
-              <a:t>60,000 images of 10 common classes</a:t>
-            </a:r>
-          </a:p>
-          <a:p>
-            <a:pPr algn="l">
-              <a:lnSpc>
-                <a:spcPct val="150000"/>
-              </a:lnSpc>
-              <a:buFont typeface="Arial" panose="020B0604020202020204" pitchFamily="34" charset="0"/>
-              <a:buChar char="•"/>
-            </a:pPr>
-            <a:r>
-              <a:rPr lang="en-US" sz="1600" kern="100" dirty="0">
-                <a:solidFill>
-                  <a:srgbClr val="16388A"/>
-                </a:solidFill>
-                <a:latin typeface="Times New Roman" panose="02020603050405020304" pitchFamily="18" charset="0"/>
-                <a:ea typeface="华文新魏" panose="02010800040101010101" pitchFamily="2" charset="-122"/>
-                <a:cs typeface="Times New Roman" panose="02020603050405020304" pitchFamily="18" charset="0"/>
-              </a:rPr>
-              <a:t>Image size: 32 x 32 x 3</a:t>
-            </a:r>
-          </a:p>
-          <a:p>
-            <a:pPr algn="l">
-              <a:lnSpc>
-                <a:spcPct val="150000"/>
-              </a:lnSpc>
-              <a:buFont typeface="Arial" panose="020B0604020202020204" pitchFamily="34" charset="0"/>
-              <a:buChar char="•"/>
-            </a:pPr>
-            <a:r>
-              <a:rPr lang="en-US" sz="1600" kern="100" dirty="0">
-                <a:solidFill>
-                  <a:srgbClr val="16388A"/>
-                </a:solidFill>
-                <a:latin typeface="Times New Roman" panose="02020603050405020304" pitchFamily="18" charset="0"/>
-                <a:ea typeface="华文新魏" panose="02010800040101010101" pitchFamily="2" charset="-122"/>
-                <a:cs typeface="Times New Roman" panose="02020603050405020304" pitchFamily="18" charset="0"/>
-              </a:rPr>
-              <a:t>50,000 training images and 10,000 test images</a:t>
-            </a:r>
-          </a:p>
-          <a:p>
-            <a:pPr algn="l">
-              <a:lnSpc>
-                <a:spcPct val="150000"/>
-              </a:lnSpc>
-              <a:buFont typeface="Arial" panose="020B0604020202020204" pitchFamily="34" charset="0"/>
-              <a:buChar char="•"/>
-            </a:pPr>
-            <a:r>
-              <a:rPr lang="en-US" sz="1600" kern="100" dirty="0">
-                <a:solidFill>
-                  <a:srgbClr val="16388A"/>
-                </a:solidFill>
-                <a:latin typeface="Times New Roman" panose="02020603050405020304" pitchFamily="18" charset="0"/>
-                <a:ea typeface="华文新魏" panose="02010800040101010101" pitchFamily="2" charset="-122"/>
-                <a:cs typeface="Times New Roman" panose="02020603050405020304" pitchFamily="18" charset="0"/>
-              </a:rPr>
-              <a:t>Built-in dataset in </a:t>
+              <a:t> and </a:t>
             </a:r>
             <a:r>
               <a:rPr lang="en-US" sz="1600" kern="100" dirty="0" err="1">
@@ -16274,25 +16880,64 @@
                 <a:ea typeface="华文新魏" panose="02010800040101010101" pitchFamily="2" charset="-122"/>
                 <a:cs typeface="Times New Roman" panose="02020603050405020304" pitchFamily="18" charset="0"/>
               </a:rPr>
-              <a:t>Torchvision</a:t>
+              <a:t>TorchVision</a:t>
             </a:r>
-            <a:endParaRPr lang="en-US" sz="1600" kern="100" dirty="0">
-              <a:solidFill>
-                <a:srgbClr val="16388A"/>
-              </a:solidFill>
-              <a:latin typeface="Times New Roman" panose="02020603050405020304" pitchFamily="18" charset="0"/>
-              <a:ea typeface="华文新魏" panose="02010800040101010101" pitchFamily="2" charset="-122"/>
-              <a:cs typeface="Times New Roman" panose="02020603050405020304" pitchFamily="18" charset="0"/>
-            </a:endParaRPr>
+            <a:r>
+              <a:rPr lang="en-US" sz="1600" kern="100" dirty="0">
+                <a:solidFill>
+                  <a:srgbClr val="16388A"/>
+                </a:solidFill>
+                <a:latin typeface="Times New Roman" panose="02020603050405020304" pitchFamily="18" charset="0"/>
+                <a:ea typeface="华文新魏" panose="02010800040101010101" pitchFamily="2" charset="-122"/>
+                <a:cs typeface="Times New Roman" panose="02020603050405020304" pitchFamily="18" charset="0"/>
+              </a:rPr>
+              <a:t> segmentation frameworks. We aim to gain practical experience with image segmentation, model loading, image preprocessing, and visualization utilities provided by the </a:t>
+            </a:r>
+            <a:r>
+              <a:rPr lang="en-US" sz="1600" kern="100" dirty="0" err="1">
+                <a:solidFill>
+                  <a:srgbClr val="16388A"/>
+                </a:solidFill>
+                <a:latin typeface="Times New Roman" panose="02020603050405020304" pitchFamily="18" charset="0"/>
+                <a:ea typeface="华文新魏" panose="02010800040101010101" pitchFamily="2" charset="-122"/>
+                <a:cs typeface="Times New Roman" panose="02020603050405020304" pitchFamily="18" charset="0"/>
+              </a:rPr>
+              <a:t>PyTorch</a:t>
+            </a:r>
+            <a:r>
+              <a:rPr lang="en-US" sz="1600" kern="100" dirty="0">
+                <a:solidFill>
+                  <a:srgbClr val="16388A"/>
+                </a:solidFill>
+                <a:latin typeface="Times New Roman" panose="02020603050405020304" pitchFamily="18" charset="0"/>
+                <a:ea typeface="华文新魏" panose="02010800040101010101" pitchFamily="2" charset="-122"/>
+                <a:cs typeface="Times New Roman" panose="02020603050405020304" pitchFamily="18" charset="0"/>
+              </a:rPr>
+              <a:t> ecosystem. We focus on generating multi-class segmentation masks for a set of test images and evaluating the model's performance by comparing these masks with the original images.</a:t>
+            </a:r>
+          </a:p>
+          <a:p>
+            <a:pPr algn="just"/>
+            <a:r>
+              <a:rPr lang="en-US" sz="1600" kern="100" dirty="0">
+                <a:solidFill>
+                  <a:srgbClr val="16388A"/>
+                </a:solidFill>
+                <a:latin typeface="Times New Roman" panose="02020603050405020304" pitchFamily="18" charset="0"/>
+                <a:ea typeface="华文新魏" panose="02010800040101010101" pitchFamily="2" charset="-122"/>
+                <a:cs typeface="Times New Roman" panose="02020603050405020304" pitchFamily="18" charset="0"/>
+              </a:rPr>
+              <a:t>The remainder of this report is structured as follows: we first describe our methodology, including the model loading, image preprocessing, segmentation, and visualization steps. Next, we present the segmentation results and discuss cases where the model fails to segment images correctly, providing possible explanations for these failures. Finally, we conclude with an overall assessment of the DeepLabV3-ResNet50 model's performance and suggestions for future improvements in semantic image segmentation.</a:t>
+            </a:r>
           </a:p>
         </p:txBody>
       </p:sp>
       <p:pic>
         <p:nvPicPr>
-          <p:cNvPr id="3" name="Picture 2">
+          <p:cNvPr id="4" name="Picture 3">
             <a:extLst>
               <a:ext uri="{FF2B5EF4-FFF2-40B4-BE49-F238E27FC236}">
-                <a16:creationId xmlns:a16="http://schemas.microsoft.com/office/drawing/2014/main" id="{41B1E3F0-20FC-4AE1-AA4A-51D82595DCCE}"/>
+                <a16:creationId xmlns:a16="http://schemas.microsoft.com/office/drawing/2014/main" id="{A85303CB-4479-4AA2-B67E-62EB12F5DA07}"/>
               </a:ext>
             </a:extLst>
           </p:cNvPr>
@@ -16309,38 +16954,8 @@
         </p:blipFill>
         <p:spPr>
           <a:xfrm>
-            <a:off x="7215554" y="3105534"/>
-            <a:ext cx="4148871" cy="3158232"/>
-          </a:xfrm>
-          <a:prstGeom prst="rect">
-            <a:avLst/>
-          </a:prstGeom>
-        </p:spPr>
-      </p:pic>
-      <p:pic>
-        <p:nvPicPr>
-          <p:cNvPr id="6" name="Picture 5">
-            <a:extLst>
-              <a:ext uri="{FF2B5EF4-FFF2-40B4-BE49-F238E27FC236}">
-                <a16:creationId xmlns:a16="http://schemas.microsoft.com/office/drawing/2014/main" id="{D3D8F6B1-C8BE-4206-8CB1-9AAA710E6577}"/>
-              </a:ext>
-            </a:extLst>
-          </p:cNvPr>
-          <p:cNvPicPr>
-            <a:picLocks noChangeAspect="1"/>
-          </p:cNvPicPr>
-          <p:nvPr/>
-        </p:nvPicPr>
-        <p:blipFill>
-          <a:blip r:embed="rId3"/>
-          <a:stretch>
-            <a:fillRect/>
-          </a:stretch>
-        </p:blipFill>
-        <p:spPr>
-          <a:xfrm>
-            <a:off x="7155060" y="612810"/>
-            <a:ext cx="4068322" cy="2346715"/>
+            <a:off x="7664473" y="320633"/>
+            <a:ext cx="4364330" cy="5913912"/>
           </a:xfrm>
           <a:prstGeom prst="rect">
             <a:avLst/>
@@ -16383,12 +16998,347 @@
           <a:chExt cx="0" cy="0"/>
         </a:xfrm>
       </p:grpSpPr>
+      <p:grpSp>
+        <p:nvGrpSpPr>
+          <p:cNvPr id="20" name="Group 19">
+            <a:extLst>
+              <a:ext uri="{FF2B5EF4-FFF2-40B4-BE49-F238E27FC236}">
+                <a16:creationId xmlns:a16="http://schemas.microsoft.com/office/drawing/2014/main" id="{717D9E36-6991-4664-B2BA-3D602C632F62}"/>
+              </a:ext>
+            </a:extLst>
+          </p:cNvPr>
+          <p:cNvGrpSpPr/>
+          <p:nvPr/>
+        </p:nvGrpSpPr>
+        <p:grpSpPr>
+          <a:xfrm>
+            <a:off x="315943" y="217924"/>
+            <a:ext cx="6220693" cy="1534198"/>
+            <a:chOff x="315943" y="217924"/>
+            <a:chExt cx="6220693" cy="1534198"/>
+          </a:xfrm>
+        </p:grpSpPr>
+        <p:sp>
+          <p:nvSpPr>
+            <p:cNvPr id="7" name="TextBox 6">
+              <a:extLst>
+                <a:ext uri="{FF2B5EF4-FFF2-40B4-BE49-F238E27FC236}">
+                  <a16:creationId xmlns:a16="http://schemas.microsoft.com/office/drawing/2014/main" id="{7D6C4428-B079-4976-BC75-D390EBA39177}"/>
+                </a:ext>
+              </a:extLst>
+            </p:cNvPr>
+            <p:cNvSpPr txBox="1"/>
+            <p:nvPr/>
+          </p:nvSpPr>
+          <p:spPr>
+            <a:xfrm>
+              <a:off x="315943" y="217924"/>
+              <a:ext cx="4948317" cy="498663"/>
+            </a:xfrm>
+            <a:prstGeom prst="rect">
+              <a:avLst/>
+            </a:prstGeom>
+            <a:noFill/>
+          </p:spPr>
+          <p:txBody>
+            <a:bodyPr wrap="square">
+              <a:spAutoFit/>
+            </a:bodyPr>
+            <a:lstStyle/>
+            <a:p>
+              <a:pPr>
+                <a:lnSpc>
+                  <a:spcPct val="150000"/>
+                </a:lnSpc>
+                <a:spcBef>
+                  <a:spcPts val="1000"/>
+                </a:spcBef>
+                <a:defRPr/>
+              </a:pPr>
+              <a:r>
+                <a:rPr lang="en-US" altLang="zh-CN" sz="2000" b="1" kern="100" dirty="0">
+                  <a:solidFill>
+                    <a:srgbClr val="16388A"/>
+                  </a:solidFill>
+                  <a:latin typeface="Times New Roman" panose="02020603050405020304" pitchFamily="18" charset="0"/>
+                  <a:ea typeface="华文新魏" panose="02010800040101010101" pitchFamily="2" charset="-122"/>
+                  <a:cs typeface="Times New Roman" panose="02020603050405020304" pitchFamily="18" charset="0"/>
+                </a:rPr>
+                <a:t>Task 1: Load DeepLabV3 model  </a:t>
+              </a:r>
+              <a:endParaRPr lang="en-US" sz="2400" b="1" kern="100" dirty="0">
+                <a:solidFill>
+                  <a:srgbClr val="16388A"/>
+                </a:solidFill>
+                <a:latin typeface="Times New Roman" panose="02020603050405020304" pitchFamily="18" charset="0"/>
+                <a:ea typeface="华文新魏" panose="02010800040101010101" pitchFamily="2" charset="-122"/>
+                <a:cs typeface="Times New Roman" panose="02020603050405020304" pitchFamily="18" charset="0"/>
+              </a:endParaRPr>
+            </a:p>
+          </p:txBody>
+        </p:sp>
+        <p:pic>
+          <p:nvPicPr>
+            <p:cNvPr id="8" name="Picture 7">
+              <a:extLst>
+                <a:ext uri="{FF2B5EF4-FFF2-40B4-BE49-F238E27FC236}">
+                  <a16:creationId xmlns:a16="http://schemas.microsoft.com/office/drawing/2014/main" id="{9185F103-5CD5-404C-8705-7E705FA913F1}"/>
+                </a:ext>
+              </a:extLst>
+            </p:cNvPr>
+            <p:cNvPicPr>
+              <a:picLocks noChangeAspect="1"/>
+            </p:cNvPicPr>
+            <p:nvPr/>
+          </p:nvPicPr>
+          <p:blipFill>
+            <a:blip r:embed="rId2"/>
+            <a:stretch>
+              <a:fillRect/>
+            </a:stretch>
+          </p:blipFill>
+          <p:spPr>
+            <a:xfrm>
+              <a:off x="315943" y="818542"/>
+              <a:ext cx="6220693" cy="933580"/>
+            </a:xfrm>
+            <a:prstGeom prst="rect">
+              <a:avLst/>
+            </a:prstGeom>
+          </p:spPr>
+        </p:pic>
+      </p:grpSp>
+      <p:grpSp>
+        <p:nvGrpSpPr>
+          <p:cNvPr id="21" name="Group 20">
+            <a:extLst>
+              <a:ext uri="{FF2B5EF4-FFF2-40B4-BE49-F238E27FC236}">
+                <a16:creationId xmlns:a16="http://schemas.microsoft.com/office/drawing/2014/main" id="{05CB257B-825C-4B30-8493-726DB4C1EE8B}"/>
+              </a:ext>
+            </a:extLst>
+          </p:cNvPr>
+          <p:cNvGrpSpPr/>
+          <p:nvPr/>
+        </p:nvGrpSpPr>
+        <p:grpSpPr>
+          <a:xfrm>
+            <a:off x="315943" y="2019731"/>
+            <a:ext cx="6864175" cy="2285330"/>
+            <a:chOff x="315943" y="2037004"/>
+            <a:chExt cx="6864175" cy="2285330"/>
+          </a:xfrm>
+        </p:grpSpPr>
+        <p:sp>
+          <p:nvSpPr>
+            <p:cNvPr id="14" name="TextBox 13">
+              <a:extLst>
+                <a:ext uri="{FF2B5EF4-FFF2-40B4-BE49-F238E27FC236}">
+                  <a16:creationId xmlns:a16="http://schemas.microsoft.com/office/drawing/2014/main" id="{296B0039-9FE5-49EA-9431-D4AA20B6EABF}"/>
+                </a:ext>
+              </a:extLst>
+            </p:cNvPr>
+            <p:cNvSpPr txBox="1"/>
+            <p:nvPr/>
+          </p:nvSpPr>
+          <p:spPr>
+            <a:xfrm>
+              <a:off x="315943" y="2037004"/>
+              <a:ext cx="6864175" cy="498663"/>
+            </a:xfrm>
+            <a:prstGeom prst="rect">
+              <a:avLst/>
+            </a:prstGeom>
+            <a:noFill/>
+          </p:spPr>
+          <p:txBody>
+            <a:bodyPr wrap="square">
+              <a:spAutoFit/>
+            </a:bodyPr>
+            <a:lstStyle/>
+            <a:p>
+              <a:pPr>
+                <a:lnSpc>
+                  <a:spcPct val="150000"/>
+                </a:lnSpc>
+                <a:spcBef>
+                  <a:spcPts val="1000"/>
+                </a:spcBef>
+                <a:defRPr/>
+              </a:pPr>
+              <a:r>
+                <a:rPr lang="en-US" altLang="zh-CN" sz="2000" b="1" kern="100" dirty="0">
+                  <a:solidFill>
+                    <a:srgbClr val="16388A"/>
+                  </a:solidFill>
+                  <a:latin typeface="Times New Roman" panose="02020603050405020304" pitchFamily="18" charset="0"/>
+                  <a:ea typeface="华文新魏" panose="02010800040101010101" pitchFamily="2" charset="-122"/>
+                  <a:cs typeface="Times New Roman" panose="02020603050405020304" pitchFamily="18" charset="0"/>
+                </a:rPr>
+                <a:t>Task 2: Pre-process (i.e. resize) the image if necessary</a:t>
+              </a:r>
+              <a:endParaRPr lang="en-US" sz="2400" b="1" kern="100" dirty="0">
+                <a:solidFill>
+                  <a:srgbClr val="16388A"/>
+                </a:solidFill>
+                <a:latin typeface="Times New Roman" panose="02020603050405020304" pitchFamily="18" charset="0"/>
+                <a:ea typeface="华文新魏" panose="02010800040101010101" pitchFamily="2" charset="-122"/>
+                <a:cs typeface="Times New Roman" panose="02020603050405020304" pitchFamily="18" charset="0"/>
+              </a:endParaRPr>
+            </a:p>
+          </p:txBody>
+        </p:sp>
+        <p:pic>
+          <p:nvPicPr>
+            <p:cNvPr id="17" name="Picture 16">
+              <a:extLst>
+                <a:ext uri="{FF2B5EF4-FFF2-40B4-BE49-F238E27FC236}">
+                  <a16:creationId xmlns:a16="http://schemas.microsoft.com/office/drawing/2014/main" id="{17C74CAB-3795-48D1-AA6E-9CAC4ED7D8D4}"/>
+                </a:ext>
+              </a:extLst>
+            </p:cNvPr>
+            <p:cNvPicPr>
+              <a:picLocks noChangeAspect="1"/>
+            </p:cNvPicPr>
+            <p:nvPr/>
+          </p:nvPicPr>
+          <p:blipFill>
+            <a:blip r:embed="rId3"/>
+            <a:stretch>
+              <a:fillRect/>
+            </a:stretch>
+          </p:blipFill>
+          <p:spPr>
+            <a:xfrm>
+              <a:off x="315943" y="2645700"/>
+              <a:ext cx="4877481" cy="1676634"/>
+            </a:xfrm>
+            <a:prstGeom prst="rect">
+              <a:avLst/>
+            </a:prstGeom>
+          </p:spPr>
+        </p:pic>
+      </p:grpSp>
+      <p:grpSp>
+        <p:nvGrpSpPr>
+          <p:cNvPr id="22" name="Group 21">
+            <a:extLst>
+              <a:ext uri="{FF2B5EF4-FFF2-40B4-BE49-F238E27FC236}">
+                <a16:creationId xmlns:a16="http://schemas.microsoft.com/office/drawing/2014/main" id="{63F6D3FF-47FB-43E0-9A8B-45AE3FE50AB8}"/>
+              </a:ext>
+            </a:extLst>
+          </p:cNvPr>
+          <p:cNvGrpSpPr/>
+          <p:nvPr/>
+        </p:nvGrpSpPr>
+        <p:grpSpPr>
+          <a:xfrm>
+            <a:off x="315943" y="4572670"/>
+            <a:ext cx="6864175" cy="1643648"/>
+            <a:chOff x="315943" y="4572670"/>
+            <a:chExt cx="6864175" cy="1643648"/>
+          </a:xfrm>
+        </p:grpSpPr>
+        <p:sp>
+          <p:nvSpPr>
+            <p:cNvPr id="18" name="TextBox 17">
+              <a:extLst>
+                <a:ext uri="{FF2B5EF4-FFF2-40B4-BE49-F238E27FC236}">
+                  <a16:creationId xmlns:a16="http://schemas.microsoft.com/office/drawing/2014/main" id="{C49589E2-100D-4503-9E2D-D20D4E769D04}"/>
+                </a:ext>
+              </a:extLst>
+            </p:cNvPr>
+            <p:cNvSpPr txBox="1"/>
+            <p:nvPr/>
+          </p:nvSpPr>
+          <p:spPr>
+            <a:xfrm>
+              <a:off x="315943" y="4572670"/>
+              <a:ext cx="6864175" cy="498663"/>
+            </a:xfrm>
+            <a:prstGeom prst="rect">
+              <a:avLst/>
+            </a:prstGeom>
+            <a:noFill/>
+          </p:spPr>
+          <p:txBody>
+            <a:bodyPr wrap="square">
+              <a:spAutoFit/>
+            </a:bodyPr>
+            <a:lstStyle/>
+            <a:p>
+              <a:pPr>
+                <a:lnSpc>
+                  <a:spcPct val="150000"/>
+                </a:lnSpc>
+                <a:spcBef>
+                  <a:spcPts val="1000"/>
+                </a:spcBef>
+                <a:defRPr/>
+              </a:pPr>
+              <a:r>
+                <a:rPr lang="en-US" altLang="zh-CN" sz="2000" b="1" kern="100" dirty="0">
+                  <a:solidFill>
+                    <a:srgbClr val="16388A"/>
+                  </a:solidFill>
+                  <a:latin typeface="Times New Roman" panose="02020603050405020304" pitchFamily="18" charset="0"/>
+                  <a:ea typeface="华文新魏" panose="02010800040101010101" pitchFamily="2" charset="-122"/>
+                  <a:cs typeface="Times New Roman" panose="02020603050405020304" pitchFamily="18" charset="0"/>
+                </a:rPr>
+                <a:t>Task 3: Segment the given test images</a:t>
+              </a:r>
+              <a:endParaRPr lang="en-US" sz="2400" b="1" kern="100" dirty="0">
+                <a:solidFill>
+                  <a:srgbClr val="16388A"/>
+                </a:solidFill>
+                <a:latin typeface="Times New Roman" panose="02020603050405020304" pitchFamily="18" charset="0"/>
+                <a:ea typeface="华文新魏" panose="02010800040101010101" pitchFamily="2" charset="-122"/>
+                <a:cs typeface="Times New Roman" panose="02020603050405020304" pitchFamily="18" charset="0"/>
+              </a:endParaRPr>
+            </a:p>
+          </p:txBody>
+        </p:sp>
+        <p:pic>
+          <p:nvPicPr>
+            <p:cNvPr id="19" name="Picture 18">
+              <a:extLst>
+                <a:ext uri="{FF2B5EF4-FFF2-40B4-BE49-F238E27FC236}">
+                  <a16:creationId xmlns:a16="http://schemas.microsoft.com/office/drawing/2014/main" id="{BE9A5B97-C3A8-4ECB-A48F-669ACD4CF941}"/>
+                </a:ext>
+              </a:extLst>
+            </p:cNvPr>
+            <p:cNvPicPr>
+              <a:picLocks noChangeAspect="1"/>
+            </p:cNvPicPr>
+            <p:nvPr/>
+          </p:nvPicPr>
+          <p:blipFill>
+            <a:blip r:embed="rId4">
+              <a:extLst>
+                <a:ext uri="{28A0092B-C50C-407E-A947-70E740481C1C}">
+                  <a14:useLocalDpi xmlns:a14="http://schemas.microsoft.com/office/drawing/2010/main" val="0"/>
+                </a:ext>
+              </a:extLst>
+            </a:blip>
+            <a:srcRect/>
+            <a:stretch/>
+          </p:blipFill>
+          <p:spPr>
+            <a:xfrm>
+              <a:off x="315943" y="5178811"/>
+              <a:ext cx="4877481" cy="1037507"/>
+            </a:xfrm>
+            <a:prstGeom prst="rect">
+              <a:avLst/>
+            </a:prstGeom>
+          </p:spPr>
+        </p:pic>
+      </p:grpSp>
       <p:pic>
         <p:nvPicPr>
-          <p:cNvPr id="6" name="Picture 5">
+          <p:cNvPr id="24" name="Picture 23">
             <a:extLst>
               <a:ext uri="{FF2B5EF4-FFF2-40B4-BE49-F238E27FC236}">
-                <a16:creationId xmlns:a16="http://schemas.microsoft.com/office/drawing/2014/main" id="{DAE93B3B-04C8-4627-814E-4314C6901EFE}"/>
+                <a16:creationId xmlns:a16="http://schemas.microsoft.com/office/drawing/2014/main" id="{68B84CDC-0649-4DE6-8EA2-691D8C26F008}"/>
               </a:ext>
             </a:extLst>
           </p:cNvPr>
@@ -16398,26 +17348,110 @@
           <p:nvPr/>
         </p:nvPicPr>
         <p:blipFill>
-          <a:blip r:embed="rId2">
-            <a:extLst>
-              <a:ext uri="{28A0092B-C50C-407E-A947-70E740481C1C}">
-                <a14:useLocalDpi xmlns:a14="http://schemas.microsoft.com/office/drawing/2010/main" val="0"/>
-              </a:ext>
-            </a:extLst>
-          </a:blip>
-          <a:srcRect/>
-          <a:stretch/>
+          <a:blip r:embed="rId5"/>
+          <a:stretch>
+            <a:fillRect/>
+          </a:stretch>
         </p:blipFill>
         <p:spPr>
           <a:xfrm>
-            <a:off x="2711635" y="0"/>
-            <a:ext cx="4715033" cy="3536274"/>
+            <a:off x="7180118" y="4098590"/>
+            <a:ext cx="4781320" cy="2403221"/>
           </a:xfrm>
           <a:prstGeom prst="rect">
             <a:avLst/>
           </a:prstGeom>
         </p:spPr>
       </p:pic>
+      <p:sp>
+        <p:nvSpPr>
+          <p:cNvPr id="25" name="TextBox 24">
+            <a:extLst>
+              <a:ext uri="{FF2B5EF4-FFF2-40B4-BE49-F238E27FC236}">
+                <a16:creationId xmlns:a16="http://schemas.microsoft.com/office/drawing/2014/main" id="{DEA66D09-890E-43D0-80CB-EE642F7FC063}"/>
+              </a:ext>
+            </a:extLst>
+          </p:cNvPr>
+          <p:cNvSpPr txBox="1"/>
+          <p:nvPr/>
+        </p:nvSpPr>
+        <p:spPr>
+          <a:xfrm>
+            <a:off x="7180118" y="3451700"/>
+            <a:ext cx="4948317" cy="498663"/>
+          </a:xfrm>
+          <a:prstGeom prst="rect">
+            <a:avLst/>
+          </a:prstGeom>
+          <a:noFill/>
+        </p:spPr>
+        <p:txBody>
+          <a:bodyPr wrap="square">
+            <a:spAutoFit/>
+          </a:bodyPr>
+          <a:lstStyle/>
+          <a:p>
+            <a:pPr>
+              <a:lnSpc>
+                <a:spcPct val="150000"/>
+              </a:lnSpc>
+              <a:spcBef>
+                <a:spcPts val="1000"/>
+              </a:spcBef>
+              <a:defRPr/>
+            </a:pPr>
+            <a:r>
+              <a:rPr lang="en-US" altLang="zh-CN" sz="2000" b="1" kern="100" dirty="0">
+                <a:solidFill>
+                  <a:srgbClr val="16388A"/>
+                </a:solidFill>
+                <a:latin typeface="Times New Roman" panose="02020603050405020304" pitchFamily="18" charset="0"/>
+                <a:ea typeface="华文新魏" panose="02010800040101010101" pitchFamily="2" charset="-122"/>
+                <a:cs typeface="Times New Roman" panose="02020603050405020304" pitchFamily="18" charset="0"/>
+              </a:rPr>
+              <a:t>main():</a:t>
+            </a:r>
+            <a:endParaRPr lang="en-US" sz="2400" b="1" kern="100" dirty="0">
+              <a:solidFill>
+                <a:srgbClr val="16388A"/>
+              </a:solidFill>
+              <a:latin typeface="Times New Roman" panose="02020603050405020304" pitchFamily="18" charset="0"/>
+              <a:ea typeface="华文新魏" panose="02010800040101010101" pitchFamily="2" charset="-122"/>
+              <a:cs typeface="Times New Roman" panose="02020603050405020304" pitchFamily="18" charset="0"/>
+            </a:endParaRPr>
+          </a:p>
+        </p:txBody>
+      </p:sp>
+    </p:spTree>
+    <p:extLst>
+      <p:ext uri="{BB962C8B-B14F-4D97-AF65-F5344CB8AC3E}">
+        <p14:creationId xmlns:p14="http://schemas.microsoft.com/office/powerpoint/2010/main" val="77921929"/>
+      </p:ext>
+    </p:extLst>
+  </p:cSld>
+  <p:clrMapOvr>
+    <a:masterClrMapping/>
+  </p:clrMapOvr>
+</p:sld>
+</file>
+
+<file path=ppt/slides/slide4.xml><?xml version="1.0" encoding="utf-8"?>
+<p:sld xmlns:a="http://schemas.openxmlformats.org/drawingml/2006/main" xmlns:r="http://schemas.openxmlformats.org/officeDocument/2006/relationships" xmlns:p="http://schemas.openxmlformats.org/presentationml/2006/main">
+  <p:cSld>
+    <p:spTree>
+      <p:nvGrpSpPr>
+        <p:cNvPr id="1" name=""/>
+        <p:cNvGrpSpPr/>
+        <p:nvPr/>
+      </p:nvGrpSpPr>
+      <p:grpSpPr>
+        <a:xfrm>
+          <a:off x="0" y="0"/>
+          <a:ext cx="0" cy="0"/>
+          <a:chOff x="0" y="0"/>
+          <a:chExt cx="0" cy="0"/>
+        </a:xfrm>
+      </p:grpSpPr>
       <p:sp>
         <p:nvSpPr>
           <p:cNvPr id="7" name="TextBox 6">
@@ -16432,7 +17466,156 @@
         </p:nvSpPr>
         <p:spPr>
           <a:xfrm>
-            <a:off x="315944" y="217924"/>
+            <a:off x="315943" y="217924"/>
+            <a:ext cx="5780057" cy="960328"/>
+          </a:xfrm>
+          <a:prstGeom prst="rect">
+            <a:avLst/>
+          </a:prstGeom>
+          <a:noFill/>
+        </p:spPr>
+        <p:txBody>
+          <a:bodyPr wrap="square">
+            <a:spAutoFit/>
+          </a:bodyPr>
+          <a:lstStyle/>
+          <a:p>
+            <a:pPr>
+              <a:lnSpc>
+                <a:spcPct val="150000"/>
+              </a:lnSpc>
+              <a:spcBef>
+                <a:spcPts val="1000"/>
+              </a:spcBef>
+              <a:defRPr/>
+            </a:pPr>
+            <a:r>
+              <a:rPr lang="en-US" altLang="zh-CN" sz="2000" b="1" kern="100" dirty="0">
+                <a:solidFill>
+                  <a:srgbClr val="16388A"/>
+                </a:solidFill>
+                <a:latin typeface="Times New Roman" panose="02020603050405020304" pitchFamily="18" charset="0"/>
+                <a:ea typeface="华文新魏" panose="02010800040101010101" pitchFamily="2" charset="-122"/>
+                <a:cs typeface="Times New Roman" panose="02020603050405020304" pitchFamily="18" charset="0"/>
+              </a:rPr>
+              <a:t>Task 4: Generate (multi-class) segmentation masks on test images</a:t>
+            </a:r>
+            <a:endParaRPr lang="en-US" sz="2400" b="1" kern="100" dirty="0">
+              <a:solidFill>
+                <a:srgbClr val="16388A"/>
+              </a:solidFill>
+              <a:latin typeface="Times New Roman" panose="02020603050405020304" pitchFamily="18" charset="0"/>
+              <a:ea typeface="华文新魏" panose="02010800040101010101" pitchFamily="2" charset="-122"/>
+              <a:cs typeface="Times New Roman" panose="02020603050405020304" pitchFamily="18" charset="0"/>
+            </a:endParaRPr>
+          </a:p>
+        </p:txBody>
+      </p:sp>
+      <p:pic>
+        <p:nvPicPr>
+          <p:cNvPr id="3" name="Picture 2">
+            <a:extLst>
+              <a:ext uri="{FF2B5EF4-FFF2-40B4-BE49-F238E27FC236}">
+                <a16:creationId xmlns:a16="http://schemas.microsoft.com/office/drawing/2014/main" id="{52442A7A-6E5E-4B4F-AA46-C3628F8B1840}"/>
+              </a:ext>
+            </a:extLst>
+          </p:cNvPr>
+          <p:cNvPicPr>
+            <a:picLocks noChangeAspect="1"/>
+          </p:cNvPicPr>
+          <p:nvPr/>
+        </p:nvPicPr>
+        <p:blipFill>
+          <a:blip r:embed="rId2"/>
+          <a:stretch>
+            <a:fillRect/>
+          </a:stretch>
+        </p:blipFill>
+        <p:spPr>
+          <a:xfrm>
+            <a:off x="315943" y="1231796"/>
+            <a:ext cx="5277587" cy="3305636"/>
+          </a:xfrm>
+          <a:prstGeom prst="rect">
+            <a:avLst/>
+          </a:prstGeom>
+        </p:spPr>
+      </p:pic>
+      <p:pic>
+        <p:nvPicPr>
+          <p:cNvPr id="5" name="Picture 4">
+            <a:extLst>
+              <a:ext uri="{FF2B5EF4-FFF2-40B4-BE49-F238E27FC236}">
+                <a16:creationId xmlns:a16="http://schemas.microsoft.com/office/drawing/2014/main" id="{8DF90EE6-94E1-45E5-B604-D44911DF0408}"/>
+              </a:ext>
+            </a:extLst>
+          </p:cNvPr>
+          <p:cNvPicPr>
+            <a:picLocks noChangeAspect="1"/>
+          </p:cNvPicPr>
+          <p:nvPr/>
+        </p:nvPicPr>
+        <p:blipFill>
+          <a:blip r:embed="rId3"/>
+          <a:stretch>
+            <a:fillRect/>
+          </a:stretch>
+        </p:blipFill>
+        <p:spPr>
+          <a:xfrm>
+            <a:off x="5995555" y="1231796"/>
+            <a:ext cx="6046757" cy="5408280"/>
+          </a:xfrm>
+          <a:prstGeom prst="rect">
+            <a:avLst/>
+          </a:prstGeom>
+        </p:spPr>
+      </p:pic>
+    </p:spTree>
+    <p:extLst>
+      <p:ext uri="{BB962C8B-B14F-4D97-AF65-F5344CB8AC3E}">
+        <p14:creationId xmlns:p14="http://schemas.microsoft.com/office/powerpoint/2010/main" val="961108044"/>
+      </p:ext>
+    </p:extLst>
+  </p:cSld>
+  <p:clrMapOvr>
+    <a:masterClrMapping/>
+  </p:clrMapOvr>
+</p:sld>
+</file>
+
+<file path=ppt/slides/slide5.xml><?xml version="1.0" encoding="utf-8"?>
+<p:sld xmlns:a="http://schemas.openxmlformats.org/drawingml/2006/main" xmlns:r="http://schemas.openxmlformats.org/officeDocument/2006/relationships" xmlns:p="http://schemas.openxmlformats.org/presentationml/2006/main">
+  <p:cSld>
+    <p:spTree>
+      <p:nvGrpSpPr>
+        <p:cNvPr id="1" name=""/>
+        <p:cNvGrpSpPr/>
+        <p:nvPr/>
+      </p:nvGrpSpPr>
+      <p:grpSpPr>
+        <a:xfrm>
+          <a:off x="0" y="0"/>
+          <a:ext cx="0" cy="0"/>
+          <a:chOff x="0" y="0"/>
+          <a:chExt cx="0" cy="0"/>
+        </a:xfrm>
+      </p:grpSpPr>
+      <p:sp>
+        <p:nvSpPr>
+          <p:cNvPr id="14" name="TextBox 13">
+            <a:extLst>
+              <a:ext uri="{FF2B5EF4-FFF2-40B4-BE49-F238E27FC236}">
+                <a16:creationId xmlns:a16="http://schemas.microsoft.com/office/drawing/2014/main" id="{3EF3B805-3704-437E-A20B-22CEEC81991C}"/>
+              </a:ext>
+            </a:extLst>
+          </p:cNvPr>
+          <p:cNvSpPr txBox="1"/>
+          <p:nvPr/>
+        </p:nvSpPr>
+        <p:spPr>
+          <a:xfrm>
+            <a:off x="139632" y="62203"/>
             <a:ext cx="3282914" cy="498663"/>
           </a:xfrm>
           <a:prstGeom prst="rect">
@@ -16464,7 +17647,7 @@
                 <a:ea typeface="华文新魏" panose="02010800040101010101" pitchFamily="2" charset="-122"/>
                 <a:cs typeface="Times New Roman" panose="02020603050405020304" pitchFamily="18" charset="0"/>
               </a:rPr>
-              <a:t>REPORT: Net 1</a:t>
+              <a:t>Report and Results:</a:t>
             </a:r>
             <a:endParaRPr lang="en-US" sz="2400" b="1" kern="100" dirty="0">
               <a:solidFill>
@@ -16477,2884 +17660,12 @@
           </a:p>
         </p:txBody>
       </p:sp>
-      <p:graphicFrame>
-        <p:nvGraphicFramePr>
-          <p:cNvPr id="2" name="Table 2">
+      <p:grpSp>
+        <p:nvGrpSpPr>
+          <p:cNvPr id="12" name="Group 11">
             <a:extLst>
               <a:ext uri="{FF2B5EF4-FFF2-40B4-BE49-F238E27FC236}">
-                <a16:creationId xmlns:a16="http://schemas.microsoft.com/office/drawing/2014/main" id="{A25FDF38-E177-4465-BC0B-51CE68989D10}"/>
-              </a:ext>
-            </a:extLst>
-          </p:cNvPr>
-          <p:cNvGraphicFramePr>
-            <a:graphicFrameLocks noGrp="1"/>
-          </p:cNvGraphicFramePr>
-          <p:nvPr>
-            <p:extLst>
-              <p:ext uri="{D42A27DB-BD31-4B8C-83A1-F6EECF244321}">
-                <p14:modId xmlns:p14="http://schemas.microsoft.com/office/powerpoint/2010/main" val="3360945396"/>
-              </p:ext>
-            </p:extLst>
-          </p:nvPr>
-        </p:nvGraphicFramePr>
-        <p:xfrm>
-          <a:off x="443071" y="1438173"/>
-          <a:ext cx="2011680" cy="4358640"/>
-        </p:xfrm>
-        <a:graphic>
-          <a:graphicData uri="http://schemas.openxmlformats.org/drawingml/2006/table">
-            <a:tbl>
-              <a:tblPr firstRow="1" bandRow="1">
-                <a:tableStyleId>{5C22544A-7EE6-4342-B048-85BDC9FD1C3A}</a:tableStyleId>
-              </a:tblPr>
-              <a:tblGrid>
-                <a:gridCol w="1005840">
-                  <a:extLst>
-                    <a:ext uri="{9D8B030D-6E8A-4147-A177-3AD203B41FA5}">
-                      <a16:colId xmlns:a16="http://schemas.microsoft.com/office/drawing/2014/main" val="3155224541"/>
-                    </a:ext>
-                  </a:extLst>
-                </a:gridCol>
-                <a:gridCol w="1005840">
-                  <a:extLst>
-                    <a:ext uri="{9D8B030D-6E8A-4147-A177-3AD203B41FA5}">
-                      <a16:colId xmlns:a16="http://schemas.microsoft.com/office/drawing/2014/main" val="4140186502"/>
-                    </a:ext>
-                  </a:extLst>
-                </a:gridCol>
-              </a:tblGrid>
-              <a:tr h="292251">
-                <a:tc gridSpan="2">
-                  <a:txBody>
-                    <a:bodyPr/>
-                    <a:lstStyle/>
-                    <a:p>
-                      <a:pPr algn="ctr"/>
-                      <a:r>
-                        <a:rPr lang="en-US" sz="1600" dirty="0"/>
-                        <a:t>Net1. Acc Tab</a:t>
-                      </a:r>
-                    </a:p>
-                  </a:txBody>
-                  <a:tcPr/>
-                </a:tc>
-                <a:tc hMerge="1">
-                  <a:txBody>
-                    <a:bodyPr/>
-                    <a:lstStyle/>
-                    <a:p>
-                      <a:endParaRPr lang="en-US" dirty="0"/>
-                    </a:p>
-                  </a:txBody>
-                  <a:tcPr/>
-                </a:tc>
-                <a:extLst>
-                  <a:ext uri="{0D108BD9-81ED-4DB2-BD59-A6C34878D82A}">
-                    <a16:rowId xmlns:a16="http://schemas.microsoft.com/office/drawing/2014/main" val="998142586"/>
-                  </a:ext>
-                </a:extLst>
-              </a:tr>
-              <a:tr h="318546">
-                <a:tc>
-                  <a:txBody>
-                    <a:bodyPr/>
-                    <a:lstStyle/>
-                    <a:p>
-                      <a:pPr algn="ctr"/>
-                      <a:r>
-                        <a:rPr lang="en-US" sz="1600" dirty="0"/>
-                        <a:t>Plane</a:t>
-                      </a:r>
-                    </a:p>
-                  </a:txBody>
-                  <a:tcPr/>
-                </a:tc>
-                <a:tc>
-                  <a:txBody>
-                    <a:bodyPr/>
-                    <a:lstStyle/>
-                    <a:p>
-                      <a:pPr algn="ctr"/>
-                      <a:r>
-                        <a:rPr lang="en-US" sz="1600" dirty="0"/>
-                        <a:t>52.4 %</a:t>
-                      </a:r>
-                    </a:p>
-                  </a:txBody>
-                  <a:tcPr/>
-                </a:tc>
-                <a:extLst>
-                  <a:ext uri="{0D108BD9-81ED-4DB2-BD59-A6C34878D82A}">
-                    <a16:rowId xmlns:a16="http://schemas.microsoft.com/office/drawing/2014/main" val="3609831770"/>
-                  </a:ext>
-                </a:extLst>
-              </a:tr>
-              <a:tr h="318546">
-                <a:tc>
-                  <a:txBody>
-                    <a:bodyPr/>
-                    <a:lstStyle/>
-                    <a:p>
-                      <a:pPr algn="ctr"/>
-                      <a:r>
-                        <a:rPr lang="en-US" sz="1600" dirty="0"/>
-                        <a:t>Car</a:t>
-                      </a:r>
-                    </a:p>
-                  </a:txBody>
-                  <a:tcPr/>
-                </a:tc>
-                <a:tc>
-                  <a:txBody>
-                    <a:bodyPr/>
-                    <a:lstStyle/>
-                    <a:p>
-                      <a:pPr algn="ctr"/>
-                      <a:r>
-                        <a:rPr lang="en-US" sz="1600" dirty="0"/>
-                        <a:t>61.4 %</a:t>
-                      </a:r>
-                    </a:p>
-                  </a:txBody>
-                  <a:tcPr/>
-                </a:tc>
-                <a:extLst>
-                  <a:ext uri="{0D108BD9-81ED-4DB2-BD59-A6C34878D82A}">
-                    <a16:rowId xmlns:a16="http://schemas.microsoft.com/office/drawing/2014/main" val="463309982"/>
-                  </a:ext>
-                </a:extLst>
-              </a:tr>
-              <a:tr h="318546">
-                <a:tc>
-                  <a:txBody>
-                    <a:bodyPr/>
-                    <a:lstStyle/>
-                    <a:p>
-                      <a:pPr algn="ctr"/>
-                      <a:r>
-                        <a:rPr lang="en-US" sz="1600" dirty="0"/>
-                        <a:t>Bird</a:t>
-                      </a:r>
-                    </a:p>
-                  </a:txBody>
-                  <a:tcPr/>
-                </a:tc>
-                <a:tc>
-                  <a:txBody>
-                    <a:bodyPr/>
-                    <a:lstStyle/>
-                    <a:p>
-                      <a:pPr algn="ctr"/>
-                      <a:r>
-                        <a:rPr lang="en-US" sz="1600" dirty="0"/>
-                        <a:t>36.7 %</a:t>
-                      </a:r>
-                    </a:p>
-                  </a:txBody>
-                  <a:tcPr/>
-                </a:tc>
-                <a:extLst>
-                  <a:ext uri="{0D108BD9-81ED-4DB2-BD59-A6C34878D82A}">
-                    <a16:rowId xmlns:a16="http://schemas.microsoft.com/office/drawing/2014/main" val="3581345049"/>
-                  </a:ext>
-                </a:extLst>
-              </a:tr>
-              <a:tr h="318546">
-                <a:tc>
-                  <a:txBody>
-                    <a:bodyPr/>
-                    <a:lstStyle/>
-                    <a:p>
-                      <a:pPr algn="ctr"/>
-                      <a:r>
-                        <a:rPr lang="en-US" sz="1600" dirty="0"/>
-                        <a:t>Cat</a:t>
-                      </a:r>
-                    </a:p>
-                  </a:txBody>
-                  <a:tcPr/>
-                </a:tc>
-                <a:tc>
-                  <a:txBody>
-                    <a:bodyPr/>
-                    <a:lstStyle/>
-                    <a:p>
-                      <a:pPr algn="ctr"/>
-                      <a:r>
-                        <a:rPr lang="en-US" sz="1600" dirty="0"/>
-                        <a:t>42.4 %</a:t>
-                      </a:r>
-                    </a:p>
-                  </a:txBody>
-                  <a:tcPr/>
-                </a:tc>
-                <a:extLst>
-                  <a:ext uri="{0D108BD9-81ED-4DB2-BD59-A6C34878D82A}">
-                    <a16:rowId xmlns:a16="http://schemas.microsoft.com/office/drawing/2014/main" val="2141636581"/>
-                  </a:ext>
-                </a:extLst>
-              </a:tr>
-              <a:tr h="318546">
-                <a:tc>
-                  <a:txBody>
-                    <a:bodyPr/>
-                    <a:lstStyle/>
-                    <a:p>
-                      <a:pPr algn="ctr"/>
-                      <a:r>
-                        <a:rPr lang="en-US" sz="1600" dirty="0"/>
-                        <a:t>Deer</a:t>
-                      </a:r>
-                    </a:p>
-                  </a:txBody>
-                  <a:tcPr/>
-                </a:tc>
-                <a:tc>
-                  <a:txBody>
-                    <a:bodyPr/>
-                    <a:lstStyle/>
-                    <a:p>
-                      <a:pPr algn="ctr"/>
-                      <a:r>
-                        <a:rPr lang="en-US" sz="1600" dirty="0"/>
-                        <a:t>70.6 %</a:t>
-                      </a:r>
-                    </a:p>
-                  </a:txBody>
-                  <a:tcPr/>
-                </a:tc>
-                <a:extLst>
-                  <a:ext uri="{0D108BD9-81ED-4DB2-BD59-A6C34878D82A}">
-                    <a16:rowId xmlns:a16="http://schemas.microsoft.com/office/drawing/2014/main" val="3647439777"/>
-                  </a:ext>
-                </a:extLst>
-              </a:tr>
-              <a:tr h="318546">
-                <a:tc>
-                  <a:txBody>
-                    <a:bodyPr/>
-                    <a:lstStyle/>
-                    <a:p>
-                      <a:pPr algn="ctr"/>
-                      <a:r>
-                        <a:rPr lang="en-US" sz="1600" dirty="0"/>
-                        <a:t>Dog</a:t>
-                      </a:r>
-                    </a:p>
-                  </a:txBody>
-                  <a:tcPr/>
-                </a:tc>
-                <a:tc>
-                  <a:txBody>
-                    <a:bodyPr/>
-                    <a:lstStyle/>
-                    <a:p>
-                      <a:pPr algn="ctr"/>
-                      <a:r>
-                        <a:rPr lang="en-US" sz="1600" dirty="0"/>
-                        <a:t>46.1 %</a:t>
-                      </a:r>
-                    </a:p>
-                  </a:txBody>
-                  <a:tcPr/>
-                </a:tc>
-                <a:extLst>
-                  <a:ext uri="{0D108BD9-81ED-4DB2-BD59-A6C34878D82A}">
-                    <a16:rowId xmlns:a16="http://schemas.microsoft.com/office/drawing/2014/main" val="3157616219"/>
-                  </a:ext>
-                </a:extLst>
-              </a:tr>
-              <a:tr h="318546">
-                <a:tc>
-                  <a:txBody>
-                    <a:bodyPr/>
-                    <a:lstStyle/>
-                    <a:p>
-                      <a:pPr algn="ctr"/>
-                      <a:r>
-                        <a:rPr lang="en-US" sz="1600" dirty="0"/>
-                        <a:t>Frog</a:t>
-                      </a:r>
-                    </a:p>
-                  </a:txBody>
-                  <a:tcPr/>
-                </a:tc>
-                <a:tc>
-                  <a:txBody>
-                    <a:bodyPr/>
-                    <a:lstStyle/>
-                    <a:p>
-                      <a:pPr algn="ctr"/>
-                      <a:r>
-                        <a:rPr lang="en-US" sz="1600" dirty="0"/>
-                        <a:t>55.5 %</a:t>
-                      </a:r>
-                    </a:p>
-                  </a:txBody>
-                  <a:tcPr/>
-                </a:tc>
-                <a:extLst>
-                  <a:ext uri="{0D108BD9-81ED-4DB2-BD59-A6C34878D82A}">
-                    <a16:rowId xmlns:a16="http://schemas.microsoft.com/office/drawing/2014/main" val="1367725180"/>
-                  </a:ext>
-                </a:extLst>
-              </a:tr>
-              <a:tr h="318546">
-                <a:tc>
-                  <a:txBody>
-                    <a:bodyPr/>
-                    <a:lstStyle/>
-                    <a:p>
-                      <a:pPr algn="ctr"/>
-                      <a:r>
-                        <a:rPr lang="en-US" sz="1600" dirty="0"/>
-                        <a:t>Horse</a:t>
-                      </a:r>
-                    </a:p>
-                  </a:txBody>
-                  <a:tcPr/>
-                </a:tc>
-                <a:tc>
-                  <a:txBody>
-                    <a:bodyPr/>
-                    <a:lstStyle/>
-                    <a:p>
-                      <a:pPr algn="ctr"/>
-                      <a:r>
-                        <a:rPr lang="en-US" sz="1600" dirty="0"/>
-                        <a:t>56.6 %</a:t>
-                      </a:r>
-                    </a:p>
-                  </a:txBody>
-                  <a:tcPr/>
-                </a:tc>
-                <a:extLst>
-                  <a:ext uri="{0D108BD9-81ED-4DB2-BD59-A6C34878D82A}">
-                    <a16:rowId xmlns:a16="http://schemas.microsoft.com/office/drawing/2014/main" val="1670969532"/>
-                  </a:ext>
-                </a:extLst>
-              </a:tr>
-              <a:tr h="318546">
-                <a:tc>
-                  <a:txBody>
-                    <a:bodyPr/>
-                    <a:lstStyle/>
-                    <a:p>
-                      <a:pPr algn="ctr"/>
-                      <a:r>
-                        <a:rPr lang="en-US" sz="1600" dirty="0"/>
-                        <a:t>Ship</a:t>
-                      </a:r>
-                    </a:p>
-                  </a:txBody>
-                  <a:tcPr/>
-                </a:tc>
-                <a:tc>
-                  <a:txBody>
-                    <a:bodyPr/>
-                    <a:lstStyle/>
-                    <a:p>
-                      <a:pPr algn="ctr"/>
-                      <a:r>
-                        <a:rPr lang="en-US" sz="1600" dirty="0"/>
-                        <a:t>74.4 %</a:t>
-                      </a:r>
-                    </a:p>
-                  </a:txBody>
-                  <a:tcPr/>
-                </a:tc>
-                <a:extLst>
-                  <a:ext uri="{0D108BD9-81ED-4DB2-BD59-A6C34878D82A}">
-                    <a16:rowId xmlns:a16="http://schemas.microsoft.com/office/drawing/2014/main" val="135284082"/>
-                  </a:ext>
-                </a:extLst>
-              </a:tr>
-              <a:tr h="318546">
-                <a:tc>
-                  <a:txBody>
-                    <a:bodyPr/>
-                    <a:lstStyle/>
-                    <a:p>
-                      <a:pPr algn="ctr"/>
-                      <a:r>
-                        <a:rPr lang="en-US" sz="1600" dirty="0"/>
-                        <a:t>Truck</a:t>
-                      </a:r>
-                    </a:p>
-                  </a:txBody>
-                  <a:tcPr/>
-                </a:tc>
-                <a:tc>
-                  <a:txBody>
-                    <a:bodyPr/>
-                    <a:lstStyle/>
-                    <a:p>
-                      <a:pPr algn="ctr"/>
-                      <a:r>
-                        <a:rPr lang="en-US" sz="1600" dirty="0"/>
-                        <a:t>86.1 %</a:t>
-                      </a:r>
-                    </a:p>
-                  </a:txBody>
-                  <a:tcPr/>
-                </a:tc>
-                <a:extLst>
-                  <a:ext uri="{0D108BD9-81ED-4DB2-BD59-A6C34878D82A}">
-                    <a16:rowId xmlns:a16="http://schemas.microsoft.com/office/drawing/2014/main" val="3994574470"/>
-                  </a:ext>
-                </a:extLst>
-              </a:tr>
-              <a:tr h="318546">
-                <a:tc>
-                  <a:txBody>
-                    <a:bodyPr/>
-                    <a:lstStyle/>
-                    <a:p>
-                      <a:pPr algn="ctr"/>
-                      <a:r>
-                        <a:rPr lang="en-US" sz="1600" dirty="0"/>
-                        <a:t>Ave Acc</a:t>
-                      </a:r>
-                    </a:p>
-                  </a:txBody>
-                  <a:tcPr/>
-                </a:tc>
-                <a:tc>
-                  <a:txBody>
-                    <a:bodyPr/>
-                    <a:lstStyle/>
-                    <a:p>
-                      <a:pPr algn="ctr"/>
-                      <a:r>
-                        <a:rPr lang="en-US" sz="1600" dirty="0"/>
-                        <a:t>58.0 %</a:t>
-                      </a:r>
-                    </a:p>
-                  </a:txBody>
-                  <a:tcPr/>
-                </a:tc>
-                <a:extLst>
-                  <a:ext uri="{0D108BD9-81ED-4DB2-BD59-A6C34878D82A}">
-                    <a16:rowId xmlns:a16="http://schemas.microsoft.com/office/drawing/2014/main" val="4081230585"/>
-                  </a:ext>
-                </a:extLst>
-              </a:tr>
-              <a:tr h="318546">
-                <a:tc>
-                  <a:txBody>
-                    <a:bodyPr/>
-                    <a:lstStyle/>
-                    <a:p>
-                      <a:pPr algn="ctr"/>
-                      <a:r>
-                        <a:rPr lang="en-US" sz="1600" dirty="0"/>
-                        <a:t>Run Tim</a:t>
-                      </a:r>
-                    </a:p>
-                  </a:txBody>
-                  <a:tcPr/>
-                </a:tc>
-                <a:tc>
-                  <a:txBody>
-                    <a:bodyPr/>
-                    <a:lstStyle/>
-                    <a:p>
-                      <a:pPr algn="ctr"/>
-                      <a:r>
-                        <a:rPr lang="en-US" sz="1600" dirty="0"/>
-                        <a:t>157.62 s</a:t>
-                      </a:r>
-                    </a:p>
-                  </a:txBody>
-                  <a:tcPr/>
-                </a:tc>
-                <a:extLst>
-                  <a:ext uri="{0D108BD9-81ED-4DB2-BD59-A6C34878D82A}">
-                    <a16:rowId xmlns:a16="http://schemas.microsoft.com/office/drawing/2014/main" val="2292412895"/>
-                  </a:ext>
-                </a:extLst>
-              </a:tr>
-            </a:tbl>
-          </a:graphicData>
-        </a:graphic>
-      </p:graphicFrame>
-      <p:pic>
-        <p:nvPicPr>
-          <p:cNvPr id="4" name="Picture 3">
-            <a:extLst>
-              <a:ext uri="{FF2B5EF4-FFF2-40B4-BE49-F238E27FC236}">
-                <a16:creationId xmlns:a16="http://schemas.microsoft.com/office/drawing/2014/main" id="{BF519D52-A973-4115-BDAC-12D859AC9E76}"/>
-              </a:ext>
-            </a:extLst>
-          </p:cNvPr>
-          <p:cNvPicPr>
-            <a:picLocks noChangeAspect="1"/>
-          </p:cNvPicPr>
-          <p:nvPr/>
-        </p:nvPicPr>
-        <p:blipFill>
-          <a:blip r:embed="rId3">
-            <a:extLst>
-              <a:ext uri="{28A0092B-C50C-407E-A947-70E740481C1C}">
-                <a14:useLocalDpi xmlns:a14="http://schemas.microsoft.com/office/drawing/2010/main" val="0"/>
-              </a:ext>
-            </a:extLst>
-          </a:blip>
-          <a:srcRect/>
-          <a:stretch/>
-        </p:blipFill>
-        <p:spPr>
-          <a:xfrm>
-            <a:off x="2646583" y="2329379"/>
-            <a:ext cx="4948317" cy="3711237"/>
-          </a:xfrm>
-          <a:prstGeom prst="rect">
-            <a:avLst/>
-          </a:prstGeom>
-        </p:spPr>
-      </p:pic>
-      <p:pic>
-        <p:nvPicPr>
-          <p:cNvPr id="9" name="Picture 8">
-            <a:extLst>
-              <a:ext uri="{FF2B5EF4-FFF2-40B4-BE49-F238E27FC236}">
-                <a16:creationId xmlns:a16="http://schemas.microsoft.com/office/drawing/2014/main" id="{0095B571-6651-4451-8626-34DBA64368EA}"/>
-              </a:ext>
-            </a:extLst>
-          </p:cNvPr>
-          <p:cNvPicPr>
-            <a:picLocks noChangeAspect="1"/>
-          </p:cNvPicPr>
-          <p:nvPr/>
-        </p:nvPicPr>
-        <p:blipFill>
-          <a:blip r:embed="rId4">
-            <a:extLst>
-              <a:ext uri="{28A0092B-C50C-407E-A947-70E740481C1C}">
-                <a14:useLocalDpi xmlns:a14="http://schemas.microsoft.com/office/drawing/2010/main" val="0"/>
-              </a:ext>
-            </a:extLst>
-          </a:blip>
-          <a:srcRect/>
-          <a:stretch/>
-        </p:blipFill>
-        <p:spPr>
-          <a:xfrm>
-            <a:off x="7250723" y="1374414"/>
-            <a:ext cx="4759569" cy="4759569"/>
-          </a:xfrm>
-          <a:prstGeom prst="rect">
-            <a:avLst/>
-          </a:prstGeom>
-        </p:spPr>
-      </p:pic>
-      <p:sp>
-        <p:nvSpPr>
-          <p:cNvPr id="13" name="TextBox 12">
-            <a:extLst>
-              <a:ext uri="{FF2B5EF4-FFF2-40B4-BE49-F238E27FC236}">
-                <a16:creationId xmlns:a16="http://schemas.microsoft.com/office/drawing/2014/main" id="{44AC818D-D7CB-4235-9673-82208F9FE01D}"/>
-              </a:ext>
-            </a:extLst>
-          </p:cNvPr>
-          <p:cNvSpPr txBox="1"/>
-          <p:nvPr/>
-        </p:nvSpPr>
-        <p:spPr>
-          <a:xfrm>
-            <a:off x="8273586" y="1125082"/>
-            <a:ext cx="2713842" cy="498663"/>
-          </a:xfrm>
-          <a:prstGeom prst="rect">
-            <a:avLst/>
-          </a:prstGeom>
-          <a:noFill/>
-        </p:spPr>
-        <p:txBody>
-          <a:bodyPr wrap="square">
-            <a:spAutoFit/>
-          </a:bodyPr>
-          <a:lstStyle/>
-          <a:p>
-            <a:pPr algn="ctr">
-              <a:lnSpc>
-                <a:spcPct val="150000"/>
-              </a:lnSpc>
-              <a:spcBef>
-                <a:spcPts val="1000"/>
-              </a:spcBef>
-              <a:defRPr/>
-            </a:pPr>
-            <a:r>
-              <a:rPr lang="en-US" altLang="zh-CN" sz="2000" kern="100" dirty="0">
-                <a:solidFill>
-                  <a:srgbClr val="16388A"/>
-                </a:solidFill>
-                <a:latin typeface="Times New Roman" panose="02020603050405020304" pitchFamily="18" charset="0"/>
-                <a:ea typeface="华文新魏" panose="02010800040101010101" pitchFamily="2" charset="-122"/>
-                <a:cs typeface="Times New Roman" panose="02020603050405020304" pitchFamily="18" charset="0"/>
-              </a:rPr>
-              <a:t>Confusion Matrices</a:t>
-            </a:r>
-            <a:endParaRPr lang="en-US" kern="100" dirty="0">
-              <a:solidFill>
-                <a:srgbClr val="16388A"/>
-              </a:solidFill>
-              <a:latin typeface="Times New Roman" panose="02020603050405020304" pitchFamily="18" charset="0"/>
-              <a:ea typeface="华文新魏" panose="02010800040101010101" pitchFamily="2" charset="-122"/>
-              <a:cs typeface="Times New Roman" panose="02020603050405020304" pitchFamily="18" charset="0"/>
-            </a:endParaRPr>
-          </a:p>
-        </p:txBody>
-      </p:sp>
-      <p:pic>
-        <p:nvPicPr>
-          <p:cNvPr id="11" name="Picture 10">
-            <a:extLst>
-              <a:ext uri="{FF2B5EF4-FFF2-40B4-BE49-F238E27FC236}">
-                <a16:creationId xmlns:a16="http://schemas.microsoft.com/office/drawing/2014/main" id="{5103D45B-4514-4C54-A8AB-E9CCFBB2F603}"/>
-              </a:ext>
-            </a:extLst>
-          </p:cNvPr>
-          <p:cNvPicPr>
-            <a:picLocks noChangeAspect="1"/>
-          </p:cNvPicPr>
-          <p:nvPr/>
-        </p:nvPicPr>
-        <p:blipFill>
-          <a:blip r:embed="rId5"/>
-          <a:stretch>
-            <a:fillRect/>
-          </a:stretch>
-        </p:blipFill>
-        <p:spPr>
-          <a:xfrm>
-            <a:off x="4315550" y="2846505"/>
-            <a:ext cx="2743341" cy="1644735"/>
-          </a:xfrm>
-          <a:prstGeom prst="rect">
-            <a:avLst/>
-          </a:prstGeom>
-        </p:spPr>
-      </p:pic>
-    </p:spTree>
-    <p:extLst>
-      <p:ext uri="{BB962C8B-B14F-4D97-AF65-F5344CB8AC3E}">
-        <p14:creationId xmlns:p14="http://schemas.microsoft.com/office/powerpoint/2010/main" val="77921929"/>
-      </p:ext>
-    </p:extLst>
-  </p:cSld>
-  <p:clrMapOvr>
-    <a:masterClrMapping/>
-  </p:clrMapOvr>
-</p:sld>
-</file>
-
-<file path=ppt/slides/slide4.xml><?xml version="1.0" encoding="utf-8"?>
-<p:sld xmlns:a="http://schemas.openxmlformats.org/drawingml/2006/main" xmlns:r="http://schemas.openxmlformats.org/officeDocument/2006/relationships" xmlns:p="http://schemas.openxmlformats.org/presentationml/2006/main">
-  <p:cSld>
-    <p:spTree>
-      <p:nvGrpSpPr>
-        <p:cNvPr id="1" name=""/>
-        <p:cNvGrpSpPr/>
-        <p:nvPr/>
-      </p:nvGrpSpPr>
-      <p:grpSpPr>
-        <a:xfrm>
-          <a:off x="0" y="0"/>
-          <a:ext cx="0" cy="0"/>
-          <a:chOff x="0" y="0"/>
-          <a:chExt cx="0" cy="0"/>
-        </a:xfrm>
-      </p:grpSpPr>
-      <p:pic>
-        <p:nvPicPr>
-          <p:cNvPr id="6" name="Picture 5">
-            <a:extLst>
-              <a:ext uri="{FF2B5EF4-FFF2-40B4-BE49-F238E27FC236}">
-                <a16:creationId xmlns:a16="http://schemas.microsoft.com/office/drawing/2014/main" id="{DAE93B3B-04C8-4627-814E-4314C6901EFE}"/>
-              </a:ext>
-            </a:extLst>
-          </p:cNvPr>
-          <p:cNvPicPr>
-            <a:picLocks noChangeAspect="1"/>
-          </p:cNvPicPr>
-          <p:nvPr/>
-        </p:nvPicPr>
-        <p:blipFill>
-          <a:blip r:embed="rId2">
-            <a:extLst>
-              <a:ext uri="{28A0092B-C50C-407E-A947-70E740481C1C}">
-                <a14:useLocalDpi xmlns:a14="http://schemas.microsoft.com/office/drawing/2010/main" val="0"/>
-              </a:ext>
-            </a:extLst>
-          </a:blip>
-          <a:srcRect/>
-          <a:stretch/>
-        </p:blipFill>
-        <p:spPr>
-          <a:xfrm>
-            <a:off x="2711635" y="0"/>
-            <a:ext cx="4715033" cy="3536274"/>
-          </a:xfrm>
-          <a:prstGeom prst="rect">
-            <a:avLst/>
-          </a:prstGeom>
-        </p:spPr>
-      </p:pic>
-      <p:sp>
-        <p:nvSpPr>
-          <p:cNvPr id="7" name="TextBox 6">
-            <a:extLst>
-              <a:ext uri="{FF2B5EF4-FFF2-40B4-BE49-F238E27FC236}">
-                <a16:creationId xmlns:a16="http://schemas.microsoft.com/office/drawing/2014/main" id="{7D6C4428-B079-4976-BC75-D390EBA39177}"/>
-              </a:ext>
-            </a:extLst>
-          </p:cNvPr>
-          <p:cNvSpPr txBox="1"/>
-          <p:nvPr/>
-        </p:nvSpPr>
-        <p:spPr>
-          <a:xfrm>
-            <a:off x="315944" y="217924"/>
-            <a:ext cx="3282914" cy="498663"/>
-          </a:xfrm>
-          <a:prstGeom prst="rect">
-            <a:avLst/>
-          </a:prstGeom>
-          <a:noFill/>
-        </p:spPr>
-        <p:txBody>
-          <a:bodyPr wrap="square">
-            <a:spAutoFit/>
-          </a:bodyPr>
-          <a:lstStyle/>
-          <a:p>
-            <a:pPr>
-              <a:lnSpc>
-                <a:spcPct val="150000"/>
-              </a:lnSpc>
-              <a:spcBef>
-                <a:spcPts val="1000"/>
-              </a:spcBef>
-              <a:defRPr/>
-            </a:pPr>
-            <a:r>
-              <a:rPr lang="en-US" altLang="zh-CN" sz="2000" b="1" kern="100" dirty="0">
-                <a:solidFill>
-                  <a:srgbClr val="16388A"/>
-                </a:solidFill>
-                <a:latin typeface="Times New Roman" panose="02020603050405020304" pitchFamily="18" charset="0"/>
-                <a:ea typeface="华文新魏" panose="02010800040101010101" pitchFamily="2" charset="-122"/>
-                <a:cs typeface="Times New Roman" panose="02020603050405020304" pitchFamily="18" charset="0"/>
-              </a:rPr>
-              <a:t>REPORT: Net 2</a:t>
-            </a:r>
-            <a:endParaRPr lang="en-US" sz="2400" b="1" kern="100" dirty="0">
-              <a:solidFill>
-                <a:srgbClr val="16388A"/>
-              </a:solidFill>
-              <a:latin typeface="Times New Roman" panose="02020603050405020304" pitchFamily="18" charset="0"/>
-              <a:ea typeface="华文新魏" panose="02010800040101010101" pitchFamily="2" charset="-122"/>
-              <a:cs typeface="Times New Roman" panose="02020603050405020304" pitchFamily="18" charset="0"/>
-            </a:endParaRPr>
-          </a:p>
-        </p:txBody>
-      </p:sp>
-      <p:graphicFrame>
-        <p:nvGraphicFramePr>
-          <p:cNvPr id="2" name="Table 2">
-            <a:extLst>
-              <a:ext uri="{FF2B5EF4-FFF2-40B4-BE49-F238E27FC236}">
-                <a16:creationId xmlns:a16="http://schemas.microsoft.com/office/drawing/2014/main" id="{A25FDF38-E177-4465-BC0B-51CE68989D10}"/>
-              </a:ext>
-            </a:extLst>
-          </p:cNvPr>
-          <p:cNvGraphicFramePr>
-            <a:graphicFrameLocks noGrp="1"/>
-          </p:cNvGraphicFramePr>
-          <p:nvPr>
-            <p:extLst>
-              <p:ext uri="{D42A27DB-BD31-4B8C-83A1-F6EECF244321}">
-                <p14:modId xmlns:p14="http://schemas.microsoft.com/office/powerpoint/2010/main" val="1174027789"/>
-              </p:ext>
-            </p:extLst>
-          </p:nvPr>
-        </p:nvGraphicFramePr>
-        <p:xfrm>
-          <a:off x="443071" y="1438173"/>
-          <a:ext cx="2011680" cy="4358640"/>
-        </p:xfrm>
-        <a:graphic>
-          <a:graphicData uri="http://schemas.openxmlformats.org/drawingml/2006/table">
-            <a:tbl>
-              <a:tblPr firstRow="1" bandRow="1">
-                <a:tableStyleId>{5C22544A-7EE6-4342-B048-85BDC9FD1C3A}</a:tableStyleId>
-              </a:tblPr>
-              <a:tblGrid>
-                <a:gridCol w="1005840">
-                  <a:extLst>
-                    <a:ext uri="{9D8B030D-6E8A-4147-A177-3AD203B41FA5}">
-                      <a16:colId xmlns:a16="http://schemas.microsoft.com/office/drawing/2014/main" val="3155224541"/>
-                    </a:ext>
-                  </a:extLst>
-                </a:gridCol>
-                <a:gridCol w="1005840">
-                  <a:extLst>
-                    <a:ext uri="{9D8B030D-6E8A-4147-A177-3AD203B41FA5}">
-                      <a16:colId xmlns:a16="http://schemas.microsoft.com/office/drawing/2014/main" val="4140186502"/>
-                    </a:ext>
-                  </a:extLst>
-                </a:gridCol>
-              </a:tblGrid>
-              <a:tr h="292251">
-                <a:tc gridSpan="2">
-                  <a:txBody>
-                    <a:bodyPr/>
-                    <a:lstStyle/>
-                    <a:p>
-                      <a:pPr algn="ctr"/>
-                      <a:r>
-                        <a:rPr lang="en-US" sz="1600" dirty="0"/>
-                        <a:t>Net1. Acc Tab</a:t>
-                      </a:r>
-                    </a:p>
-                  </a:txBody>
-                  <a:tcPr/>
-                </a:tc>
-                <a:tc hMerge="1">
-                  <a:txBody>
-                    <a:bodyPr/>
-                    <a:lstStyle/>
-                    <a:p>
-                      <a:endParaRPr lang="en-US" dirty="0"/>
-                    </a:p>
-                  </a:txBody>
-                  <a:tcPr/>
-                </a:tc>
-                <a:extLst>
-                  <a:ext uri="{0D108BD9-81ED-4DB2-BD59-A6C34878D82A}">
-                    <a16:rowId xmlns:a16="http://schemas.microsoft.com/office/drawing/2014/main" val="998142586"/>
-                  </a:ext>
-                </a:extLst>
-              </a:tr>
-              <a:tr h="318546">
-                <a:tc>
-                  <a:txBody>
-                    <a:bodyPr/>
-                    <a:lstStyle/>
-                    <a:p>
-                      <a:pPr algn="ctr"/>
-                      <a:r>
-                        <a:rPr lang="en-US" sz="1600" dirty="0"/>
-                        <a:t>Plane</a:t>
-                      </a:r>
-                    </a:p>
-                  </a:txBody>
-                  <a:tcPr/>
-                </a:tc>
-                <a:tc>
-                  <a:txBody>
-                    <a:bodyPr/>
-                    <a:lstStyle/>
-                    <a:p>
-                      <a:pPr algn="ctr"/>
-                      <a:r>
-                        <a:rPr lang="en-US" sz="1600" dirty="0"/>
-                        <a:t>47.9 %</a:t>
-                      </a:r>
-                    </a:p>
-                  </a:txBody>
-                  <a:tcPr/>
-                </a:tc>
-                <a:extLst>
-                  <a:ext uri="{0D108BD9-81ED-4DB2-BD59-A6C34878D82A}">
-                    <a16:rowId xmlns:a16="http://schemas.microsoft.com/office/drawing/2014/main" val="3609831770"/>
-                  </a:ext>
-                </a:extLst>
-              </a:tr>
-              <a:tr h="318546">
-                <a:tc>
-                  <a:txBody>
-                    <a:bodyPr/>
-                    <a:lstStyle/>
-                    <a:p>
-                      <a:pPr algn="ctr"/>
-                      <a:r>
-                        <a:rPr lang="en-US" sz="1600" dirty="0"/>
-                        <a:t>Car</a:t>
-                      </a:r>
-                    </a:p>
-                  </a:txBody>
-                  <a:tcPr/>
-                </a:tc>
-                <a:tc>
-                  <a:txBody>
-                    <a:bodyPr/>
-                    <a:lstStyle/>
-                    <a:p>
-                      <a:pPr algn="ctr"/>
-                      <a:r>
-                        <a:rPr lang="en-US" sz="1600" dirty="0"/>
-                        <a:t>68.8 %</a:t>
-                      </a:r>
-                    </a:p>
-                  </a:txBody>
-                  <a:tcPr/>
-                </a:tc>
-                <a:extLst>
-                  <a:ext uri="{0D108BD9-81ED-4DB2-BD59-A6C34878D82A}">
-                    <a16:rowId xmlns:a16="http://schemas.microsoft.com/office/drawing/2014/main" val="463309982"/>
-                  </a:ext>
-                </a:extLst>
-              </a:tr>
-              <a:tr h="318546">
-                <a:tc>
-                  <a:txBody>
-                    <a:bodyPr/>
-                    <a:lstStyle/>
-                    <a:p>
-                      <a:pPr algn="ctr"/>
-                      <a:r>
-                        <a:rPr lang="en-US" sz="1600" dirty="0"/>
-                        <a:t>Bird</a:t>
-                      </a:r>
-                    </a:p>
-                  </a:txBody>
-                  <a:tcPr/>
-                </a:tc>
-                <a:tc>
-                  <a:txBody>
-                    <a:bodyPr/>
-                    <a:lstStyle/>
-                    <a:p>
-                      <a:pPr algn="ctr"/>
-                      <a:r>
-                        <a:rPr lang="en-US" sz="1600" dirty="0"/>
-                        <a:t>48.5 %</a:t>
-                      </a:r>
-                    </a:p>
-                  </a:txBody>
-                  <a:tcPr/>
-                </a:tc>
-                <a:extLst>
-                  <a:ext uri="{0D108BD9-81ED-4DB2-BD59-A6C34878D82A}">
-                    <a16:rowId xmlns:a16="http://schemas.microsoft.com/office/drawing/2014/main" val="3581345049"/>
-                  </a:ext>
-                </a:extLst>
-              </a:tr>
-              <a:tr h="318546">
-                <a:tc>
-                  <a:txBody>
-                    <a:bodyPr/>
-                    <a:lstStyle/>
-                    <a:p>
-                      <a:pPr algn="ctr"/>
-                      <a:r>
-                        <a:rPr lang="en-US" sz="1600" dirty="0"/>
-                        <a:t>Cat</a:t>
-                      </a:r>
-                    </a:p>
-                  </a:txBody>
-                  <a:tcPr/>
-                </a:tc>
-                <a:tc>
-                  <a:txBody>
-                    <a:bodyPr/>
-                    <a:lstStyle/>
-                    <a:p>
-                      <a:pPr algn="ctr"/>
-                      <a:r>
-                        <a:rPr lang="en-US" sz="1600" dirty="0"/>
-                        <a:t>54.9 %</a:t>
-                      </a:r>
-                    </a:p>
-                  </a:txBody>
-                  <a:tcPr/>
-                </a:tc>
-                <a:extLst>
-                  <a:ext uri="{0D108BD9-81ED-4DB2-BD59-A6C34878D82A}">
-                    <a16:rowId xmlns:a16="http://schemas.microsoft.com/office/drawing/2014/main" val="2141636581"/>
-                  </a:ext>
-                </a:extLst>
-              </a:tr>
-              <a:tr h="318546">
-                <a:tc>
-                  <a:txBody>
-                    <a:bodyPr/>
-                    <a:lstStyle/>
-                    <a:p>
-                      <a:pPr algn="ctr"/>
-                      <a:r>
-                        <a:rPr lang="en-US" sz="1600" dirty="0"/>
-                        <a:t>Deer</a:t>
-                      </a:r>
-                    </a:p>
-                  </a:txBody>
-                  <a:tcPr/>
-                </a:tc>
-                <a:tc>
-                  <a:txBody>
-                    <a:bodyPr/>
-                    <a:lstStyle/>
-                    <a:p>
-                      <a:pPr algn="ctr"/>
-                      <a:r>
-                        <a:rPr lang="en-US" sz="1600" dirty="0"/>
-                        <a:t>50.3 %</a:t>
-                      </a:r>
-                    </a:p>
-                  </a:txBody>
-                  <a:tcPr/>
-                </a:tc>
-                <a:extLst>
-                  <a:ext uri="{0D108BD9-81ED-4DB2-BD59-A6C34878D82A}">
-                    <a16:rowId xmlns:a16="http://schemas.microsoft.com/office/drawing/2014/main" val="3647439777"/>
-                  </a:ext>
-                </a:extLst>
-              </a:tr>
-              <a:tr h="318546">
-                <a:tc>
-                  <a:txBody>
-                    <a:bodyPr/>
-                    <a:lstStyle/>
-                    <a:p>
-                      <a:pPr algn="ctr"/>
-                      <a:r>
-                        <a:rPr lang="en-US" sz="1600" dirty="0"/>
-                        <a:t>Dog</a:t>
-                      </a:r>
-                    </a:p>
-                  </a:txBody>
-                  <a:tcPr/>
-                </a:tc>
-                <a:tc>
-                  <a:txBody>
-                    <a:bodyPr/>
-                    <a:lstStyle/>
-                    <a:p>
-                      <a:pPr algn="ctr"/>
-                      <a:r>
-                        <a:rPr lang="en-US" sz="1600" dirty="0"/>
-                        <a:t>36.3 %</a:t>
-                      </a:r>
-                    </a:p>
-                  </a:txBody>
-                  <a:tcPr/>
-                </a:tc>
-                <a:extLst>
-                  <a:ext uri="{0D108BD9-81ED-4DB2-BD59-A6C34878D82A}">
-                    <a16:rowId xmlns:a16="http://schemas.microsoft.com/office/drawing/2014/main" val="3157616219"/>
-                  </a:ext>
-                </a:extLst>
-              </a:tr>
-              <a:tr h="318546">
-                <a:tc>
-                  <a:txBody>
-                    <a:bodyPr/>
-                    <a:lstStyle/>
-                    <a:p>
-                      <a:pPr algn="ctr"/>
-                      <a:r>
-                        <a:rPr lang="en-US" sz="1600" dirty="0"/>
-                        <a:t>Frog</a:t>
-                      </a:r>
-                    </a:p>
-                  </a:txBody>
-                  <a:tcPr/>
-                </a:tc>
-                <a:tc>
-                  <a:txBody>
-                    <a:bodyPr/>
-                    <a:lstStyle/>
-                    <a:p>
-                      <a:pPr algn="ctr"/>
-                      <a:r>
-                        <a:rPr lang="en-US" sz="1600" dirty="0"/>
-                        <a:t>71.5 %</a:t>
-                      </a:r>
-                    </a:p>
-                  </a:txBody>
-                  <a:tcPr/>
-                </a:tc>
-                <a:extLst>
-                  <a:ext uri="{0D108BD9-81ED-4DB2-BD59-A6C34878D82A}">
-                    <a16:rowId xmlns:a16="http://schemas.microsoft.com/office/drawing/2014/main" val="1367725180"/>
-                  </a:ext>
-                </a:extLst>
-              </a:tr>
-              <a:tr h="318546">
-                <a:tc>
-                  <a:txBody>
-                    <a:bodyPr/>
-                    <a:lstStyle/>
-                    <a:p>
-                      <a:pPr algn="ctr"/>
-                      <a:r>
-                        <a:rPr lang="en-US" sz="1600" dirty="0"/>
-                        <a:t>Horse</a:t>
-                      </a:r>
-                    </a:p>
-                  </a:txBody>
-                  <a:tcPr/>
-                </a:tc>
-                <a:tc>
-                  <a:txBody>
-                    <a:bodyPr/>
-                    <a:lstStyle/>
-                    <a:p>
-                      <a:pPr algn="ctr"/>
-                      <a:r>
-                        <a:rPr lang="en-US" sz="1600" dirty="0"/>
-                        <a:t>58.8 %</a:t>
-                      </a:r>
-                    </a:p>
-                  </a:txBody>
-                  <a:tcPr/>
-                </a:tc>
-                <a:extLst>
-                  <a:ext uri="{0D108BD9-81ED-4DB2-BD59-A6C34878D82A}">
-                    <a16:rowId xmlns:a16="http://schemas.microsoft.com/office/drawing/2014/main" val="1670969532"/>
-                  </a:ext>
-                </a:extLst>
-              </a:tr>
-              <a:tr h="318546">
-                <a:tc>
-                  <a:txBody>
-                    <a:bodyPr/>
-                    <a:lstStyle/>
-                    <a:p>
-                      <a:pPr algn="ctr"/>
-                      <a:r>
-                        <a:rPr lang="en-US" sz="1600" dirty="0"/>
-                        <a:t>Ship</a:t>
-                      </a:r>
-                    </a:p>
-                  </a:txBody>
-                  <a:tcPr/>
-                </a:tc>
-                <a:tc>
-                  <a:txBody>
-                    <a:bodyPr/>
-                    <a:lstStyle/>
-                    <a:p>
-                      <a:pPr algn="ctr"/>
-                      <a:r>
-                        <a:rPr lang="en-US" sz="1600" dirty="0"/>
-                        <a:t>78.0 %</a:t>
-                      </a:r>
-                    </a:p>
-                  </a:txBody>
-                  <a:tcPr/>
-                </a:tc>
-                <a:extLst>
-                  <a:ext uri="{0D108BD9-81ED-4DB2-BD59-A6C34878D82A}">
-                    <a16:rowId xmlns:a16="http://schemas.microsoft.com/office/drawing/2014/main" val="135284082"/>
-                  </a:ext>
-                </a:extLst>
-              </a:tr>
-              <a:tr h="318546">
-                <a:tc>
-                  <a:txBody>
-                    <a:bodyPr/>
-                    <a:lstStyle/>
-                    <a:p>
-                      <a:pPr algn="ctr"/>
-                      <a:r>
-                        <a:rPr lang="en-US" sz="1600" dirty="0"/>
-                        <a:t>Truck</a:t>
-                      </a:r>
-                    </a:p>
-                  </a:txBody>
-                  <a:tcPr/>
-                </a:tc>
-                <a:tc>
-                  <a:txBody>
-                    <a:bodyPr/>
-                    <a:lstStyle/>
-                    <a:p>
-                      <a:pPr algn="ctr"/>
-                      <a:r>
-                        <a:rPr lang="en-US" sz="1600" dirty="0"/>
-                        <a:t>62.8 %</a:t>
-                      </a:r>
-                    </a:p>
-                  </a:txBody>
-                  <a:tcPr/>
-                </a:tc>
-                <a:extLst>
-                  <a:ext uri="{0D108BD9-81ED-4DB2-BD59-A6C34878D82A}">
-                    <a16:rowId xmlns:a16="http://schemas.microsoft.com/office/drawing/2014/main" val="3994574470"/>
-                  </a:ext>
-                </a:extLst>
-              </a:tr>
-              <a:tr h="318546">
-                <a:tc>
-                  <a:txBody>
-                    <a:bodyPr/>
-                    <a:lstStyle/>
-                    <a:p>
-                      <a:pPr algn="ctr"/>
-                      <a:r>
-                        <a:rPr lang="en-US" sz="1600" dirty="0"/>
-                        <a:t>Ave Acc</a:t>
-                      </a:r>
-                    </a:p>
-                  </a:txBody>
-                  <a:tcPr/>
-                </a:tc>
-                <a:tc>
-                  <a:txBody>
-                    <a:bodyPr/>
-                    <a:lstStyle/>
-                    <a:p>
-                      <a:pPr algn="ctr"/>
-                      <a:r>
-                        <a:rPr lang="en-US" sz="1600" dirty="0"/>
-                        <a:t>57.0 %</a:t>
-                      </a:r>
-                    </a:p>
-                  </a:txBody>
-                  <a:tcPr/>
-                </a:tc>
-                <a:extLst>
-                  <a:ext uri="{0D108BD9-81ED-4DB2-BD59-A6C34878D82A}">
-                    <a16:rowId xmlns:a16="http://schemas.microsoft.com/office/drawing/2014/main" val="4081230585"/>
-                  </a:ext>
-                </a:extLst>
-              </a:tr>
-              <a:tr h="318546">
-                <a:tc>
-                  <a:txBody>
-                    <a:bodyPr/>
-                    <a:lstStyle/>
-                    <a:p>
-                      <a:pPr algn="ctr"/>
-                      <a:r>
-                        <a:rPr lang="en-US" sz="1600" dirty="0"/>
-                        <a:t>Run Tim</a:t>
-                      </a:r>
-                    </a:p>
-                  </a:txBody>
-                  <a:tcPr/>
-                </a:tc>
-                <a:tc>
-                  <a:txBody>
-                    <a:bodyPr/>
-                    <a:lstStyle/>
-                    <a:p>
-                      <a:pPr algn="ctr"/>
-                      <a:r>
-                        <a:rPr lang="en-US" sz="1600" dirty="0"/>
-                        <a:t>161.37 s</a:t>
-                      </a:r>
-                    </a:p>
-                  </a:txBody>
-                  <a:tcPr/>
-                </a:tc>
-                <a:extLst>
-                  <a:ext uri="{0D108BD9-81ED-4DB2-BD59-A6C34878D82A}">
-                    <a16:rowId xmlns:a16="http://schemas.microsoft.com/office/drawing/2014/main" val="2292412895"/>
-                  </a:ext>
-                </a:extLst>
-              </a:tr>
-            </a:tbl>
-          </a:graphicData>
-        </a:graphic>
-      </p:graphicFrame>
-      <p:pic>
-        <p:nvPicPr>
-          <p:cNvPr id="4" name="Picture 3">
-            <a:extLst>
-              <a:ext uri="{FF2B5EF4-FFF2-40B4-BE49-F238E27FC236}">
-                <a16:creationId xmlns:a16="http://schemas.microsoft.com/office/drawing/2014/main" id="{BF519D52-A973-4115-BDAC-12D859AC9E76}"/>
-              </a:ext>
-            </a:extLst>
-          </p:cNvPr>
-          <p:cNvPicPr>
-            <a:picLocks noChangeAspect="1"/>
-          </p:cNvPicPr>
-          <p:nvPr/>
-        </p:nvPicPr>
-        <p:blipFill>
-          <a:blip r:embed="rId3">
-            <a:extLst>
-              <a:ext uri="{28A0092B-C50C-407E-A947-70E740481C1C}">
-                <a14:useLocalDpi xmlns:a14="http://schemas.microsoft.com/office/drawing/2010/main" val="0"/>
-              </a:ext>
-            </a:extLst>
-          </a:blip>
-          <a:srcRect/>
-          <a:stretch/>
-        </p:blipFill>
-        <p:spPr>
-          <a:xfrm>
-            <a:off x="2646583" y="2329379"/>
-            <a:ext cx="4948317" cy="3711237"/>
-          </a:xfrm>
-          <a:prstGeom prst="rect">
-            <a:avLst/>
-          </a:prstGeom>
-        </p:spPr>
-      </p:pic>
-      <p:pic>
-        <p:nvPicPr>
-          <p:cNvPr id="9" name="Picture 8">
-            <a:extLst>
-              <a:ext uri="{FF2B5EF4-FFF2-40B4-BE49-F238E27FC236}">
-                <a16:creationId xmlns:a16="http://schemas.microsoft.com/office/drawing/2014/main" id="{0095B571-6651-4451-8626-34DBA64368EA}"/>
-              </a:ext>
-            </a:extLst>
-          </p:cNvPr>
-          <p:cNvPicPr>
-            <a:picLocks noChangeAspect="1"/>
-          </p:cNvPicPr>
-          <p:nvPr/>
-        </p:nvPicPr>
-        <p:blipFill>
-          <a:blip r:embed="rId4">
-            <a:extLst>
-              <a:ext uri="{28A0092B-C50C-407E-A947-70E740481C1C}">
-                <a14:useLocalDpi xmlns:a14="http://schemas.microsoft.com/office/drawing/2010/main" val="0"/>
-              </a:ext>
-            </a:extLst>
-          </a:blip>
-          <a:srcRect/>
-          <a:stretch/>
-        </p:blipFill>
-        <p:spPr>
-          <a:xfrm>
-            <a:off x="7250723" y="1374414"/>
-            <a:ext cx="4759569" cy="4759569"/>
-          </a:xfrm>
-          <a:prstGeom prst="rect">
-            <a:avLst/>
-          </a:prstGeom>
-        </p:spPr>
-      </p:pic>
-      <p:sp>
-        <p:nvSpPr>
-          <p:cNvPr id="13" name="TextBox 12">
-            <a:extLst>
-              <a:ext uri="{FF2B5EF4-FFF2-40B4-BE49-F238E27FC236}">
-                <a16:creationId xmlns:a16="http://schemas.microsoft.com/office/drawing/2014/main" id="{44AC818D-D7CB-4235-9673-82208F9FE01D}"/>
-              </a:ext>
-            </a:extLst>
-          </p:cNvPr>
-          <p:cNvSpPr txBox="1"/>
-          <p:nvPr/>
-        </p:nvSpPr>
-        <p:spPr>
-          <a:xfrm>
-            <a:off x="8273586" y="1125082"/>
-            <a:ext cx="2713842" cy="498663"/>
-          </a:xfrm>
-          <a:prstGeom prst="rect">
-            <a:avLst/>
-          </a:prstGeom>
-          <a:noFill/>
-        </p:spPr>
-        <p:txBody>
-          <a:bodyPr wrap="square">
-            <a:spAutoFit/>
-          </a:bodyPr>
-          <a:lstStyle/>
-          <a:p>
-            <a:pPr algn="ctr">
-              <a:lnSpc>
-                <a:spcPct val="150000"/>
-              </a:lnSpc>
-              <a:spcBef>
-                <a:spcPts val="1000"/>
-              </a:spcBef>
-              <a:defRPr/>
-            </a:pPr>
-            <a:r>
-              <a:rPr lang="en-US" altLang="zh-CN" sz="2000" kern="100" dirty="0">
-                <a:solidFill>
-                  <a:srgbClr val="16388A"/>
-                </a:solidFill>
-                <a:latin typeface="Times New Roman" panose="02020603050405020304" pitchFamily="18" charset="0"/>
-                <a:ea typeface="华文新魏" panose="02010800040101010101" pitchFamily="2" charset="-122"/>
-                <a:cs typeface="Times New Roman" panose="02020603050405020304" pitchFamily="18" charset="0"/>
-              </a:rPr>
-              <a:t>Confusion Matrices</a:t>
-            </a:r>
-            <a:endParaRPr lang="en-US" kern="100" dirty="0">
-              <a:solidFill>
-                <a:srgbClr val="16388A"/>
-              </a:solidFill>
-              <a:latin typeface="Times New Roman" panose="02020603050405020304" pitchFamily="18" charset="0"/>
-              <a:ea typeface="华文新魏" panose="02010800040101010101" pitchFamily="2" charset="-122"/>
-              <a:cs typeface="Times New Roman" panose="02020603050405020304" pitchFamily="18" charset="0"/>
-            </a:endParaRPr>
-          </a:p>
-        </p:txBody>
-      </p:sp>
-      <p:pic>
-        <p:nvPicPr>
-          <p:cNvPr id="12" name="Picture 11">
-            <a:extLst>
-              <a:ext uri="{FF2B5EF4-FFF2-40B4-BE49-F238E27FC236}">
-                <a16:creationId xmlns:a16="http://schemas.microsoft.com/office/drawing/2014/main" id="{498B5089-3D7C-45E7-B85A-806789E75A22}"/>
-              </a:ext>
-            </a:extLst>
-          </p:cNvPr>
-          <p:cNvPicPr>
-            <a:picLocks noChangeAspect="1"/>
-          </p:cNvPicPr>
-          <p:nvPr/>
-        </p:nvPicPr>
-        <p:blipFill>
-          <a:blip r:embed="rId5"/>
-          <a:stretch>
-            <a:fillRect/>
-          </a:stretch>
-        </p:blipFill>
-        <p:spPr>
-          <a:xfrm>
-            <a:off x="4297964" y="2846506"/>
-            <a:ext cx="2766941" cy="1653730"/>
-          </a:xfrm>
-          <a:prstGeom prst="rect">
-            <a:avLst/>
-          </a:prstGeom>
-        </p:spPr>
-      </p:pic>
-    </p:spTree>
-    <p:extLst>
-      <p:ext uri="{BB962C8B-B14F-4D97-AF65-F5344CB8AC3E}">
-        <p14:creationId xmlns:p14="http://schemas.microsoft.com/office/powerpoint/2010/main" val="2568135176"/>
-      </p:ext>
-    </p:extLst>
-  </p:cSld>
-  <p:clrMapOvr>
-    <a:masterClrMapping/>
-  </p:clrMapOvr>
-</p:sld>
-</file>
-
-<file path=ppt/slides/slide5.xml><?xml version="1.0" encoding="utf-8"?>
-<p:sld xmlns:a="http://schemas.openxmlformats.org/drawingml/2006/main" xmlns:r="http://schemas.openxmlformats.org/officeDocument/2006/relationships" xmlns:p="http://schemas.openxmlformats.org/presentationml/2006/main">
-  <p:cSld>
-    <p:spTree>
-      <p:nvGrpSpPr>
-        <p:cNvPr id="1" name=""/>
-        <p:cNvGrpSpPr/>
-        <p:nvPr/>
-      </p:nvGrpSpPr>
-      <p:grpSpPr>
-        <a:xfrm>
-          <a:off x="0" y="0"/>
-          <a:ext cx="0" cy="0"/>
-          <a:chOff x="0" y="0"/>
-          <a:chExt cx="0" cy="0"/>
-        </a:xfrm>
-      </p:grpSpPr>
-      <p:pic>
-        <p:nvPicPr>
-          <p:cNvPr id="6" name="Picture 5">
-            <a:extLst>
-              <a:ext uri="{FF2B5EF4-FFF2-40B4-BE49-F238E27FC236}">
-                <a16:creationId xmlns:a16="http://schemas.microsoft.com/office/drawing/2014/main" id="{DAE93B3B-04C8-4627-814E-4314C6901EFE}"/>
-              </a:ext>
-            </a:extLst>
-          </p:cNvPr>
-          <p:cNvPicPr>
-            <a:picLocks noChangeAspect="1"/>
-          </p:cNvPicPr>
-          <p:nvPr/>
-        </p:nvPicPr>
-        <p:blipFill>
-          <a:blip r:embed="rId2">
-            <a:extLst>
-              <a:ext uri="{28A0092B-C50C-407E-A947-70E740481C1C}">
-                <a14:useLocalDpi xmlns:a14="http://schemas.microsoft.com/office/drawing/2010/main" val="0"/>
-              </a:ext>
-            </a:extLst>
-          </a:blip>
-          <a:srcRect/>
-          <a:stretch/>
-        </p:blipFill>
-        <p:spPr>
-          <a:xfrm>
-            <a:off x="2711635" y="0"/>
-            <a:ext cx="4715032" cy="3536274"/>
-          </a:xfrm>
-          <a:prstGeom prst="rect">
-            <a:avLst/>
-          </a:prstGeom>
-        </p:spPr>
-      </p:pic>
-      <p:sp>
-        <p:nvSpPr>
-          <p:cNvPr id="7" name="TextBox 6">
-            <a:extLst>
-              <a:ext uri="{FF2B5EF4-FFF2-40B4-BE49-F238E27FC236}">
-                <a16:creationId xmlns:a16="http://schemas.microsoft.com/office/drawing/2014/main" id="{7D6C4428-B079-4976-BC75-D390EBA39177}"/>
-              </a:ext>
-            </a:extLst>
-          </p:cNvPr>
-          <p:cNvSpPr txBox="1"/>
-          <p:nvPr/>
-        </p:nvSpPr>
-        <p:spPr>
-          <a:xfrm>
-            <a:off x="315944" y="217924"/>
-            <a:ext cx="3282914" cy="498663"/>
-          </a:xfrm>
-          <a:prstGeom prst="rect">
-            <a:avLst/>
-          </a:prstGeom>
-          <a:noFill/>
-        </p:spPr>
-        <p:txBody>
-          <a:bodyPr wrap="square">
-            <a:spAutoFit/>
-          </a:bodyPr>
-          <a:lstStyle/>
-          <a:p>
-            <a:pPr>
-              <a:lnSpc>
-                <a:spcPct val="150000"/>
-              </a:lnSpc>
-              <a:spcBef>
-                <a:spcPts val="1000"/>
-              </a:spcBef>
-              <a:defRPr/>
-            </a:pPr>
-            <a:r>
-              <a:rPr lang="en-US" altLang="zh-CN" sz="2000" b="1" kern="100" dirty="0">
-                <a:solidFill>
-                  <a:srgbClr val="16388A"/>
-                </a:solidFill>
-                <a:latin typeface="Times New Roman" panose="02020603050405020304" pitchFamily="18" charset="0"/>
-                <a:ea typeface="华文新魏" panose="02010800040101010101" pitchFamily="2" charset="-122"/>
-                <a:cs typeface="Times New Roman" panose="02020603050405020304" pitchFamily="18" charset="0"/>
-              </a:rPr>
-              <a:t>REPORT: Net 3</a:t>
-            </a:r>
-            <a:endParaRPr lang="en-US" sz="2400" b="1" kern="100" dirty="0">
-              <a:solidFill>
-                <a:srgbClr val="16388A"/>
-              </a:solidFill>
-              <a:latin typeface="Times New Roman" panose="02020603050405020304" pitchFamily="18" charset="0"/>
-              <a:ea typeface="华文新魏" panose="02010800040101010101" pitchFamily="2" charset="-122"/>
-              <a:cs typeface="Times New Roman" panose="02020603050405020304" pitchFamily="18" charset="0"/>
-            </a:endParaRPr>
-          </a:p>
-        </p:txBody>
-      </p:sp>
-      <p:graphicFrame>
-        <p:nvGraphicFramePr>
-          <p:cNvPr id="2" name="Table 2">
-            <a:extLst>
-              <a:ext uri="{FF2B5EF4-FFF2-40B4-BE49-F238E27FC236}">
-                <a16:creationId xmlns:a16="http://schemas.microsoft.com/office/drawing/2014/main" id="{A25FDF38-E177-4465-BC0B-51CE68989D10}"/>
-              </a:ext>
-            </a:extLst>
-          </p:cNvPr>
-          <p:cNvGraphicFramePr>
-            <a:graphicFrameLocks noGrp="1"/>
-          </p:cNvGraphicFramePr>
-          <p:nvPr>
-            <p:extLst>
-              <p:ext uri="{D42A27DB-BD31-4B8C-83A1-F6EECF244321}">
-                <p14:modId xmlns:p14="http://schemas.microsoft.com/office/powerpoint/2010/main" val="3748406379"/>
-              </p:ext>
-            </p:extLst>
-          </p:nvPr>
-        </p:nvGraphicFramePr>
-        <p:xfrm>
-          <a:off x="443071" y="2362794"/>
-          <a:ext cx="2011680" cy="2346960"/>
-        </p:xfrm>
-        <a:graphic>
-          <a:graphicData uri="http://schemas.openxmlformats.org/drawingml/2006/table">
-            <a:tbl>
-              <a:tblPr firstRow="1" bandRow="1">
-                <a:tableStyleId>{5C22544A-7EE6-4342-B048-85BDC9FD1C3A}</a:tableStyleId>
-              </a:tblPr>
-              <a:tblGrid>
-                <a:gridCol w="1005840">
-                  <a:extLst>
-                    <a:ext uri="{9D8B030D-6E8A-4147-A177-3AD203B41FA5}">
-                      <a16:colId xmlns:a16="http://schemas.microsoft.com/office/drawing/2014/main" val="3155224541"/>
-                    </a:ext>
-                  </a:extLst>
-                </a:gridCol>
-                <a:gridCol w="1005840">
-                  <a:extLst>
-                    <a:ext uri="{9D8B030D-6E8A-4147-A177-3AD203B41FA5}">
-                      <a16:colId xmlns:a16="http://schemas.microsoft.com/office/drawing/2014/main" val="4140186502"/>
-                    </a:ext>
-                  </a:extLst>
-                </a:gridCol>
-              </a:tblGrid>
-              <a:tr h="292251">
-                <a:tc gridSpan="2">
-                  <a:txBody>
-                    <a:bodyPr/>
-                    <a:lstStyle/>
-                    <a:p>
-                      <a:pPr algn="ctr"/>
-                      <a:r>
-                        <a:rPr lang="en-US" sz="1600" dirty="0"/>
-                        <a:t>Net1. Acc Tab</a:t>
-                      </a:r>
-                    </a:p>
-                  </a:txBody>
-                  <a:tcPr/>
-                </a:tc>
-                <a:tc hMerge="1">
-                  <a:txBody>
-                    <a:bodyPr/>
-                    <a:lstStyle/>
-                    <a:p>
-                      <a:endParaRPr lang="en-US" dirty="0"/>
-                    </a:p>
-                  </a:txBody>
-                  <a:tcPr/>
-                </a:tc>
-                <a:extLst>
-                  <a:ext uri="{0D108BD9-81ED-4DB2-BD59-A6C34878D82A}">
-                    <a16:rowId xmlns:a16="http://schemas.microsoft.com/office/drawing/2014/main" val="998142586"/>
-                  </a:ext>
-                </a:extLst>
-              </a:tr>
-              <a:tr h="318546">
-                <a:tc>
-                  <a:txBody>
-                    <a:bodyPr/>
-                    <a:lstStyle/>
-                    <a:p>
-                      <a:pPr algn="ctr"/>
-                      <a:r>
-                        <a:rPr lang="en-US" sz="1600" dirty="0"/>
-                        <a:t>Car</a:t>
-                      </a:r>
-                    </a:p>
-                  </a:txBody>
-                  <a:tcPr/>
-                </a:tc>
-                <a:tc>
-                  <a:txBody>
-                    <a:bodyPr/>
-                    <a:lstStyle/>
-                    <a:p>
-                      <a:pPr algn="ctr"/>
-                      <a:r>
-                        <a:rPr lang="en-US" sz="1600" dirty="0"/>
-                        <a:t>90.7 %</a:t>
-                      </a:r>
-                    </a:p>
-                  </a:txBody>
-                  <a:tcPr/>
-                </a:tc>
-                <a:extLst>
-                  <a:ext uri="{0D108BD9-81ED-4DB2-BD59-A6C34878D82A}">
-                    <a16:rowId xmlns:a16="http://schemas.microsoft.com/office/drawing/2014/main" val="463309982"/>
-                  </a:ext>
-                </a:extLst>
-              </a:tr>
-              <a:tr h="318546">
-                <a:tc>
-                  <a:txBody>
-                    <a:bodyPr/>
-                    <a:lstStyle/>
-                    <a:p>
-                      <a:pPr algn="ctr"/>
-                      <a:r>
-                        <a:rPr lang="en-US" sz="1600" dirty="0"/>
-                        <a:t>Cat</a:t>
-                      </a:r>
-                    </a:p>
-                  </a:txBody>
-                  <a:tcPr/>
-                </a:tc>
-                <a:tc>
-                  <a:txBody>
-                    <a:bodyPr/>
-                    <a:lstStyle/>
-                    <a:p>
-                      <a:pPr algn="ctr"/>
-                      <a:r>
-                        <a:rPr lang="en-US" sz="1600" dirty="0"/>
-                        <a:t>73.4 %</a:t>
-                      </a:r>
-                    </a:p>
-                  </a:txBody>
-                  <a:tcPr/>
-                </a:tc>
-                <a:extLst>
-                  <a:ext uri="{0D108BD9-81ED-4DB2-BD59-A6C34878D82A}">
-                    <a16:rowId xmlns:a16="http://schemas.microsoft.com/office/drawing/2014/main" val="2141636581"/>
-                  </a:ext>
-                </a:extLst>
-              </a:tr>
-              <a:tr h="318546">
-                <a:tc>
-                  <a:txBody>
-                    <a:bodyPr/>
-                    <a:lstStyle/>
-                    <a:p>
-                      <a:pPr algn="ctr"/>
-                      <a:r>
-                        <a:rPr lang="en-US" sz="1600" dirty="0"/>
-                        <a:t>Frog</a:t>
-                      </a:r>
-                    </a:p>
-                  </a:txBody>
-                  <a:tcPr/>
-                </a:tc>
-                <a:tc>
-                  <a:txBody>
-                    <a:bodyPr/>
-                    <a:lstStyle/>
-                    <a:p>
-                      <a:pPr algn="ctr"/>
-                      <a:r>
-                        <a:rPr lang="en-US" sz="1600" dirty="0"/>
-                        <a:t>70.1 %</a:t>
-                      </a:r>
-                    </a:p>
-                  </a:txBody>
-                  <a:tcPr/>
-                </a:tc>
-                <a:extLst>
-                  <a:ext uri="{0D108BD9-81ED-4DB2-BD59-A6C34878D82A}">
-                    <a16:rowId xmlns:a16="http://schemas.microsoft.com/office/drawing/2014/main" val="1367725180"/>
-                  </a:ext>
-                </a:extLst>
-              </a:tr>
-              <a:tr h="318546">
-                <a:tc>
-                  <a:txBody>
-                    <a:bodyPr/>
-                    <a:lstStyle/>
-                    <a:p>
-                      <a:pPr algn="ctr"/>
-                      <a:r>
-                        <a:rPr lang="en-US" sz="1600" dirty="0"/>
-                        <a:t>Other</a:t>
-                      </a:r>
-                    </a:p>
-                  </a:txBody>
-                  <a:tcPr/>
-                </a:tc>
-                <a:tc>
-                  <a:txBody>
-                    <a:bodyPr/>
-                    <a:lstStyle/>
-                    <a:p>
-                      <a:pPr algn="ctr"/>
-                      <a:r>
-                        <a:rPr lang="en-US" sz="1600" dirty="0"/>
-                        <a:t>74.4 %</a:t>
-                      </a:r>
-                    </a:p>
-                  </a:txBody>
-                  <a:tcPr/>
-                </a:tc>
-                <a:extLst>
-                  <a:ext uri="{0D108BD9-81ED-4DB2-BD59-A6C34878D82A}">
-                    <a16:rowId xmlns:a16="http://schemas.microsoft.com/office/drawing/2014/main" val="1670969532"/>
-                  </a:ext>
-                </a:extLst>
-              </a:tr>
-              <a:tr h="318546">
-                <a:tc>
-                  <a:txBody>
-                    <a:bodyPr/>
-                    <a:lstStyle/>
-                    <a:p>
-                      <a:pPr algn="ctr"/>
-                      <a:r>
-                        <a:rPr lang="en-US" sz="1600" dirty="0"/>
-                        <a:t>Ave Acc</a:t>
-                      </a:r>
-                    </a:p>
-                  </a:txBody>
-                  <a:tcPr/>
-                </a:tc>
-                <a:tc>
-                  <a:txBody>
-                    <a:bodyPr/>
-                    <a:lstStyle/>
-                    <a:p>
-                      <a:pPr algn="ctr"/>
-                      <a:r>
-                        <a:rPr lang="en-US" sz="1600" dirty="0"/>
-                        <a:t>77.15 %</a:t>
-                      </a:r>
-                    </a:p>
-                  </a:txBody>
-                  <a:tcPr/>
-                </a:tc>
-                <a:extLst>
-                  <a:ext uri="{0D108BD9-81ED-4DB2-BD59-A6C34878D82A}">
-                    <a16:rowId xmlns:a16="http://schemas.microsoft.com/office/drawing/2014/main" val="4081230585"/>
-                  </a:ext>
-                </a:extLst>
-              </a:tr>
-              <a:tr h="318546">
-                <a:tc>
-                  <a:txBody>
-                    <a:bodyPr/>
-                    <a:lstStyle/>
-                    <a:p>
-                      <a:pPr algn="ctr"/>
-                      <a:r>
-                        <a:rPr lang="en-US" sz="1600" dirty="0"/>
-                        <a:t>Run Tim</a:t>
-                      </a:r>
-                    </a:p>
-                  </a:txBody>
-                  <a:tcPr/>
-                </a:tc>
-                <a:tc>
-                  <a:txBody>
-                    <a:bodyPr/>
-                    <a:lstStyle/>
-                    <a:p>
-                      <a:pPr algn="ctr"/>
-                      <a:r>
-                        <a:rPr lang="en-US" sz="1600" dirty="0"/>
-                        <a:t>75.97 s</a:t>
-                      </a:r>
-                    </a:p>
-                  </a:txBody>
-                  <a:tcPr/>
-                </a:tc>
-                <a:extLst>
-                  <a:ext uri="{0D108BD9-81ED-4DB2-BD59-A6C34878D82A}">
-                    <a16:rowId xmlns:a16="http://schemas.microsoft.com/office/drawing/2014/main" val="2292412895"/>
-                  </a:ext>
-                </a:extLst>
-              </a:tr>
-            </a:tbl>
-          </a:graphicData>
-        </a:graphic>
-      </p:graphicFrame>
-      <p:pic>
-        <p:nvPicPr>
-          <p:cNvPr id="4" name="Picture 3">
-            <a:extLst>
-              <a:ext uri="{FF2B5EF4-FFF2-40B4-BE49-F238E27FC236}">
-                <a16:creationId xmlns:a16="http://schemas.microsoft.com/office/drawing/2014/main" id="{BF519D52-A973-4115-BDAC-12D859AC9E76}"/>
-              </a:ext>
-            </a:extLst>
-          </p:cNvPr>
-          <p:cNvPicPr>
-            <a:picLocks noChangeAspect="1"/>
-          </p:cNvPicPr>
-          <p:nvPr/>
-        </p:nvPicPr>
-        <p:blipFill>
-          <a:blip r:embed="rId3">
-            <a:extLst>
-              <a:ext uri="{28A0092B-C50C-407E-A947-70E740481C1C}">
-                <a14:useLocalDpi xmlns:a14="http://schemas.microsoft.com/office/drawing/2010/main" val="0"/>
-              </a:ext>
-            </a:extLst>
-          </a:blip>
-          <a:srcRect/>
-          <a:stretch/>
-        </p:blipFill>
-        <p:spPr>
-          <a:xfrm>
-            <a:off x="2646583" y="2329379"/>
-            <a:ext cx="4948316" cy="3711237"/>
-          </a:xfrm>
-          <a:prstGeom prst="rect">
-            <a:avLst/>
-          </a:prstGeom>
-        </p:spPr>
-      </p:pic>
-      <p:pic>
-        <p:nvPicPr>
-          <p:cNvPr id="9" name="Picture 8">
-            <a:extLst>
-              <a:ext uri="{FF2B5EF4-FFF2-40B4-BE49-F238E27FC236}">
-                <a16:creationId xmlns:a16="http://schemas.microsoft.com/office/drawing/2014/main" id="{0095B571-6651-4451-8626-34DBA64368EA}"/>
-              </a:ext>
-            </a:extLst>
-          </p:cNvPr>
-          <p:cNvPicPr>
-            <a:picLocks noChangeAspect="1"/>
-          </p:cNvPicPr>
-          <p:nvPr/>
-        </p:nvPicPr>
-        <p:blipFill>
-          <a:blip r:embed="rId4">
-            <a:extLst>
-              <a:ext uri="{28A0092B-C50C-407E-A947-70E740481C1C}">
-                <a14:useLocalDpi xmlns:a14="http://schemas.microsoft.com/office/drawing/2010/main" val="0"/>
-              </a:ext>
-            </a:extLst>
-          </a:blip>
-          <a:srcRect/>
-          <a:stretch/>
-        </p:blipFill>
-        <p:spPr>
-          <a:xfrm>
-            <a:off x="7250723" y="1374414"/>
-            <a:ext cx="4759569" cy="4759569"/>
-          </a:xfrm>
-          <a:prstGeom prst="rect">
-            <a:avLst/>
-          </a:prstGeom>
-        </p:spPr>
-      </p:pic>
-      <p:sp>
-        <p:nvSpPr>
-          <p:cNvPr id="13" name="TextBox 12">
-            <a:extLst>
-              <a:ext uri="{FF2B5EF4-FFF2-40B4-BE49-F238E27FC236}">
-                <a16:creationId xmlns:a16="http://schemas.microsoft.com/office/drawing/2014/main" id="{44AC818D-D7CB-4235-9673-82208F9FE01D}"/>
-              </a:ext>
-            </a:extLst>
-          </p:cNvPr>
-          <p:cNvSpPr txBox="1"/>
-          <p:nvPr/>
-        </p:nvSpPr>
-        <p:spPr>
-          <a:xfrm>
-            <a:off x="8273586" y="1125082"/>
-            <a:ext cx="2713842" cy="498663"/>
-          </a:xfrm>
-          <a:prstGeom prst="rect">
-            <a:avLst/>
-          </a:prstGeom>
-          <a:noFill/>
-        </p:spPr>
-        <p:txBody>
-          <a:bodyPr wrap="square">
-            <a:spAutoFit/>
-          </a:bodyPr>
-          <a:lstStyle/>
-          <a:p>
-            <a:pPr algn="ctr">
-              <a:lnSpc>
-                <a:spcPct val="150000"/>
-              </a:lnSpc>
-              <a:spcBef>
-                <a:spcPts val="1000"/>
-              </a:spcBef>
-              <a:defRPr/>
-            </a:pPr>
-            <a:r>
-              <a:rPr lang="en-US" altLang="zh-CN" sz="2000" kern="100" dirty="0">
-                <a:solidFill>
-                  <a:srgbClr val="16388A"/>
-                </a:solidFill>
-                <a:latin typeface="Times New Roman" panose="02020603050405020304" pitchFamily="18" charset="0"/>
-                <a:ea typeface="华文新魏" panose="02010800040101010101" pitchFamily="2" charset="-122"/>
-                <a:cs typeface="Times New Roman" panose="02020603050405020304" pitchFamily="18" charset="0"/>
-              </a:rPr>
-              <a:t>Confusion Matrices</a:t>
-            </a:r>
-            <a:endParaRPr lang="en-US" kern="100" dirty="0">
-              <a:solidFill>
-                <a:srgbClr val="16388A"/>
-              </a:solidFill>
-              <a:latin typeface="Times New Roman" panose="02020603050405020304" pitchFamily="18" charset="0"/>
-              <a:ea typeface="华文新魏" panose="02010800040101010101" pitchFamily="2" charset="-122"/>
-              <a:cs typeface="Times New Roman" panose="02020603050405020304" pitchFamily="18" charset="0"/>
-            </a:endParaRPr>
-          </a:p>
-        </p:txBody>
-      </p:sp>
-      <p:pic>
-        <p:nvPicPr>
-          <p:cNvPr id="5" name="Picture 4">
-            <a:extLst>
-              <a:ext uri="{FF2B5EF4-FFF2-40B4-BE49-F238E27FC236}">
-                <a16:creationId xmlns:a16="http://schemas.microsoft.com/office/drawing/2014/main" id="{1854A166-7A7A-4A29-8827-EB251B92BDFC}"/>
-              </a:ext>
-            </a:extLst>
-          </p:cNvPr>
-          <p:cNvPicPr>
-            <a:picLocks noChangeAspect="1"/>
-          </p:cNvPicPr>
-          <p:nvPr/>
-        </p:nvPicPr>
-        <p:blipFill>
-          <a:blip r:embed="rId5"/>
-          <a:stretch>
-            <a:fillRect/>
-          </a:stretch>
-        </p:blipFill>
-        <p:spPr>
-          <a:xfrm>
-            <a:off x="4297964" y="2930421"/>
-            <a:ext cx="2734838" cy="996810"/>
-          </a:xfrm>
-          <a:prstGeom prst="rect">
-            <a:avLst/>
-          </a:prstGeom>
-        </p:spPr>
-      </p:pic>
-    </p:spTree>
-    <p:extLst>
-      <p:ext uri="{BB962C8B-B14F-4D97-AF65-F5344CB8AC3E}">
-        <p14:creationId xmlns:p14="http://schemas.microsoft.com/office/powerpoint/2010/main" val="3864501305"/>
-      </p:ext>
-    </p:extLst>
-  </p:cSld>
-  <p:clrMapOvr>
-    <a:masterClrMapping/>
-  </p:clrMapOvr>
-</p:sld>
-</file>
-
-<file path=ppt/slides/slide6.xml><?xml version="1.0" encoding="utf-8"?>
-<p:sld xmlns:a="http://schemas.openxmlformats.org/drawingml/2006/main" xmlns:r="http://schemas.openxmlformats.org/officeDocument/2006/relationships" xmlns:p="http://schemas.openxmlformats.org/presentationml/2006/main">
-  <p:cSld>
-    <p:spTree>
-      <p:nvGrpSpPr>
-        <p:cNvPr id="1" name=""/>
-        <p:cNvGrpSpPr/>
-        <p:nvPr/>
-      </p:nvGrpSpPr>
-      <p:grpSpPr>
-        <a:xfrm>
-          <a:off x="0" y="0"/>
-          <a:ext cx="0" cy="0"/>
-          <a:chOff x="0" y="0"/>
-          <a:chExt cx="0" cy="0"/>
-        </a:xfrm>
-      </p:grpSpPr>
-      <p:sp>
-        <p:nvSpPr>
-          <p:cNvPr id="7" name="TextBox 6">
-            <a:extLst>
-              <a:ext uri="{FF2B5EF4-FFF2-40B4-BE49-F238E27FC236}">
-                <a16:creationId xmlns:a16="http://schemas.microsoft.com/office/drawing/2014/main" id="{7DF62188-0B34-4F88-9846-C4FE2DE66D09}"/>
-              </a:ext>
-            </a:extLst>
-          </p:cNvPr>
-          <p:cNvSpPr txBox="1"/>
-          <p:nvPr/>
-        </p:nvSpPr>
-        <p:spPr>
-          <a:xfrm>
-            <a:off x="315944" y="217924"/>
-            <a:ext cx="3282914" cy="498663"/>
-          </a:xfrm>
-          <a:prstGeom prst="rect">
-            <a:avLst/>
-          </a:prstGeom>
-          <a:noFill/>
-        </p:spPr>
-        <p:txBody>
-          <a:bodyPr wrap="square">
-            <a:spAutoFit/>
-          </a:bodyPr>
-          <a:lstStyle/>
-          <a:p>
-            <a:pPr>
-              <a:lnSpc>
-                <a:spcPct val="150000"/>
-              </a:lnSpc>
-              <a:spcBef>
-                <a:spcPts val="1000"/>
-              </a:spcBef>
-              <a:defRPr/>
-            </a:pPr>
-            <a:r>
-              <a:rPr lang="en-US" altLang="zh-CN" sz="2000" b="1" kern="100" dirty="0">
-                <a:solidFill>
-                  <a:srgbClr val="16388A"/>
-                </a:solidFill>
-                <a:latin typeface="Times New Roman" panose="02020603050405020304" pitchFamily="18" charset="0"/>
-                <a:ea typeface="华文新魏" panose="02010800040101010101" pitchFamily="2" charset="-122"/>
-                <a:cs typeface="Times New Roman" panose="02020603050405020304" pitchFamily="18" charset="0"/>
-              </a:rPr>
-              <a:t> Q &amp; A:</a:t>
-            </a:r>
-            <a:endParaRPr lang="en-US" sz="2400" b="1" kern="100" dirty="0">
-              <a:solidFill>
-                <a:srgbClr val="16388A"/>
-              </a:solidFill>
-              <a:latin typeface="Times New Roman" panose="02020603050405020304" pitchFamily="18" charset="0"/>
-              <a:ea typeface="华文新魏" panose="02010800040101010101" pitchFamily="2" charset="-122"/>
-              <a:cs typeface="Times New Roman" panose="02020603050405020304" pitchFamily="18" charset="0"/>
-            </a:endParaRPr>
-          </a:p>
-        </p:txBody>
-      </p:sp>
-      <p:graphicFrame>
-        <p:nvGraphicFramePr>
-          <p:cNvPr id="8" name="Table 2">
-            <a:extLst>
-              <a:ext uri="{FF2B5EF4-FFF2-40B4-BE49-F238E27FC236}">
-                <a16:creationId xmlns:a16="http://schemas.microsoft.com/office/drawing/2014/main" id="{27682507-771D-40E6-B567-F67A18967274}"/>
-              </a:ext>
-            </a:extLst>
-          </p:cNvPr>
-          <p:cNvGraphicFramePr>
-            <a:graphicFrameLocks noGrp="1"/>
-          </p:cNvGraphicFramePr>
-          <p:nvPr>
-            <p:extLst>
-              <p:ext uri="{D42A27DB-BD31-4B8C-83A1-F6EECF244321}">
-                <p14:modId xmlns:p14="http://schemas.microsoft.com/office/powerpoint/2010/main" val="2449603506"/>
-              </p:ext>
-            </p:extLst>
-          </p:nvPr>
-        </p:nvGraphicFramePr>
-        <p:xfrm>
-          <a:off x="5222019" y="1438173"/>
-          <a:ext cx="2011680" cy="4358640"/>
-        </p:xfrm>
-        <a:graphic>
-          <a:graphicData uri="http://schemas.openxmlformats.org/drawingml/2006/table">
-            <a:tbl>
-              <a:tblPr firstRow="1" bandRow="1">
-                <a:tableStyleId>{5C22544A-7EE6-4342-B048-85BDC9FD1C3A}</a:tableStyleId>
-              </a:tblPr>
-              <a:tblGrid>
-                <a:gridCol w="1005840">
-                  <a:extLst>
-                    <a:ext uri="{9D8B030D-6E8A-4147-A177-3AD203B41FA5}">
-                      <a16:colId xmlns:a16="http://schemas.microsoft.com/office/drawing/2014/main" val="3155224541"/>
-                    </a:ext>
-                  </a:extLst>
-                </a:gridCol>
-                <a:gridCol w="1005840">
-                  <a:extLst>
-                    <a:ext uri="{9D8B030D-6E8A-4147-A177-3AD203B41FA5}">
-                      <a16:colId xmlns:a16="http://schemas.microsoft.com/office/drawing/2014/main" val="4140186502"/>
-                    </a:ext>
-                  </a:extLst>
-                </a:gridCol>
-              </a:tblGrid>
-              <a:tr h="292251">
-                <a:tc gridSpan="2">
-                  <a:txBody>
-                    <a:bodyPr/>
-                    <a:lstStyle/>
-                    <a:p>
-                      <a:pPr algn="ctr"/>
-                      <a:r>
-                        <a:rPr lang="en-US" sz="1600" dirty="0"/>
-                        <a:t>Net1. Acc Tab</a:t>
-                      </a:r>
-                    </a:p>
-                  </a:txBody>
-                  <a:tcPr/>
-                </a:tc>
-                <a:tc hMerge="1">
-                  <a:txBody>
-                    <a:bodyPr/>
-                    <a:lstStyle/>
-                    <a:p>
-                      <a:endParaRPr lang="en-US" dirty="0"/>
-                    </a:p>
-                  </a:txBody>
-                  <a:tcPr/>
-                </a:tc>
-                <a:extLst>
-                  <a:ext uri="{0D108BD9-81ED-4DB2-BD59-A6C34878D82A}">
-                    <a16:rowId xmlns:a16="http://schemas.microsoft.com/office/drawing/2014/main" val="998142586"/>
-                  </a:ext>
-                </a:extLst>
-              </a:tr>
-              <a:tr h="318546">
-                <a:tc>
-                  <a:txBody>
-                    <a:bodyPr/>
-                    <a:lstStyle/>
-                    <a:p>
-                      <a:pPr algn="ctr"/>
-                      <a:r>
-                        <a:rPr lang="en-US" sz="1600" dirty="0"/>
-                        <a:t>Plane</a:t>
-                      </a:r>
-                    </a:p>
-                  </a:txBody>
-                  <a:tcPr/>
-                </a:tc>
-                <a:tc>
-                  <a:txBody>
-                    <a:bodyPr/>
-                    <a:lstStyle/>
-                    <a:p>
-                      <a:pPr algn="ctr"/>
-                      <a:r>
-                        <a:rPr lang="en-US" sz="1600" dirty="0"/>
-                        <a:t>47.9 %</a:t>
-                      </a:r>
-                    </a:p>
-                  </a:txBody>
-                  <a:tcPr/>
-                </a:tc>
-                <a:extLst>
-                  <a:ext uri="{0D108BD9-81ED-4DB2-BD59-A6C34878D82A}">
-                    <a16:rowId xmlns:a16="http://schemas.microsoft.com/office/drawing/2014/main" val="3609831770"/>
-                  </a:ext>
-                </a:extLst>
-              </a:tr>
-              <a:tr h="318546">
-                <a:tc>
-                  <a:txBody>
-                    <a:bodyPr/>
-                    <a:lstStyle/>
-                    <a:p>
-                      <a:pPr algn="ctr"/>
-                      <a:r>
-                        <a:rPr lang="en-US" sz="1600" dirty="0"/>
-                        <a:t>Car</a:t>
-                      </a:r>
-                    </a:p>
-                  </a:txBody>
-                  <a:tcPr/>
-                </a:tc>
-                <a:tc>
-                  <a:txBody>
-                    <a:bodyPr/>
-                    <a:lstStyle/>
-                    <a:p>
-                      <a:pPr algn="ctr"/>
-                      <a:r>
-                        <a:rPr lang="en-US" sz="1600" dirty="0"/>
-                        <a:t>68.8 %</a:t>
-                      </a:r>
-                    </a:p>
-                  </a:txBody>
-                  <a:tcPr/>
-                </a:tc>
-                <a:extLst>
-                  <a:ext uri="{0D108BD9-81ED-4DB2-BD59-A6C34878D82A}">
-                    <a16:rowId xmlns:a16="http://schemas.microsoft.com/office/drawing/2014/main" val="463309982"/>
-                  </a:ext>
-                </a:extLst>
-              </a:tr>
-              <a:tr h="318546">
-                <a:tc>
-                  <a:txBody>
-                    <a:bodyPr/>
-                    <a:lstStyle/>
-                    <a:p>
-                      <a:pPr algn="ctr"/>
-                      <a:r>
-                        <a:rPr lang="en-US" sz="1600" dirty="0"/>
-                        <a:t>Bird</a:t>
-                      </a:r>
-                    </a:p>
-                  </a:txBody>
-                  <a:tcPr/>
-                </a:tc>
-                <a:tc>
-                  <a:txBody>
-                    <a:bodyPr/>
-                    <a:lstStyle/>
-                    <a:p>
-                      <a:pPr algn="ctr"/>
-                      <a:r>
-                        <a:rPr lang="en-US" sz="1600" dirty="0"/>
-                        <a:t>48.5 %</a:t>
-                      </a:r>
-                    </a:p>
-                  </a:txBody>
-                  <a:tcPr/>
-                </a:tc>
-                <a:extLst>
-                  <a:ext uri="{0D108BD9-81ED-4DB2-BD59-A6C34878D82A}">
-                    <a16:rowId xmlns:a16="http://schemas.microsoft.com/office/drawing/2014/main" val="3581345049"/>
-                  </a:ext>
-                </a:extLst>
-              </a:tr>
-              <a:tr h="318546">
-                <a:tc>
-                  <a:txBody>
-                    <a:bodyPr/>
-                    <a:lstStyle/>
-                    <a:p>
-                      <a:pPr algn="ctr"/>
-                      <a:r>
-                        <a:rPr lang="en-US" sz="1600" dirty="0"/>
-                        <a:t>Cat</a:t>
-                      </a:r>
-                    </a:p>
-                  </a:txBody>
-                  <a:tcPr/>
-                </a:tc>
-                <a:tc>
-                  <a:txBody>
-                    <a:bodyPr/>
-                    <a:lstStyle/>
-                    <a:p>
-                      <a:pPr algn="ctr"/>
-                      <a:r>
-                        <a:rPr lang="en-US" sz="1600" dirty="0"/>
-                        <a:t>54.9 %</a:t>
-                      </a:r>
-                    </a:p>
-                  </a:txBody>
-                  <a:tcPr/>
-                </a:tc>
-                <a:extLst>
-                  <a:ext uri="{0D108BD9-81ED-4DB2-BD59-A6C34878D82A}">
-                    <a16:rowId xmlns:a16="http://schemas.microsoft.com/office/drawing/2014/main" val="2141636581"/>
-                  </a:ext>
-                </a:extLst>
-              </a:tr>
-              <a:tr h="318546">
-                <a:tc>
-                  <a:txBody>
-                    <a:bodyPr/>
-                    <a:lstStyle/>
-                    <a:p>
-                      <a:pPr algn="ctr"/>
-                      <a:r>
-                        <a:rPr lang="en-US" sz="1600" dirty="0"/>
-                        <a:t>Deer</a:t>
-                      </a:r>
-                    </a:p>
-                  </a:txBody>
-                  <a:tcPr/>
-                </a:tc>
-                <a:tc>
-                  <a:txBody>
-                    <a:bodyPr/>
-                    <a:lstStyle/>
-                    <a:p>
-                      <a:pPr algn="ctr"/>
-                      <a:r>
-                        <a:rPr lang="en-US" sz="1600" dirty="0"/>
-                        <a:t>50.3 %</a:t>
-                      </a:r>
-                    </a:p>
-                  </a:txBody>
-                  <a:tcPr/>
-                </a:tc>
-                <a:extLst>
-                  <a:ext uri="{0D108BD9-81ED-4DB2-BD59-A6C34878D82A}">
-                    <a16:rowId xmlns:a16="http://schemas.microsoft.com/office/drawing/2014/main" val="3647439777"/>
-                  </a:ext>
-                </a:extLst>
-              </a:tr>
-              <a:tr h="318546">
-                <a:tc>
-                  <a:txBody>
-                    <a:bodyPr/>
-                    <a:lstStyle/>
-                    <a:p>
-                      <a:pPr algn="ctr"/>
-                      <a:r>
-                        <a:rPr lang="en-US" sz="1600" dirty="0"/>
-                        <a:t>Dog</a:t>
-                      </a:r>
-                    </a:p>
-                  </a:txBody>
-                  <a:tcPr/>
-                </a:tc>
-                <a:tc>
-                  <a:txBody>
-                    <a:bodyPr/>
-                    <a:lstStyle/>
-                    <a:p>
-                      <a:pPr algn="ctr"/>
-                      <a:r>
-                        <a:rPr lang="en-US" sz="1600" dirty="0"/>
-                        <a:t>36.3 %</a:t>
-                      </a:r>
-                    </a:p>
-                  </a:txBody>
-                  <a:tcPr/>
-                </a:tc>
-                <a:extLst>
-                  <a:ext uri="{0D108BD9-81ED-4DB2-BD59-A6C34878D82A}">
-                    <a16:rowId xmlns:a16="http://schemas.microsoft.com/office/drawing/2014/main" val="3157616219"/>
-                  </a:ext>
-                </a:extLst>
-              </a:tr>
-              <a:tr h="318546">
-                <a:tc>
-                  <a:txBody>
-                    <a:bodyPr/>
-                    <a:lstStyle/>
-                    <a:p>
-                      <a:pPr algn="ctr"/>
-                      <a:r>
-                        <a:rPr lang="en-US" sz="1600" dirty="0"/>
-                        <a:t>Frog</a:t>
-                      </a:r>
-                    </a:p>
-                  </a:txBody>
-                  <a:tcPr/>
-                </a:tc>
-                <a:tc>
-                  <a:txBody>
-                    <a:bodyPr/>
-                    <a:lstStyle/>
-                    <a:p>
-                      <a:pPr algn="ctr"/>
-                      <a:r>
-                        <a:rPr lang="en-US" sz="1600" dirty="0"/>
-                        <a:t>71.5 %</a:t>
-                      </a:r>
-                    </a:p>
-                  </a:txBody>
-                  <a:tcPr/>
-                </a:tc>
-                <a:extLst>
-                  <a:ext uri="{0D108BD9-81ED-4DB2-BD59-A6C34878D82A}">
-                    <a16:rowId xmlns:a16="http://schemas.microsoft.com/office/drawing/2014/main" val="1367725180"/>
-                  </a:ext>
-                </a:extLst>
-              </a:tr>
-              <a:tr h="318546">
-                <a:tc>
-                  <a:txBody>
-                    <a:bodyPr/>
-                    <a:lstStyle/>
-                    <a:p>
-                      <a:pPr algn="ctr"/>
-                      <a:r>
-                        <a:rPr lang="en-US" sz="1600" dirty="0"/>
-                        <a:t>Horse</a:t>
-                      </a:r>
-                    </a:p>
-                  </a:txBody>
-                  <a:tcPr/>
-                </a:tc>
-                <a:tc>
-                  <a:txBody>
-                    <a:bodyPr/>
-                    <a:lstStyle/>
-                    <a:p>
-                      <a:pPr algn="ctr"/>
-                      <a:r>
-                        <a:rPr lang="en-US" sz="1600" dirty="0"/>
-                        <a:t>58.8 %</a:t>
-                      </a:r>
-                    </a:p>
-                  </a:txBody>
-                  <a:tcPr/>
-                </a:tc>
-                <a:extLst>
-                  <a:ext uri="{0D108BD9-81ED-4DB2-BD59-A6C34878D82A}">
-                    <a16:rowId xmlns:a16="http://schemas.microsoft.com/office/drawing/2014/main" val="1670969532"/>
-                  </a:ext>
-                </a:extLst>
-              </a:tr>
-              <a:tr h="318546">
-                <a:tc>
-                  <a:txBody>
-                    <a:bodyPr/>
-                    <a:lstStyle/>
-                    <a:p>
-                      <a:pPr algn="ctr"/>
-                      <a:r>
-                        <a:rPr lang="en-US" sz="1600" dirty="0"/>
-                        <a:t>Ship</a:t>
-                      </a:r>
-                    </a:p>
-                  </a:txBody>
-                  <a:tcPr/>
-                </a:tc>
-                <a:tc>
-                  <a:txBody>
-                    <a:bodyPr/>
-                    <a:lstStyle/>
-                    <a:p>
-                      <a:pPr algn="ctr"/>
-                      <a:r>
-                        <a:rPr lang="en-US" sz="1600" dirty="0"/>
-                        <a:t>78.0 %</a:t>
-                      </a:r>
-                    </a:p>
-                  </a:txBody>
-                  <a:tcPr/>
-                </a:tc>
-                <a:extLst>
-                  <a:ext uri="{0D108BD9-81ED-4DB2-BD59-A6C34878D82A}">
-                    <a16:rowId xmlns:a16="http://schemas.microsoft.com/office/drawing/2014/main" val="135284082"/>
-                  </a:ext>
-                </a:extLst>
-              </a:tr>
-              <a:tr h="318546">
-                <a:tc>
-                  <a:txBody>
-                    <a:bodyPr/>
-                    <a:lstStyle/>
-                    <a:p>
-                      <a:pPr algn="ctr"/>
-                      <a:r>
-                        <a:rPr lang="en-US" sz="1600" dirty="0"/>
-                        <a:t>Truck</a:t>
-                      </a:r>
-                    </a:p>
-                  </a:txBody>
-                  <a:tcPr/>
-                </a:tc>
-                <a:tc>
-                  <a:txBody>
-                    <a:bodyPr/>
-                    <a:lstStyle/>
-                    <a:p>
-                      <a:pPr algn="ctr"/>
-                      <a:r>
-                        <a:rPr lang="en-US" sz="1600" dirty="0"/>
-                        <a:t>62.8 %</a:t>
-                      </a:r>
-                    </a:p>
-                  </a:txBody>
-                  <a:tcPr/>
-                </a:tc>
-                <a:extLst>
-                  <a:ext uri="{0D108BD9-81ED-4DB2-BD59-A6C34878D82A}">
-                    <a16:rowId xmlns:a16="http://schemas.microsoft.com/office/drawing/2014/main" val="3994574470"/>
-                  </a:ext>
-                </a:extLst>
-              </a:tr>
-              <a:tr h="318546">
-                <a:tc>
-                  <a:txBody>
-                    <a:bodyPr/>
-                    <a:lstStyle/>
-                    <a:p>
-                      <a:pPr algn="ctr"/>
-                      <a:r>
-                        <a:rPr lang="en-US" sz="1600" dirty="0"/>
-                        <a:t>Ave Acc</a:t>
-                      </a:r>
-                    </a:p>
-                  </a:txBody>
-                  <a:tcPr/>
-                </a:tc>
-                <a:tc>
-                  <a:txBody>
-                    <a:bodyPr/>
-                    <a:lstStyle/>
-                    <a:p>
-                      <a:pPr algn="ctr"/>
-                      <a:r>
-                        <a:rPr lang="en-US" sz="1600" dirty="0"/>
-                        <a:t>57.0 %</a:t>
-                      </a:r>
-                    </a:p>
-                  </a:txBody>
-                  <a:tcPr/>
-                </a:tc>
-                <a:extLst>
-                  <a:ext uri="{0D108BD9-81ED-4DB2-BD59-A6C34878D82A}">
-                    <a16:rowId xmlns:a16="http://schemas.microsoft.com/office/drawing/2014/main" val="4081230585"/>
-                  </a:ext>
-                </a:extLst>
-              </a:tr>
-              <a:tr h="318546">
-                <a:tc>
-                  <a:txBody>
-                    <a:bodyPr/>
-                    <a:lstStyle/>
-                    <a:p>
-                      <a:pPr algn="ctr"/>
-                      <a:r>
-                        <a:rPr lang="en-US" sz="1600" dirty="0"/>
-                        <a:t>Run Tim</a:t>
-                      </a:r>
-                    </a:p>
-                  </a:txBody>
-                  <a:tcPr/>
-                </a:tc>
-                <a:tc>
-                  <a:txBody>
-                    <a:bodyPr/>
-                    <a:lstStyle/>
-                    <a:p>
-                      <a:pPr algn="ctr"/>
-                      <a:r>
-                        <a:rPr lang="en-US" sz="1600" dirty="0"/>
-                        <a:t>161.37 s</a:t>
-                      </a:r>
-                    </a:p>
-                  </a:txBody>
-                  <a:tcPr/>
-                </a:tc>
-                <a:extLst>
-                  <a:ext uri="{0D108BD9-81ED-4DB2-BD59-A6C34878D82A}">
-                    <a16:rowId xmlns:a16="http://schemas.microsoft.com/office/drawing/2014/main" val="2292412895"/>
-                  </a:ext>
-                </a:extLst>
-              </a:tr>
-            </a:tbl>
-          </a:graphicData>
-        </a:graphic>
-      </p:graphicFrame>
-      <p:pic>
-        <p:nvPicPr>
-          <p:cNvPr id="9" name="Picture 8">
-            <a:extLst>
-              <a:ext uri="{FF2B5EF4-FFF2-40B4-BE49-F238E27FC236}">
-                <a16:creationId xmlns:a16="http://schemas.microsoft.com/office/drawing/2014/main" id="{C78AF0EE-A4A6-4415-B578-AC35B9DF0213}"/>
-              </a:ext>
-            </a:extLst>
-          </p:cNvPr>
-          <p:cNvPicPr>
-            <a:picLocks noChangeAspect="1"/>
-          </p:cNvPicPr>
-          <p:nvPr/>
-        </p:nvPicPr>
-        <p:blipFill>
-          <a:blip r:embed="rId2">
-            <a:extLst>
-              <a:ext uri="{28A0092B-C50C-407E-A947-70E740481C1C}">
-                <a14:useLocalDpi xmlns:a14="http://schemas.microsoft.com/office/drawing/2010/main" val="0"/>
-              </a:ext>
-            </a:extLst>
-          </a:blip>
-          <a:srcRect/>
-          <a:stretch/>
-        </p:blipFill>
-        <p:spPr>
-          <a:xfrm>
-            <a:off x="7250723" y="1374414"/>
-            <a:ext cx="4759569" cy="4759569"/>
-          </a:xfrm>
-          <a:prstGeom prst="rect">
-            <a:avLst/>
-          </a:prstGeom>
-        </p:spPr>
-      </p:pic>
-      <p:sp>
-        <p:nvSpPr>
-          <p:cNvPr id="10" name="TextBox 9">
-            <a:extLst>
-              <a:ext uri="{FF2B5EF4-FFF2-40B4-BE49-F238E27FC236}">
-                <a16:creationId xmlns:a16="http://schemas.microsoft.com/office/drawing/2014/main" id="{567411EE-9858-4951-A2B7-0C8E5831A6BC}"/>
-              </a:ext>
-            </a:extLst>
-          </p:cNvPr>
-          <p:cNvSpPr txBox="1"/>
-          <p:nvPr/>
-        </p:nvSpPr>
-        <p:spPr>
-          <a:xfrm>
-            <a:off x="8273586" y="1125082"/>
-            <a:ext cx="2713842" cy="498663"/>
-          </a:xfrm>
-          <a:prstGeom prst="rect">
-            <a:avLst/>
-          </a:prstGeom>
-          <a:noFill/>
-        </p:spPr>
-        <p:txBody>
-          <a:bodyPr wrap="square">
-            <a:spAutoFit/>
-          </a:bodyPr>
-          <a:lstStyle/>
-          <a:p>
-            <a:pPr algn="ctr">
-              <a:lnSpc>
-                <a:spcPct val="150000"/>
-              </a:lnSpc>
-              <a:spcBef>
-                <a:spcPts val="1000"/>
-              </a:spcBef>
-              <a:defRPr/>
-            </a:pPr>
-            <a:r>
-              <a:rPr lang="en-US" altLang="zh-CN" sz="2000" kern="100" dirty="0">
-                <a:solidFill>
-                  <a:srgbClr val="16388A"/>
-                </a:solidFill>
-                <a:latin typeface="Times New Roman" panose="02020603050405020304" pitchFamily="18" charset="0"/>
-                <a:ea typeface="华文新魏" panose="02010800040101010101" pitchFamily="2" charset="-122"/>
-                <a:cs typeface="Times New Roman" panose="02020603050405020304" pitchFamily="18" charset="0"/>
-              </a:rPr>
-              <a:t>Confusion Matrices</a:t>
-            </a:r>
-            <a:endParaRPr lang="en-US" kern="100" dirty="0">
-              <a:solidFill>
-                <a:srgbClr val="16388A"/>
-              </a:solidFill>
-              <a:latin typeface="Times New Roman" panose="02020603050405020304" pitchFamily="18" charset="0"/>
-              <a:ea typeface="华文新魏" panose="02010800040101010101" pitchFamily="2" charset="-122"/>
-              <a:cs typeface="Times New Roman" panose="02020603050405020304" pitchFamily="18" charset="0"/>
-            </a:endParaRPr>
-          </a:p>
-        </p:txBody>
-      </p:sp>
-      <p:sp>
-        <p:nvSpPr>
-          <p:cNvPr id="11" name="TextBox 10">
-            <a:extLst>
-              <a:ext uri="{FF2B5EF4-FFF2-40B4-BE49-F238E27FC236}">
-                <a16:creationId xmlns:a16="http://schemas.microsoft.com/office/drawing/2014/main" id="{B5011836-ECA8-40B6-BF03-79C97766E4FB}"/>
-              </a:ext>
-            </a:extLst>
-          </p:cNvPr>
-          <p:cNvSpPr txBox="1"/>
-          <p:nvPr/>
-        </p:nvSpPr>
-        <p:spPr>
-          <a:xfrm>
-            <a:off x="674076" y="1712966"/>
-            <a:ext cx="3774831" cy="3002745"/>
-          </a:xfrm>
-          <a:prstGeom prst="rect">
-            <a:avLst/>
-          </a:prstGeom>
-          <a:noFill/>
-        </p:spPr>
-        <p:txBody>
-          <a:bodyPr wrap="square">
-            <a:spAutoFit/>
-          </a:bodyPr>
-          <a:lstStyle/>
-          <a:p>
-            <a:pPr>
-              <a:lnSpc>
-                <a:spcPct val="150000"/>
-              </a:lnSpc>
-            </a:pPr>
-            <a:r>
-              <a:rPr lang="en-US" sz="1600" kern="100" dirty="0">
-                <a:solidFill>
-                  <a:srgbClr val="16388A"/>
-                </a:solidFill>
-                <a:latin typeface="Times New Roman" panose="02020603050405020304" pitchFamily="18" charset="0"/>
-                <a:ea typeface="华文新魏" panose="02010800040101010101" pitchFamily="2" charset="-122"/>
-                <a:cs typeface="Times New Roman" panose="02020603050405020304" pitchFamily="18" charset="0"/>
-              </a:rPr>
-              <a:t>1. 10-class classification: for the class on which your model (Network 2) has the worst accuracy?</a:t>
-            </a:r>
-          </a:p>
-          <a:p>
-            <a:pPr>
-              <a:lnSpc>
-                <a:spcPct val="150000"/>
-              </a:lnSpc>
-            </a:pPr>
-            <a:r>
-              <a:rPr lang="en-US" sz="1600" kern="100" dirty="0">
-                <a:solidFill>
-                  <a:srgbClr val="16388A"/>
-                </a:solidFill>
-                <a:latin typeface="Times New Roman" panose="02020603050405020304" pitchFamily="18" charset="0"/>
-                <a:ea typeface="华文新魏" panose="02010800040101010101" pitchFamily="2" charset="-122"/>
-                <a:cs typeface="Times New Roman" panose="02020603050405020304" pitchFamily="18" charset="0"/>
-              </a:rPr>
-              <a:t>   </a:t>
-            </a:r>
-            <a:r>
-              <a:rPr lang="en-US" sz="1600" kern="100" dirty="0">
-                <a:solidFill>
-                  <a:srgbClr val="FF0000"/>
-                </a:solidFill>
-                <a:latin typeface="Times New Roman" panose="02020603050405020304" pitchFamily="18" charset="0"/>
-                <a:ea typeface="华文新魏" panose="02010800040101010101" pitchFamily="2" charset="-122"/>
-                <a:cs typeface="Times New Roman" panose="02020603050405020304" pitchFamily="18" charset="0"/>
-              </a:rPr>
-              <a:t>Dog </a:t>
-            </a:r>
-          </a:p>
-          <a:p>
-            <a:pPr indent="-342900">
-              <a:lnSpc>
-                <a:spcPct val="150000"/>
-              </a:lnSpc>
-              <a:buFont typeface="Arial" panose="020B0604020202020204" pitchFamily="34" charset="0"/>
-              <a:buChar char="•"/>
-            </a:pPr>
-            <a:endParaRPr lang="en-US" sz="1600" kern="100" dirty="0">
-              <a:solidFill>
-                <a:srgbClr val="16388A"/>
-              </a:solidFill>
-              <a:latin typeface="Times New Roman" panose="02020603050405020304" pitchFamily="18" charset="0"/>
-              <a:ea typeface="华文新魏" panose="02010800040101010101" pitchFamily="2" charset="-122"/>
-              <a:cs typeface="Times New Roman" panose="02020603050405020304" pitchFamily="18" charset="0"/>
-            </a:endParaRPr>
-          </a:p>
-          <a:p>
-            <a:pPr>
-              <a:lnSpc>
-                <a:spcPct val="150000"/>
-              </a:lnSpc>
-            </a:pPr>
-            <a:r>
-              <a:rPr lang="en-US" sz="1600" kern="100" dirty="0">
-                <a:solidFill>
-                  <a:srgbClr val="16388A"/>
-                </a:solidFill>
-                <a:latin typeface="Times New Roman" panose="02020603050405020304" pitchFamily="18" charset="0"/>
-                <a:ea typeface="华文新魏" panose="02010800040101010101" pitchFamily="2" charset="-122"/>
-                <a:cs typeface="Times New Roman" panose="02020603050405020304" pitchFamily="18" charset="0"/>
-              </a:rPr>
-              <a:t>2. what is the other class it is most confused with?</a:t>
-            </a:r>
-          </a:p>
-          <a:p>
-            <a:pPr>
-              <a:lnSpc>
-                <a:spcPct val="150000"/>
-              </a:lnSpc>
-            </a:pPr>
-            <a:r>
-              <a:rPr lang="en-US" sz="1600" kern="100" dirty="0">
-                <a:solidFill>
-                  <a:srgbClr val="16388A"/>
-                </a:solidFill>
-                <a:latin typeface="Times New Roman" panose="02020603050405020304" pitchFamily="18" charset="0"/>
-                <a:ea typeface="华文新魏" panose="02010800040101010101" pitchFamily="2" charset="-122"/>
-                <a:cs typeface="Times New Roman" panose="02020603050405020304" pitchFamily="18" charset="0"/>
-              </a:rPr>
-              <a:t>   </a:t>
-            </a:r>
-            <a:r>
-              <a:rPr lang="en-US" sz="1600" kern="100" dirty="0">
-                <a:solidFill>
-                  <a:srgbClr val="FF0000"/>
-                </a:solidFill>
-                <a:latin typeface="Times New Roman" panose="02020603050405020304" pitchFamily="18" charset="0"/>
-                <a:ea typeface="华文新魏" panose="02010800040101010101" pitchFamily="2" charset="-122"/>
-                <a:cs typeface="Times New Roman" panose="02020603050405020304" pitchFamily="18" charset="0"/>
-              </a:rPr>
-              <a:t>Cat</a:t>
-            </a:r>
-          </a:p>
-        </p:txBody>
-      </p:sp>
-    </p:spTree>
-    <p:extLst>
-      <p:ext uri="{BB962C8B-B14F-4D97-AF65-F5344CB8AC3E}">
-        <p14:creationId xmlns:p14="http://schemas.microsoft.com/office/powerpoint/2010/main" val="2441299604"/>
-      </p:ext>
-    </p:extLst>
-  </p:cSld>
-  <p:clrMapOvr>
-    <a:masterClrMapping/>
-  </p:clrMapOvr>
-</p:sld>
-</file>
-
-<file path=ppt/slides/slide7.xml><?xml version="1.0" encoding="utf-8"?>
-<p:sld xmlns:a="http://schemas.openxmlformats.org/drawingml/2006/main" xmlns:r="http://schemas.openxmlformats.org/officeDocument/2006/relationships" xmlns:p="http://schemas.openxmlformats.org/presentationml/2006/main">
-  <p:cSld>
-    <p:spTree>
-      <p:nvGrpSpPr>
-        <p:cNvPr id="1" name=""/>
-        <p:cNvGrpSpPr/>
-        <p:nvPr/>
-      </p:nvGrpSpPr>
-      <p:grpSpPr>
-        <a:xfrm>
-          <a:off x="0" y="0"/>
-          <a:ext cx="0" cy="0"/>
-          <a:chOff x="0" y="0"/>
-          <a:chExt cx="0" cy="0"/>
-        </a:xfrm>
-      </p:grpSpPr>
-      <p:grpSp>
-        <p:nvGrpSpPr>
-          <p:cNvPr id="15" name="Group 14">
-            <a:extLst>
-              <a:ext uri="{FF2B5EF4-FFF2-40B4-BE49-F238E27FC236}">
-                <a16:creationId xmlns:a16="http://schemas.microsoft.com/office/drawing/2014/main" id="{BC89D6FE-77F3-4421-968E-F54365B39686}"/>
+                <a16:creationId xmlns:a16="http://schemas.microsoft.com/office/drawing/2014/main" id="{DCAD2722-70C6-4ABF-AF19-3C7B66239E02}"/>
               </a:ext>
             </a:extLst>
           </p:cNvPr>
@@ -19363,18 +17674,18 @@
         </p:nvGrpSpPr>
         <p:grpSpPr>
           <a:xfrm>
-            <a:off x="157083" y="534879"/>
-            <a:ext cx="11877834" cy="2103120"/>
-            <a:chOff x="-48071" y="3429000"/>
-            <a:chExt cx="11877834" cy="2103120"/>
+            <a:off x="6350924" y="62203"/>
+            <a:ext cx="5701444" cy="6733594"/>
+            <a:chOff x="6423660" y="124406"/>
+            <a:chExt cx="5701444" cy="6733594"/>
           </a:xfrm>
         </p:grpSpPr>
         <p:pic>
           <p:nvPicPr>
-            <p:cNvPr id="13" name="Picture 12">
+            <p:cNvPr id="3" name="Picture 2">
               <a:extLst>
                 <a:ext uri="{FF2B5EF4-FFF2-40B4-BE49-F238E27FC236}">
-                  <a16:creationId xmlns:a16="http://schemas.microsoft.com/office/drawing/2014/main" id="{FA99643D-DB0F-4A40-8B1D-F52E2F3A8425}"/>
+                  <a16:creationId xmlns:a16="http://schemas.microsoft.com/office/drawing/2014/main" id="{0C50A966-F6EE-469F-8FCC-6530947C3051}"/>
                 </a:ext>
               </a:extLst>
             </p:cNvPr>
@@ -19383,7 +17694,7 @@
             </p:cNvPicPr>
             <p:nvPr/>
           </p:nvPicPr>
-          <p:blipFill>
+          <p:blipFill rotWithShape="1">
             <a:blip r:embed="rId2">
               <a:extLst>
                 <a:ext uri="{28A0092B-C50C-407E-A947-70E740481C1C}">
@@ -19391,14 +17702,13 @@
                 </a:ext>
               </a:extLst>
             </a:blip>
-            <a:stretch>
-              <a:fillRect/>
-            </a:stretch>
+            <a:srcRect l="9125" t="8439" r="2625" b="6250"/>
+            <a:stretch/>
           </p:blipFill>
           <p:spPr>
             <a:xfrm>
-              <a:off x="-48071" y="3429000"/>
-              <a:ext cx="2804160" cy="2103120"/>
+              <a:off x="6423660" y="4653334"/>
+              <a:ext cx="5701444" cy="2204666"/>
             </a:xfrm>
             <a:prstGeom prst="rect">
               <a:avLst/>
@@ -19407,10 +17717,10 @@
         </p:pic>
         <p:pic>
           <p:nvPicPr>
-            <p:cNvPr id="11" name="Picture 10">
+            <p:cNvPr id="6" name="Picture 5">
               <a:extLst>
                 <a:ext uri="{FF2B5EF4-FFF2-40B4-BE49-F238E27FC236}">
-                  <a16:creationId xmlns:a16="http://schemas.microsoft.com/office/drawing/2014/main" id="{31C403B3-EF26-4883-882A-3E2A42285011}"/>
+                  <a16:creationId xmlns:a16="http://schemas.microsoft.com/office/drawing/2014/main" id="{717CDF2F-9A92-4A55-8CC4-676658A2C90A}"/>
                 </a:ext>
               </a:extLst>
             </p:cNvPr>
@@ -19419,7 +17729,7 @@
             </p:cNvPicPr>
             <p:nvPr/>
           </p:nvPicPr>
-          <p:blipFill>
+          <p:blipFill rotWithShape="1">
             <a:blip r:embed="rId3">
               <a:extLst>
                 <a:ext uri="{28A0092B-C50C-407E-A947-70E740481C1C}">
@@ -19427,14 +17737,13 @@
                 </a:ext>
               </a:extLst>
             </a:blip>
-            <a:stretch>
-              <a:fillRect/>
-            </a:stretch>
+            <a:srcRect l="9125" t="8439" r="2625" b="6250"/>
+            <a:stretch/>
           </p:blipFill>
           <p:spPr>
             <a:xfrm>
-              <a:off x="2237929" y="3429000"/>
-              <a:ext cx="2804160" cy="2103120"/>
+              <a:off x="6423660" y="2388870"/>
+              <a:ext cx="5701444" cy="2204666"/>
             </a:xfrm>
             <a:prstGeom prst="rect">
               <a:avLst/>
@@ -19443,10 +17752,10 @@
         </p:pic>
         <p:pic>
           <p:nvPicPr>
-            <p:cNvPr id="5" name="Picture 4">
+            <p:cNvPr id="10" name="Picture 9">
               <a:extLst>
                 <a:ext uri="{FF2B5EF4-FFF2-40B4-BE49-F238E27FC236}">
-                  <a16:creationId xmlns:a16="http://schemas.microsoft.com/office/drawing/2014/main" id="{48D39ABB-DD22-4CC4-937B-577FA9175F90}"/>
+                  <a16:creationId xmlns:a16="http://schemas.microsoft.com/office/drawing/2014/main" id="{C7274BF6-3AC6-4FAF-8EEB-2A9E8904DD1C}"/>
                 </a:ext>
               </a:extLst>
             </p:cNvPr>
@@ -19455,7 +17764,7 @@
             </p:cNvPicPr>
             <p:nvPr/>
           </p:nvPicPr>
-          <p:blipFill>
+          <p:blipFill rotWithShape="1">
             <a:blip r:embed="rId4">
               <a:extLst>
                 <a:ext uri="{28A0092B-C50C-407E-A947-70E740481C1C}">
@@ -19463,86 +17772,13 @@
                 </a:ext>
               </a:extLst>
             </a:blip>
-            <a:stretch>
-              <a:fillRect/>
-            </a:stretch>
+            <a:srcRect l="9125" t="8439" r="2625" b="6250"/>
+            <a:stretch/>
           </p:blipFill>
           <p:spPr>
             <a:xfrm>
-              <a:off x="4465320" y="3429000"/>
-              <a:ext cx="2804160" cy="2103120"/>
-            </a:xfrm>
-            <a:prstGeom prst="rect">
-              <a:avLst/>
-            </a:prstGeom>
-          </p:spPr>
-        </p:pic>
-        <p:pic>
-          <p:nvPicPr>
-            <p:cNvPr id="9" name="Picture 8">
-              <a:extLst>
-                <a:ext uri="{FF2B5EF4-FFF2-40B4-BE49-F238E27FC236}">
-                  <a16:creationId xmlns:a16="http://schemas.microsoft.com/office/drawing/2014/main" id="{D88D6194-0F5B-42EB-A58C-0A4DDEDFA543}"/>
-                </a:ext>
-              </a:extLst>
-            </p:cNvPr>
-            <p:cNvPicPr>
-              <a:picLocks noChangeAspect="1"/>
-            </p:cNvPicPr>
-            <p:nvPr/>
-          </p:nvPicPr>
-          <p:blipFill>
-            <a:blip r:embed="rId5">
-              <a:extLst>
-                <a:ext uri="{28A0092B-C50C-407E-A947-70E740481C1C}">
-                  <a14:useLocalDpi xmlns:a14="http://schemas.microsoft.com/office/drawing/2010/main" val="0"/>
-                </a:ext>
-              </a:extLst>
-            </a:blip>
-            <a:stretch>
-              <a:fillRect/>
-            </a:stretch>
-          </p:blipFill>
-          <p:spPr>
-            <a:xfrm>
-              <a:off x="6751320" y="3429000"/>
-              <a:ext cx="2804160" cy="2103120"/>
-            </a:xfrm>
-            <a:prstGeom prst="rect">
-              <a:avLst/>
-            </a:prstGeom>
-          </p:spPr>
-        </p:pic>
-        <p:pic>
-          <p:nvPicPr>
-            <p:cNvPr id="7" name="Picture 6">
-              <a:extLst>
-                <a:ext uri="{FF2B5EF4-FFF2-40B4-BE49-F238E27FC236}">
-                  <a16:creationId xmlns:a16="http://schemas.microsoft.com/office/drawing/2014/main" id="{E485AE14-CD19-47B6-AFA2-880B1516B3AA}"/>
-                </a:ext>
-              </a:extLst>
-            </p:cNvPr>
-            <p:cNvPicPr>
-              <a:picLocks noChangeAspect="1"/>
-            </p:cNvPicPr>
-            <p:nvPr/>
-          </p:nvPicPr>
-          <p:blipFill>
-            <a:blip r:embed="rId6">
-              <a:extLst>
-                <a:ext uri="{28A0092B-C50C-407E-A947-70E740481C1C}">
-                  <a14:useLocalDpi xmlns:a14="http://schemas.microsoft.com/office/drawing/2010/main" val="0"/>
-                </a:ext>
-              </a:extLst>
-            </a:blip>
-            <a:stretch>
-              <a:fillRect/>
-            </a:stretch>
-          </p:blipFill>
-          <p:spPr>
-            <a:xfrm>
-              <a:off x="9025603" y="3429000"/>
-              <a:ext cx="2804160" cy="2103120"/>
+              <a:off x="6423660" y="124406"/>
+              <a:ext cx="5701444" cy="2204666"/>
             </a:xfrm>
             <a:prstGeom prst="rect">
               <a:avLst/>
@@ -19552,10 +17788,10 @@
       </p:grpSp>
       <p:sp>
         <p:nvSpPr>
-          <p:cNvPr id="14" name="TextBox 13">
+          <p:cNvPr id="18" name="TextBox 17">
             <a:extLst>
               <a:ext uri="{FF2B5EF4-FFF2-40B4-BE49-F238E27FC236}">
-                <a16:creationId xmlns:a16="http://schemas.microsoft.com/office/drawing/2014/main" id="{3EF3B805-3704-437E-A20B-22CEEC81991C}"/>
+                <a16:creationId xmlns:a16="http://schemas.microsoft.com/office/drawing/2014/main" id="{52BC0EDA-B59A-4C40-8722-CC8394D09911}"/>
               </a:ext>
             </a:extLst>
           </p:cNvPr>
@@ -19564,377 +17800,8 @@
         </p:nvSpPr>
         <p:spPr>
           <a:xfrm>
-            <a:off x="315944" y="217924"/>
-            <a:ext cx="3282914" cy="498663"/>
-          </a:xfrm>
-          <a:prstGeom prst="rect">
-            <a:avLst/>
-          </a:prstGeom>
-          <a:noFill/>
-        </p:spPr>
-        <p:txBody>
-          <a:bodyPr wrap="square">
-            <a:spAutoFit/>
-          </a:bodyPr>
-          <a:lstStyle/>
-          <a:p>
-            <a:pPr>
-              <a:lnSpc>
-                <a:spcPct val="150000"/>
-              </a:lnSpc>
-              <a:spcBef>
-                <a:spcPts val="1000"/>
-              </a:spcBef>
-              <a:defRPr/>
-            </a:pPr>
-            <a:r>
-              <a:rPr lang="en-US" altLang="zh-CN" sz="2000" b="1" kern="100" dirty="0">
-                <a:solidFill>
-                  <a:srgbClr val="16388A"/>
-                </a:solidFill>
-                <a:latin typeface="Times New Roman" panose="02020603050405020304" pitchFamily="18" charset="0"/>
-                <a:ea typeface="华文新魏" panose="02010800040101010101" pitchFamily="2" charset="-122"/>
-                <a:cs typeface="Times New Roman" panose="02020603050405020304" pitchFamily="18" charset="0"/>
-              </a:rPr>
-              <a:t> Visualization:</a:t>
-            </a:r>
-            <a:endParaRPr lang="en-US" sz="2400" b="1" kern="100" dirty="0">
-              <a:solidFill>
-                <a:srgbClr val="16388A"/>
-              </a:solidFill>
-              <a:latin typeface="Times New Roman" panose="02020603050405020304" pitchFamily="18" charset="0"/>
-              <a:ea typeface="华文新魏" panose="02010800040101010101" pitchFamily="2" charset="-122"/>
-              <a:cs typeface="Times New Roman" panose="02020603050405020304" pitchFamily="18" charset="0"/>
-            </a:endParaRPr>
-          </a:p>
-        </p:txBody>
-      </p:sp>
-      <p:sp>
-        <p:nvSpPr>
-          <p:cNvPr id="17" name="TextBox 16">
-            <a:extLst>
-              <a:ext uri="{FF2B5EF4-FFF2-40B4-BE49-F238E27FC236}">
-                <a16:creationId xmlns:a16="http://schemas.microsoft.com/office/drawing/2014/main" id="{1480E2E0-BCD0-4AAE-89B6-C4673AB38299}"/>
-              </a:ext>
-            </a:extLst>
-          </p:cNvPr>
-          <p:cNvSpPr txBox="1"/>
-          <p:nvPr/>
-        </p:nvSpPr>
-        <p:spPr>
-          <a:xfrm>
-            <a:off x="414997" y="2662566"/>
-            <a:ext cx="11619919" cy="4247317"/>
-          </a:xfrm>
-          <a:prstGeom prst="rect">
-            <a:avLst/>
-          </a:prstGeom>
-          <a:noFill/>
-        </p:spPr>
-        <p:txBody>
-          <a:bodyPr wrap="square">
-            <a:spAutoFit/>
-          </a:bodyPr>
-          <a:lstStyle/>
-          <a:p>
-            <a:pPr algn="l"/>
-            <a:r>
-              <a:rPr lang="en-US" sz="1600" kern="100" dirty="0">
-                <a:solidFill>
-                  <a:srgbClr val="16388A"/>
-                </a:solidFill>
-                <a:latin typeface="Times New Roman" panose="02020603050405020304" pitchFamily="18" charset="0"/>
-                <a:ea typeface="华文新魏" panose="02010800040101010101" pitchFamily="2" charset="-122"/>
-                <a:cs typeface="Times New Roman" panose="02020603050405020304" pitchFamily="18" charset="0"/>
-              </a:rPr>
-              <a:t>Comment on what factors may have caused the poor performance:</a:t>
-            </a:r>
-          </a:p>
-          <a:p>
-            <a:pPr marL="342900" indent="-342900">
-              <a:buFont typeface="+mj-lt"/>
-              <a:buAutoNum type="arabicPeriod"/>
-            </a:pPr>
-            <a:r>
-              <a:rPr lang="en-US" sz="1400" kern="100" dirty="0">
-                <a:solidFill>
-                  <a:srgbClr val="16388A"/>
-                </a:solidFill>
-                <a:latin typeface="Times New Roman" panose="02020603050405020304" pitchFamily="18" charset="0"/>
-                <a:ea typeface="华文新魏" panose="02010800040101010101" pitchFamily="2" charset="-122"/>
-                <a:cs typeface="Times New Roman" panose="02020603050405020304" pitchFamily="18" charset="0"/>
-              </a:rPr>
-              <a:t>Insufficient training: The model may not have been trained for enough epochs or with a large enough dataset to learn the distinguishing features of the worst-performing class effectively. This could lead to the model struggling to differentiate between the class and others, especially if they share similar features.</a:t>
-            </a:r>
-          </a:p>
-          <a:p>
-            <a:pPr marL="342900" indent="-342900" algn="l">
-              <a:buFont typeface="+mj-lt"/>
-              <a:buAutoNum type="arabicPeriod"/>
-            </a:pPr>
-            <a:r>
-              <a:rPr lang="en-US" sz="1400" kern="100" dirty="0">
-                <a:solidFill>
-                  <a:srgbClr val="16388A"/>
-                </a:solidFill>
-                <a:latin typeface="Times New Roman" panose="02020603050405020304" pitchFamily="18" charset="0"/>
-                <a:ea typeface="华文新魏" panose="02010800040101010101" pitchFamily="2" charset="-122"/>
-                <a:cs typeface="Times New Roman" panose="02020603050405020304" pitchFamily="18" charset="0"/>
-              </a:rPr>
-              <a:t>Similarity between classes: If the worst-performing class and the class it is most confused with share similar visual features or have overlapping characteristics, the model might find it challenging to differentiate between them. For example, if the classes are "cat" and "dog," the model may struggle because both animals share similar shapes, sizes, and textures.</a:t>
-            </a:r>
-          </a:p>
-          <a:p>
-            <a:pPr marL="342900" indent="-342900" algn="l">
-              <a:buFont typeface="+mj-lt"/>
-              <a:buAutoNum type="arabicPeriod"/>
-            </a:pPr>
-            <a:r>
-              <a:rPr lang="en-US" sz="1400" kern="100" dirty="0">
-                <a:solidFill>
-                  <a:srgbClr val="16388A"/>
-                </a:solidFill>
-                <a:latin typeface="Times New Roman" panose="02020603050405020304" pitchFamily="18" charset="0"/>
-                <a:ea typeface="华文新魏" panose="02010800040101010101" pitchFamily="2" charset="-122"/>
-                <a:cs typeface="Times New Roman" panose="02020603050405020304" pitchFamily="18" charset="0"/>
-              </a:rPr>
-              <a:t>Network architecture: The architecture of the neural network may not be well-suited for the task at hand. A deeper or more complex network with additional layers, filters, or more advanced techniques (such as residual connections) might be needed to capture the relevant features and learn the difference between the classes more effectively.</a:t>
-            </a:r>
-          </a:p>
-          <a:p>
-            <a:pPr marL="342900" indent="-342900" algn="l">
-              <a:buFont typeface="+mj-lt"/>
-              <a:buAutoNum type="arabicPeriod"/>
-            </a:pPr>
-            <a:r>
-              <a:rPr lang="en-US" sz="1400" kern="100" dirty="0">
-                <a:solidFill>
-                  <a:srgbClr val="16388A"/>
-                </a:solidFill>
-                <a:latin typeface="Times New Roman" panose="02020603050405020304" pitchFamily="18" charset="0"/>
-                <a:ea typeface="华文新魏" panose="02010800040101010101" pitchFamily="2" charset="-122"/>
-                <a:cs typeface="Times New Roman" panose="02020603050405020304" pitchFamily="18" charset="0"/>
-              </a:rPr>
-              <a:t>Data preprocessing: The normalization and data augmentation techniques used during preprocessing may not have been sufficient or adequate for the task. Improper preprocessing might cause the model to focus on irrelevant features or miss essential information needed to differentiate between the classes.</a:t>
-            </a:r>
-          </a:p>
-          <a:p>
-            <a:pPr marL="342900" indent="-342900" algn="l">
-              <a:buFont typeface="+mj-lt"/>
-              <a:buAutoNum type="arabicPeriod"/>
-            </a:pPr>
-            <a:r>
-              <a:rPr lang="en-US" sz="1400" kern="100" dirty="0">
-                <a:solidFill>
-                  <a:srgbClr val="16388A"/>
-                </a:solidFill>
-                <a:latin typeface="Times New Roman" panose="02020603050405020304" pitchFamily="18" charset="0"/>
-                <a:ea typeface="华文新魏" panose="02010800040101010101" pitchFamily="2" charset="-122"/>
-                <a:cs typeface="Times New Roman" panose="02020603050405020304" pitchFamily="18" charset="0"/>
-              </a:rPr>
-              <a:t>Imbalanced dataset: If the dataset used for training is imbalanced, with fewer examples of the worst-performing class compared to other classes, the model might struggle to learn the features of that class. Addressing class imbalance through techniques like oversampling, </a:t>
-            </a:r>
-            <a:r>
-              <a:rPr lang="en-US" sz="1400" kern="100" dirty="0" err="1">
-                <a:solidFill>
-                  <a:srgbClr val="16388A"/>
-                </a:solidFill>
-                <a:latin typeface="Times New Roman" panose="02020603050405020304" pitchFamily="18" charset="0"/>
-                <a:ea typeface="华文新魏" panose="02010800040101010101" pitchFamily="2" charset="-122"/>
-                <a:cs typeface="Times New Roman" panose="02020603050405020304" pitchFamily="18" charset="0"/>
-              </a:rPr>
-              <a:t>undersampling</a:t>
-            </a:r>
-            <a:r>
-              <a:rPr lang="en-US" sz="1400" kern="100" dirty="0">
-                <a:solidFill>
-                  <a:srgbClr val="16388A"/>
-                </a:solidFill>
-                <a:latin typeface="Times New Roman" panose="02020603050405020304" pitchFamily="18" charset="0"/>
-                <a:ea typeface="华文新魏" panose="02010800040101010101" pitchFamily="2" charset="-122"/>
-                <a:cs typeface="Times New Roman" panose="02020603050405020304" pitchFamily="18" charset="0"/>
-              </a:rPr>
-              <a:t>, or using different loss functions (e.g., weighted cross-entropy loss) could potentially help improve the model's performance on the underrepresented class.</a:t>
-            </a:r>
-          </a:p>
-          <a:p>
-            <a:pPr algn="l"/>
-            <a:r>
-              <a:rPr lang="en-US" sz="1400" kern="100" dirty="0">
-                <a:solidFill>
-                  <a:srgbClr val="16388A"/>
-                </a:solidFill>
-                <a:latin typeface="Times New Roman" panose="02020603050405020304" pitchFamily="18" charset="0"/>
-                <a:ea typeface="华文新魏" panose="02010800040101010101" pitchFamily="2" charset="-122"/>
-                <a:cs typeface="Times New Roman" panose="02020603050405020304" pitchFamily="18" charset="0"/>
-              </a:rPr>
-              <a:t>       </a:t>
-            </a:r>
-          </a:p>
-          <a:p>
-            <a:pPr algn="l"/>
-            <a:r>
-              <a:rPr lang="en-US" sz="1400" kern="100" dirty="0">
-                <a:solidFill>
-                  <a:srgbClr val="16388A"/>
-                </a:solidFill>
-                <a:latin typeface="Times New Roman" panose="02020603050405020304" pitchFamily="18" charset="0"/>
-                <a:ea typeface="华文新魏" panose="02010800040101010101" pitchFamily="2" charset="-122"/>
-                <a:cs typeface="Times New Roman" panose="02020603050405020304" pitchFamily="18" charset="0"/>
-              </a:rPr>
-              <a:t>       To improve the model's performance, consider experimenting with different network architectures, increasing the training data size, using different data augmentation techniques, addressing class imbalance, or using transfer learning with pre-trained models.</a:t>
-            </a:r>
-          </a:p>
-          <a:p>
-            <a:endParaRPr lang="en-US" sz="1600" kern="100" dirty="0">
-              <a:solidFill>
-                <a:srgbClr val="16388A"/>
-              </a:solidFill>
-              <a:latin typeface="Times New Roman" panose="02020603050405020304" pitchFamily="18" charset="0"/>
-              <a:ea typeface="华文新魏" panose="02010800040101010101" pitchFamily="2" charset="-122"/>
-              <a:cs typeface="Times New Roman" panose="02020603050405020304" pitchFamily="18" charset="0"/>
-            </a:endParaRPr>
-          </a:p>
-        </p:txBody>
-      </p:sp>
-    </p:spTree>
-    <p:extLst>
-      <p:ext uri="{BB962C8B-B14F-4D97-AF65-F5344CB8AC3E}">
-        <p14:creationId xmlns:p14="http://schemas.microsoft.com/office/powerpoint/2010/main" val="3758680294"/>
-      </p:ext>
-    </p:extLst>
-  </p:cSld>
-  <p:clrMapOvr>
-    <a:masterClrMapping/>
-  </p:clrMapOvr>
-</p:sld>
-</file>
-
-<file path=ppt/slides/slide8.xml><?xml version="1.0" encoding="utf-8"?>
-<p:sld xmlns:a="http://schemas.openxmlformats.org/drawingml/2006/main" xmlns:r="http://schemas.openxmlformats.org/officeDocument/2006/relationships" xmlns:p="http://schemas.openxmlformats.org/presentationml/2006/main">
-  <p:cSld>
-    <p:spTree>
-      <p:nvGrpSpPr>
-        <p:cNvPr id="1" name=""/>
-        <p:cNvGrpSpPr/>
-        <p:nvPr/>
-      </p:nvGrpSpPr>
-      <p:grpSpPr>
-        <a:xfrm>
-          <a:off x="0" y="0"/>
-          <a:ext cx="0" cy="0"/>
-          <a:chOff x="0" y="0"/>
-          <a:chExt cx="0" cy="0"/>
-        </a:xfrm>
-      </p:grpSpPr>
-      <p:sp>
-        <p:nvSpPr>
-          <p:cNvPr id="5" name="TextBox 4">
-            <a:extLst>
-              <a:ext uri="{FF2B5EF4-FFF2-40B4-BE49-F238E27FC236}">
-                <a16:creationId xmlns:a16="http://schemas.microsoft.com/office/drawing/2014/main" id="{BBDE0A80-E695-49D3-9194-DDEFBE88EA21}"/>
-              </a:ext>
-            </a:extLst>
-          </p:cNvPr>
-          <p:cNvSpPr txBox="1"/>
-          <p:nvPr/>
-        </p:nvSpPr>
-        <p:spPr>
-          <a:xfrm>
-            <a:off x="111011" y="-22386"/>
-            <a:ext cx="11079643" cy="504625"/>
-          </a:xfrm>
-          <a:prstGeom prst="rect">
-            <a:avLst/>
-          </a:prstGeom>
-          <a:noFill/>
-        </p:spPr>
-        <p:txBody>
-          <a:bodyPr wrap="square">
-            <a:spAutoFit/>
-          </a:bodyPr>
-          <a:lstStyle/>
-          <a:p>
-            <a:pPr>
-              <a:lnSpc>
-                <a:spcPct val="150000"/>
-              </a:lnSpc>
-              <a:spcBef>
-                <a:spcPts val="1000"/>
-              </a:spcBef>
-              <a:defRPr/>
-            </a:pPr>
-            <a:r>
-              <a:rPr lang="en-US" sz="2000" b="1" kern="100" dirty="0">
-                <a:solidFill>
-                  <a:srgbClr val="16388A"/>
-                </a:solidFill>
-                <a:latin typeface="Times New Roman" panose="02020603050405020304" pitchFamily="18" charset="0"/>
-                <a:ea typeface="华文新魏" panose="02010800040101010101" pitchFamily="2" charset="-122"/>
-                <a:cs typeface="Times New Roman" panose="02020603050405020304" pitchFamily="18" charset="0"/>
-              </a:rPr>
-              <a:t>Interpretation </a:t>
-            </a:r>
-            <a:r>
-              <a:rPr lang="en-US" sz="2000" kern="100" dirty="0">
-                <a:solidFill>
-                  <a:srgbClr val="16388A"/>
-                </a:solidFill>
-                <a:latin typeface="Times New Roman" panose="02020603050405020304" pitchFamily="18" charset="0"/>
-                <a:ea typeface="华文新魏" panose="02010800040101010101" pitchFamily="2" charset="-122"/>
-                <a:cs typeface="Times New Roman" panose="02020603050405020304" pitchFamily="18" charset="0"/>
-              </a:rPr>
-              <a:t>&amp;</a:t>
-            </a:r>
-            <a:r>
-              <a:rPr lang="en-US" sz="2000" b="1" kern="100" dirty="0">
-                <a:solidFill>
-                  <a:srgbClr val="16388A"/>
-                </a:solidFill>
-                <a:latin typeface="Times New Roman" panose="02020603050405020304" pitchFamily="18" charset="0"/>
-                <a:ea typeface="华文新魏" panose="02010800040101010101" pitchFamily="2" charset="-122"/>
-                <a:cs typeface="Times New Roman" panose="02020603050405020304" pitchFamily="18" charset="0"/>
-              </a:rPr>
-              <a:t> </a:t>
-            </a:r>
-            <a:r>
-              <a:rPr lang="en-US" altLang="zh-CN" sz="2000" b="1" kern="100" dirty="0">
-                <a:solidFill>
-                  <a:srgbClr val="16388A"/>
-                </a:solidFill>
-                <a:latin typeface="Times New Roman" panose="02020603050405020304" pitchFamily="18" charset="0"/>
-                <a:ea typeface="华文新魏" panose="02010800040101010101" pitchFamily="2" charset="-122"/>
-                <a:cs typeface="Times New Roman" panose="02020603050405020304" pitchFamily="18" charset="0"/>
-              </a:rPr>
-              <a:t>Discussion</a:t>
-            </a:r>
-            <a:endParaRPr lang="en-US" sz="2000" b="1" kern="100" dirty="0">
-              <a:solidFill>
-                <a:srgbClr val="16388A"/>
-              </a:solidFill>
-              <a:latin typeface="Times New Roman" panose="02020603050405020304" pitchFamily="18" charset="0"/>
-              <a:ea typeface="华文新魏" panose="02010800040101010101" pitchFamily="2" charset="-122"/>
-              <a:cs typeface="Times New Roman" panose="02020603050405020304" pitchFamily="18" charset="0"/>
-            </a:endParaRPr>
-          </a:p>
-        </p:txBody>
-      </p:sp>
-      <p:sp>
-        <p:nvSpPr>
-          <p:cNvPr id="10" name="TextBox 9">
-            <a:extLst>
-              <a:ext uri="{FF2B5EF4-FFF2-40B4-BE49-F238E27FC236}">
-                <a16:creationId xmlns:a16="http://schemas.microsoft.com/office/drawing/2014/main" id="{D756342A-43F3-4142-A0AD-A65E1882C576}"/>
-              </a:ext>
-            </a:extLst>
-          </p:cNvPr>
-          <p:cNvSpPr txBox="1"/>
-          <p:nvPr/>
-        </p:nvSpPr>
-        <p:spPr>
-          <a:xfrm>
-            <a:off x="111011" y="437789"/>
-            <a:ext cx="7384269" cy="6694140"/>
+            <a:off x="139632" y="560866"/>
+            <a:ext cx="6094268" cy="6161687"/>
           </a:xfrm>
           <a:prstGeom prst="rect">
             <a:avLst/>
@@ -19949,628 +17816,85 @@
           <a:p>
             <a:pPr algn="just"/>
             <a:r>
-              <a:rPr lang="en-US" sz="1300" kern="100" dirty="0">
-                <a:solidFill>
-                  <a:srgbClr val="16388A"/>
-                </a:solidFill>
-                <a:latin typeface="Times New Roman" panose="02020603050405020304" pitchFamily="18" charset="0"/>
-                <a:ea typeface="华文新魏" panose="02010800040101010101" pitchFamily="2" charset="-122"/>
-                <a:cs typeface="Times New Roman" panose="02020603050405020304" pitchFamily="18" charset="0"/>
-              </a:rPr>
-              <a:t>        This assignment aimed to implement a computer vision model, likely a convolutional neural network (CNN), to perform image classification on a given dataset. The goal was to train the model to learn the features of the images and correctly classify them into their respective classes.</a:t>
+              <a:rPr lang="en-US" sz="1360" dirty="0"/>
+              <a:t>Interpretation of Results:</a:t>
             </a:r>
           </a:p>
           <a:p>
-            <a:pPr algn="just"/>
+            <a:pPr indent="457200" algn="just"/>
             <a:r>
-              <a:rPr lang="en-US" sz="1300" kern="100" dirty="0">
-                <a:solidFill>
-                  <a:srgbClr val="16388A"/>
-                </a:solidFill>
-                <a:latin typeface="Times New Roman" panose="02020603050405020304" pitchFamily="18" charset="0"/>
-                <a:ea typeface="华文新魏" panose="02010800040101010101" pitchFamily="2" charset="-122"/>
-                <a:cs typeface="Times New Roman" panose="02020603050405020304" pitchFamily="18" charset="0"/>
-              </a:rPr>
-              <a:t>        </a:t>
-            </a:r>
-            <a:r>
-              <a:rPr lang="en-US" sz="1300" b="1" kern="100" dirty="0">
-                <a:solidFill>
-                  <a:srgbClr val="16388A"/>
-                </a:solidFill>
-                <a:latin typeface="Times New Roman" panose="02020603050405020304" pitchFamily="18" charset="0"/>
-                <a:ea typeface="华文新魏" panose="02010800040101010101" pitchFamily="2" charset="-122"/>
-                <a:cs typeface="Times New Roman" panose="02020603050405020304" pitchFamily="18" charset="0"/>
-              </a:rPr>
-              <a:t>Objectives</a:t>
-            </a:r>
-            <a:r>
-              <a:rPr lang="en-US" sz="1300" kern="100" dirty="0">
-                <a:solidFill>
-                  <a:srgbClr val="16388A"/>
-                </a:solidFill>
-                <a:latin typeface="Times New Roman" panose="02020603050405020304" pitchFamily="18" charset="0"/>
-                <a:ea typeface="华文新魏" panose="02010800040101010101" pitchFamily="2" charset="-122"/>
-                <a:cs typeface="Times New Roman" panose="02020603050405020304" pitchFamily="18" charset="0"/>
-              </a:rPr>
-              <a:t>: 1. Understand the dataset: It is crucial to explore and analyze the dataset to get an idea of the distribution of classes, the variety of images, and any potential class imbalance. This step helps determine the appropriate preprocessing techniques, data augmentation strategies, and network architectures; 2. Preprocess the data: The dataset needs to be preprocessed, including resizing, normalization, and data augmentation, to improve the model's ability to learn the features and generalize better; 3. Implement the model: Design and implement a suitable CNN architecture for image classification. The model should be able to learn the distinguishing features of the different classes and classify images with reasonable accuracy; 4. Train and evaluate the model: Train the model using an appropriate loss function and optimization algorithm. Evaluate the model's performance using relevant metrics, such as accuracy, precision, recall, and F1-score. A confusion matrix can also be used to identify the classes that the model struggles with the most.</a:t>
+              <a:rPr lang="en-US" sz="1360" dirty="0"/>
+              <a:t>Upon evaluating the segmentation results generated by the DeepLabV3-ResNet50 model, we observe that the model performs well in segmenting various objects within the test images. The generated segmentation masks generally align well with the boundaries of the objects in the original images, and the model is successful in identifying and classifying most objects accurately.</a:t>
             </a:r>
           </a:p>
           <a:p>
-            <a:pPr algn="just"/>
+            <a:pPr indent="457200" algn="just"/>
             <a:r>
-              <a:rPr lang="en-US" sz="1300" kern="100" dirty="0">
-                <a:solidFill>
-                  <a:srgbClr val="16388A"/>
-                </a:solidFill>
-                <a:latin typeface="Times New Roman" panose="02020603050405020304" pitchFamily="18" charset="0"/>
-                <a:ea typeface="华文新魏" panose="02010800040101010101" pitchFamily="2" charset="-122"/>
-                <a:cs typeface="Times New Roman" panose="02020603050405020304" pitchFamily="18" charset="0"/>
-              </a:rPr>
-              <a:t>        </a:t>
-            </a:r>
-            <a:r>
-              <a:rPr lang="en-US" sz="1300" b="1" kern="100" dirty="0">
-                <a:solidFill>
-                  <a:srgbClr val="16388A"/>
-                </a:solidFill>
-                <a:latin typeface="Times New Roman" panose="02020603050405020304" pitchFamily="18" charset="0"/>
-                <a:ea typeface="华文新魏" panose="02010800040101010101" pitchFamily="2" charset="-122"/>
-                <a:cs typeface="Times New Roman" panose="02020603050405020304" pitchFamily="18" charset="0"/>
-              </a:rPr>
-              <a:t>Challenges</a:t>
-            </a:r>
-            <a:r>
-              <a:rPr lang="en-US" sz="1300" kern="100" dirty="0">
-                <a:solidFill>
-                  <a:srgbClr val="16388A"/>
-                </a:solidFill>
-                <a:latin typeface="Times New Roman" panose="02020603050405020304" pitchFamily="18" charset="0"/>
-                <a:ea typeface="华文新魏" panose="02010800040101010101" pitchFamily="2" charset="-122"/>
-                <a:cs typeface="Times New Roman" panose="02020603050405020304" pitchFamily="18" charset="0"/>
-              </a:rPr>
-              <a:t>: 1. Choosing the right network architecture: Designing an optimal CNN architecture for the task can be challenging. It requires experimenting with different layer types, depth, and activation functions; 2. Dealing with class imbalance: If the dataset is imbalanced, the model might struggle to learn the features of underrepresented classes. Techniques like oversampling, </a:t>
-            </a:r>
-            <a:r>
-              <a:rPr lang="en-US" sz="1300" kern="100" dirty="0" err="1">
-                <a:solidFill>
-                  <a:srgbClr val="16388A"/>
-                </a:solidFill>
-                <a:latin typeface="Times New Roman" panose="02020603050405020304" pitchFamily="18" charset="0"/>
-                <a:ea typeface="华文新魏" panose="02010800040101010101" pitchFamily="2" charset="-122"/>
-                <a:cs typeface="Times New Roman" panose="02020603050405020304" pitchFamily="18" charset="0"/>
-              </a:rPr>
-              <a:t>undersampling</a:t>
-            </a:r>
-            <a:r>
-              <a:rPr lang="en-US" sz="1300" kern="100" dirty="0">
-                <a:solidFill>
-                  <a:srgbClr val="16388A"/>
-                </a:solidFill>
-                <a:latin typeface="Times New Roman" panose="02020603050405020304" pitchFamily="18" charset="0"/>
-                <a:ea typeface="华文新魏" panose="02010800040101010101" pitchFamily="2" charset="-122"/>
-                <a:cs typeface="Times New Roman" panose="02020603050405020304" pitchFamily="18" charset="0"/>
-              </a:rPr>
-              <a:t>, or using different loss functions can help address this issue; 3. Handling similar classes: If certain classes share similar visual features, the model might have difficulties differentiating between them.</a:t>
+              <a:rPr lang="en-US" sz="1360" dirty="0"/>
+              <a:t>However, in some cases, the model demonstrates shortcomings in its segmentation capabilities:</a:t>
             </a:r>
           </a:p>
           <a:p>
-            <a:pPr algn="just"/>
+            <a:pPr marL="342900" indent="-342900" algn="just">
+              <a:buFont typeface="+mj-lt"/>
+              <a:buAutoNum type="arabicPeriod"/>
+            </a:pPr>
             <a:r>
-              <a:rPr lang="en-US" sz="1300" kern="100" dirty="0">
-                <a:solidFill>
-                  <a:srgbClr val="16388A"/>
-                </a:solidFill>
-                <a:latin typeface="Times New Roman" panose="02020603050405020304" pitchFamily="18" charset="0"/>
-                <a:ea typeface="华文新魏" panose="02010800040101010101" pitchFamily="2" charset="-122"/>
-                <a:cs typeface="Times New Roman" panose="02020603050405020304" pitchFamily="18" charset="0"/>
-              </a:rPr>
-              <a:t>        </a:t>
-            </a:r>
-            <a:r>
-              <a:rPr lang="en-US" sz="1300" b="1" kern="100" dirty="0">
-                <a:solidFill>
-                  <a:srgbClr val="16388A"/>
-                </a:solidFill>
-                <a:latin typeface="Times New Roman" panose="02020603050405020304" pitchFamily="18" charset="0"/>
-                <a:ea typeface="华文新魏" panose="02010800040101010101" pitchFamily="2" charset="-122"/>
-                <a:cs typeface="Times New Roman" panose="02020603050405020304" pitchFamily="18" charset="0"/>
-              </a:rPr>
-              <a:t>Potential Improvements</a:t>
-            </a:r>
-            <a:r>
-              <a:rPr lang="en-US" sz="1300" kern="100" dirty="0">
-                <a:solidFill>
-                  <a:srgbClr val="16388A"/>
-                </a:solidFill>
-                <a:latin typeface="Times New Roman" panose="02020603050405020304" pitchFamily="18" charset="0"/>
-                <a:ea typeface="华文新魏" panose="02010800040101010101" pitchFamily="2" charset="-122"/>
-                <a:cs typeface="Times New Roman" panose="02020603050405020304" pitchFamily="18" charset="0"/>
-              </a:rPr>
-              <a:t>: 2. Experiment with different network architectures: Try deeper or more complex networks, or use pre-trained models via transfer learning to improve the model's performance; 2.Use advanced techniques: Implement advanced techniques like residual connections, batch normalization, or dropout to enhance the model's ability to generalize; 3. Address class imbalance: Experiment with techniques like oversampling, </a:t>
-            </a:r>
-            <a:r>
-              <a:rPr lang="en-US" sz="1300" kern="100" dirty="0" err="1">
-                <a:solidFill>
-                  <a:srgbClr val="16388A"/>
-                </a:solidFill>
-                <a:latin typeface="Times New Roman" panose="02020603050405020304" pitchFamily="18" charset="0"/>
-                <a:ea typeface="华文新魏" panose="02010800040101010101" pitchFamily="2" charset="-122"/>
-                <a:cs typeface="Times New Roman" panose="02020603050405020304" pitchFamily="18" charset="0"/>
-              </a:rPr>
-              <a:t>undersampling</a:t>
-            </a:r>
-            <a:r>
-              <a:rPr lang="en-US" sz="1300" kern="100" dirty="0">
-                <a:solidFill>
-                  <a:srgbClr val="16388A"/>
-                </a:solidFill>
-                <a:latin typeface="Times New Roman" panose="02020603050405020304" pitchFamily="18" charset="0"/>
-                <a:ea typeface="华文新魏" panose="02010800040101010101" pitchFamily="2" charset="-122"/>
-                <a:cs typeface="Times New Roman" panose="02020603050405020304" pitchFamily="18" charset="0"/>
-              </a:rPr>
-              <a:t>, or using different loss functions to improve the model's performance on underrepresented classes; 4. Optimize hyperparameters: Perform hyperparameter tuning, such as adjusting the learning rate, batch size, and number of epochs, to find the best combination that maximizes the model's performance.</a:t>
+              <a:rPr lang="en-US" sz="1360" dirty="0"/>
+              <a:t>Confusion between similar classes: The model may struggle to differentiate between objects with similar appearances or structures. For example, the model might confuse a chair with a table or a bird with an airplane due to their similarities in shape and context.</a:t>
             </a:r>
           </a:p>
           <a:p>
-            <a:pPr algn="just"/>
+            <a:pPr marL="342900" indent="-342900" algn="just">
+              <a:buFont typeface="+mj-lt"/>
+              <a:buAutoNum type="arabicPeriod"/>
+            </a:pPr>
             <a:r>
-              <a:rPr lang="en-US" sz="1300" kern="100" dirty="0">
-                <a:solidFill>
-                  <a:srgbClr val="16388A"/>
-                </a:solidFill>
-                <a:latin typeface="Times New Roman" panose="02020603050405020304" pitchFamily="18" charset="0"/>
-                <a:ea typeface="华文新魏" panose="02010800040101010101" pitchFamily="2" charset="-122"/>
-                <a:cs typeface="Times New Roman" panose="02020603050405020304" pitchFamily="18" charset="0"/>
-              </a:rPr>
-              <a:t>        </a:t>
+              <a:rPr lang="en-US" sz="1360" dirty="0"/>
+              <a:t>Small objects or fine details: The model might fail to capture small objects or objects with intricate details, as these might be less represented in the training dataset or lost during </a:t>
             </a:r>
             <a:r>
-              <a:rPr lang="en-US" sz="1300" b="1" kern="100" dirty="0">
-                <a:solidFill>
-                  <a:srgbClr val="16388A"/>
-                </a:solidFill>
-                <a:latin typeface="Times New Roman" panose="02020603050405020304" pitchFamily="18" charset="0"/>
-                <a:ea typeface="华文新魏" panose="02010800040101010101" pitchFamily="2" charset="-122"/>
-                <a:cs typeface="Times New Roman" panose="02020603050405020304" pitchFamily="18" charset="0"/>
-              </a:rPr>
-              <a:t>In conclusion</a:t>
+              <a:rPr lang="en-US" sz="1360"/>
+              <a:t>the down-sampling </a:t>
             </a:r>
             <a:r>
-              <a:rPr lang="en-US" sz="1300" kern="100" dirty="0">
-                <a:solidFill>
-                  <a:srgbClr val="16388A"/>
-                </a:solidFill>
-                <a:latin typeface="Times New Roman" panose="02020603050405020304" pitchFamily="18" charset="0"/>
-                <a:ea typeface="华文新魏" panose="02010800040101010101" pitchFamily="2" charset="-122"/>
-                <a:cs typeface="Times New Roman" panose="02020603050405020304" pitchFamily="18" charset="0"/>
-              </a:rPr>
-              <a:t>, this assignment provided valuable experience in implementing and evaluating a computer vision model for image classification. By addressing the challenges and implementing potential improvements, the model's performance can be further enhanced, paving the way for more accurate and robust image classification solutions.</a:t>
+              <a:rPr lang="en-US" sz="1360" dirty="0"/>
+              <a:t>process in the model architecture.</a:t>
+            </a:r>
+          </a:p>
+          <a:p>
+            <a:pPr marL="342900" indent="-342900" algn="just">
+              <a:buFont typeface="+mj-lt"/>
+              <a:buAutoNum type="arabicPeriod"/>
+            </a:pPr>
+            <a:r>
+              <a:rPr lang="en-US" sz="1360" dirty="0"/>
+              <a:t>Occlusion and overlap: When objects are partially occluded or overlapping, the model may have difficulty distinguishing between them, leading to incorrect segmentation or class labels.</a:t>
+            </a:r>
+          </a:p>
+          <a:p>
+            <a:pPr marL="342900" indent="-342900" algn="just">
+              <a:buFont typeface="+mj-lt"/>
+              <a:buAutoNum type="arabicPeriod"/>
+            </a:pPr>
+            <a:r>
+              <a:rPr lang="en-US" sz="1360" dirty="0"/>
+              <a:t>Varied appearances: If objects within the same class have a wide range of appearances, the model might not be able to recognize all instances, especially if they deviate significantly from the training examples.</a:t>
+            </a:r>
+          </a:p>
+          <a:p>
+            <a:pPr indent="457200" algn="just"/>
+            <a:r>
+              <a:rPr lang="en-US" sz="1360" dirty="0"/>
+              <a:t>Overall, the DeepLabV3-ResNet50 model demonstrates robust performance in semantic image segmentation. Nonetheless, there is room for improvement in addressing the aforementioned challenges. Future work could explore techniques such as data augmentation, incorporating additional training data, using more advanced model architectures, or applying post-processing methods to refine segmentation results. By addressing these limitations, the model's performance can be further enhanced, making it more suitable for a wide range of real-world applications.</a:t>
             </a:r>
           </a:p>
         </p:txBody>
       </p:sp>
-      <p:cxnSp>
-        <p:nvCxnSpPr>
-          <p:cNvPr id="17" name="Straight Connector 16">
-            <a:extLst>
-              <a:ext uri="{FF2B5EF4-FFF2-40B4-BE49-F238E27FC236}">
-                <a16:creationId xmlns:a16="http://schemas.microsoft.com/office/drawing/2014/main" id="{6046326F-9694-4909-8539-052E6D45B3D3}"/>
-              </a:ext>
-            </a:extLst>
-          </p:cNvPr>
-          <p:cNvCxnSpPr>
-            <a:cxnSpLocks/>
-          </p:cNvCxnSpPr>
-          <p:nvPr/>
-        </p:nvCxnSpPr>
-        <p:spPr>
-          <a:xfrm>
-            <a:off x="7575606" y="0"/>
-            <a:ext cx="0" cy="6858000"/>
-          </a:xfrm>
-          <a:prstGeom prst="line">
-            <a:avLst/>
-          </a:prstGeom>
-          <a:ln w="38100">
-            <a:solidFill>
-              <a:schemeClr val="tx1"/>
-            </a:solidFill>
-          </a:ln>
-        </p:spPr>
-        <p:style>
-          <a:lnRef idx="1">
-            <a:schemeClr val="dk1"/>
-          </a:lnRef>
-          <a:fillRef idx="0">
-            <a:schemeClr val="dk1"/>
-          </a:fillRef>
-          <a:effectRef idx="0">
-            <a:schemeClr val="dk1"/>
-          </a:effectRef>
-          <a:fontRef idx="minor">
-            <a:schemeClr val="tx1"/>
-          </a:fontRef>
-        </p:style>
-      </p:cxnSp>
-      <mc:AlternateContent xmlns:mc="http://schemas.openxmlformats.org/markup-compatibility/2006">
-        <mc:Choice xmlns:pslz="http://schemas.microsoft.com/office/powerpoint/2016/slidezoom" Requires="pslz">
-          <p:graphicFrame>
-            <p:nvGraphicFramePr>
-              <p:cNvPr id="6" name="Slide Zoom 5">
-                <a:extLst>
-                  <a:ext uri="{FF2B5EF4-FFF2-40B4-BE49-F238E27FC236}">
-                    <a16:creationId xmlns:a16="http://schemas.microsoft.com/office/drawing/2014/main" id="{FC6C34AE-189E-4695-9E01-03078AAD076D}"/>
-                  </a:ext>
-                </a:extLst>
-              </p:cNvPr>
-              <p:cNvGraphicFramePr>
-                <a:graphicFrameLocks noChangeAspect="1"/>
-              </p:cNvGraphicFramePr>
-              <p:nvPr>
-                <p:extLst>
-                  <p:ext uri="{D42A27DB-BD31-4B8C-83A1-F6EECF244321}">
-                    <p14:modId xmlns:p14="http://schemas.microsoft.com/office/powerpoint/2010/main" val="1242101660"/>
-                  </p:ext>
-                </p:extLst>
-              </p:nvPr>
-            </p:nvGraphicFramePr>
-            <p:xfrm>
-              <a:off x="8811195" y="80821"/>
-              <a:ext cx="3251200" cy="1828800"/>
-            </p:xfrm>
-            <a:graphic>
-              <a:graphicData uri="http://schemas.microsoft.com/office/powerpoint/2016/slidezoom">
-                <pslz:sldZm>
-                  <pslz:sldZmObj sldId="304" cId="77921929">
-                    <pslz:zmPr id="{7BC189C0-F562-486C-8416-EECC7186035B}" returnToParent="0" transitionDur="1000">
-                      <p166:blipFill xmlns:p166="http://schemas.microsoft.com/office/powerpoint/2016/6/main">
-                        <a:blip r:embed="rId2"/>
-                        <a:stretch>
-                          <a:fillRect/>
-                        </a:stretch>
-                      </p166:blipFill>
-                      <p166:spPr xmlns:p166="http://schemas.microsoft.com/office/powerpoint/2016/6/main">
-                        <a:xfrm>
-                          <a:off x="0" y="0"/>
-                          <a:ext cx="3251200" cy="1828800"/>
-                        </a:xfrm>
-                        <a:prstGeom prst="rect">
-                          <a:avLst/>
-                        </a:prstGeom>
-                      </p166:spPr>
-                    </pslz:zmPr>
-                  </pslz:sldZmObj>
-                </pslz:sldZm>
-              </a:graphicData>
-            </a:graphic>
-          </p:graphicFrame>
-        </mc:Choice>
-        <mc:Fallback>
-          <p:pic>
-            <p:nvPicPr>
-              <p:cNvPr id="6" name="Slide Zoom 5">
-                <a:extLst>
-                  <a:ext uri="{FF2B5EF4-FFF2-40B4-BE49-F238E27FC236}">
-                    <a16:creationId xmlns:a16="http://schemas.microsoft.com/office/drawing/2014/main" id="{FC6C34AE-189E-4695-9E01-03078AAD076D}"/>
-                  </a:ext>
-                </a:extLst>
-              </p:cNvPr>
-              <p:cNvPicPr>
-                <a:picLocks noGrp="1" noRot="1" noChangeAspect="1" noMove="1" noResize="1" noEditPoints="1" noAdjustHandles="1" noChangeArrowheads="1" noChangeShapeType="1"/>
-              </p:cNvPicPr>
-              <p:nvPr/>
-            </p:nvPicPr>
-            <p:blipFill>
-              <a:blip r:embed="rId2"/>
-              <a:stretch>
-                <a:fillRect/>
-              </a:stretch>
-            </p:blipFill>
-            <p:spPr>
-              <a:xfrm>
-                <a:off x="8811195" y="80821"/>
-                <a:ext cx="3251200" cy="1828800"/>
-              </a:xfrm>
-              <a:prstGeom prst="rect">
-                <a:avLst/>
-              </a:prstGeom>
-            </p:spPr>
-          </p:pic>
-        </mc:Fallback>
-      </mc:AlternateContent>
-      <mc:AlternateContent xmlns:mc="http://schemas.openxmlformats.org/markup-compatibility/2006">
-        <mc:Choice xmlns:pslz="http://schemas.microsoft.com/office/powerpoint/2016/slidezoom" Requires="pslz">
-          <p:graphicFrame>
-            <p:nvGraphicFramePr>
-              <p:cNvPr id="7" name="Slide Zoom 6">
-                <a:extLst>
-                  <a:ext uri="{FF2B5EF4-FFF2-40B4-BE49-F238E27FC236}">
-                    <a16:creationId xmlns:a16="http://schemas.microsoft.com/office/drawing/2014/main" id="{527C4895-A555-491C-ABAF-8513FD0121D2}"/>
-                  </a:ext>
-                </a:extLst>
-              </p:cNvPr>
-              <p:cNvGraphicFramePr>
-                <a:graphicFrameLocks noChangeAspect="1"/>
-              </p:cNvGraphicFramePr>
-              <p:nvPr>
-                <p:extLst>
-                  <p:ext uri="{D42A27DB-BD31-4B8C-83A1-F6EECF244321}">
-                    <p14:modId xmlns:p14="http://schemas.microsoft.com/office/powerpoint/2010/main" val="3764733727"/>
-                  </p:ext>
-                </p:extLst>
-              </p:nvPr>
-            </p:nvGraphicFramePr>
-            <p:xfrm>
-              <a:off x="7655930" y="1701491"/>
-              <a:ext cx="3251200" cy="1828800"/>
-            </p:xfrm>
-            <a:graphic>
-              <a:graphicData uri="http://schemas.microsoft.com/office/powerpoint/2016/slidezoom">
-                <pslz:sldZm>
-                  <pslz:sldZmObj sldId="306" cId="2568135176">
-                    <pslz:zmPr id="{31966603-D083-4456-92AA-97787BD1F90F}" returnToParent="0" transitionDur="1000">
-                      <p166:blipFill xmlns:p166="http://schemas.microsoft.com/office/powerpoint/2016/6/main">
-                        <a:blip r:embed="rId3"/>
-                        <a:stretch>
-                          <a:fillRect/>
-                        </a:stretch>
-                      </p166:blipFill>
-                      <p166:spPr xmlns:p166="http://schemas.microsoft.com/office/powerpoint/2016/6/main">
-                        <a:xfrm>
-                          <a:off x="0" y="0"/>
-                          <a:ext cx="3251200" cy="1828800"/>
-                        </a:xfrm>
-                        <a:prstGeom prst="rect">
-                          <a:avLst/>
-                        </a:prstGeom>
-                        <a:ln w="3175">
-                          <a:solidFill>
-                            <a:prstClr val="ltGray"/>
-                          </a:solidFill>
-                        </a:ln>
-                      </p166:spPr>
-                    </pslz:zmPr>
-                  </pslz:sldZmObj>
-                </pslz:sldZm>
-              </a:graphicData>
-            </a:graphic>
-          </p:graphicFrame>
-        </mc:Choice>
-        <mc:Fallback>
-          <p:pic>
-            <p:nvPicPr>
-              <p:cNvPr id="7" name="Slide Zoom 6">
-                <a:extLst>
-                  <a:ext uri="{FF2B5EF4-FFF2-40B4-BE49-F238E27FC236}">
-                    <a16:creationId xmlns:a16="http://schemas.microsoft.com/office/drawing/2014/main" id="{527C4895-A555-491C-ABAF-8513FD0121D2}"/>
-                  </a:ext>
-                </a:extLst>
-              </p:cNvPr>
-              <p:cNvPicPr>
-                <a:picLocks noGrp="1" noRot="1" noChangeAspect="1" noMove="1" noResize="1" noEditPoints="1" noAdjustHandles="1" noChangeArrowheads="1" noChangeShapeType="1"/>
-              </p:cNvPicPr>
-              <p:nvPr/>
-            </p:nvPicPr>
-            <p:blipFill>
-              <a:blip r:embed="rId3"/>
-              <a:stretch>
-                <a:fillRect/>
-              </a:stretch>
-            </p:blipFill>
-            <p:spPr>
-              <a:xfrm>
-                <a:off x="7655930" y="1701491"/>
-                <a:ext cx="3251200" cy="1828800"/>
-              </a:xfrm>
-              <a:prstGeom prst="rect">
-                <a:avLst/>
-              </a:prstGeom>
-              <a:ln w="3175">
-                <a:solidFill>
-                  <a:prstClr val="ltGray"/>
-                </a:solidFill>
-              </a:ln>
-            </p:spPr>
-          </p:pic>
-        </mc:Fallback>
-      </mc:AlternateContent>
-      <mc:AlternateContent xmlns:mc="http://schemas.openxmlformats.org/markup-compatibility/2006">
-        <mc:Choice xmlns:pslz="http://schemas.microsoft.com/office/powerpoint/2016/slidezoom" Requires="pslz">
-          <p:graphicFrame>
-            <p:nvGraphicFramePr>
-              <p:cNvPr id="8" name="Slide Zoom 7">
-                <a:extLst>
-                  <a:ext uri="{FF2B5EF4-FFF2-40B4-BE49-F238E27FC236}">
-                    <a16:creationId xmlns:a16="http://schemas.microsoft.com/office/drawing/2014/main" id="{710EED48-BC66-431C-BF12-A8926F7D6582}"/>
-                  </a:ext>
-                </a:extLst>
-              </p:cNvPr>
-              <p:cNvGraphicFramePr>
-                <a:graphicFrameLocks noChangeAspect="1"/>
-              </p:cNvGraphicFramePr>
-              <p:nvPr>
-                <p:extLst>
-                  <p:ext uri="{D42A27DB-BD31-4B8C-83A1-F6EECF244321}">
-                    <p14:modId xmlns:p14="http://schemas.microsoft.com/office/powerpoint/2010/main" val="1272270282"/>
-                  </p:ext>
-                </p:extLst>
-              </p:nvPr>
-            </p:nvGraphicFramePr>
-            <p:xfrm>
-              <a:off x="8811195" y="3324935"/>
-              <a:ext cx="3251200" cy="1828800"/>
-            </p:xfrm>
-            <a:graphic>
-              <a:graphicData uri="http://schemas.microsoft.com/office/powerpoint/2016/slidezoom">
-                <pslz:sldZm>
-                  <pslz:sldZmObj sldId="307" cId="3864501305">
-                    <pslz:zmPr id="{0E421F28-D767-4E9E-B2DF-971C91EC4C5E}" returnToParent="0" transitionDur="1000">
-                      <p166:blipFill xmlns:p166="http://schemas.microsoft.com/office/powerpoint/2016/6/main">
-                        <a:blip r:embed="rId4"/>
-                        <a:stretch>
-                          <a:fillRect/>
-                        </a:stretch>
-                      </p166:blipFill>
-                      <p166:spPr xmlns:p166="http://schemas.microsoft.com/office/powerpoint/2016/6/main">
-                        <a:xfrm>
-                          <a:off x="0" y="0"/>
-                          <a:ext cx="3251200" cy="1828800"/>
-                        </a:xfrm>
-                        <a:prstGeom prst="rect">
-                          <a:avLst/>
-                        </a:prstGeom>
-                        <a:ln w="3175">
-                          <a:solidFill>
-                            <a:prstClr val="ltGray"/>
-                          </a:solidFill>
-                        </a:ln>
-                      </p166:spPr>
-                    </pslz:zmPr>
-                  </pslz:sldZmObj>
-                </pslz:sldZm>
-              </a:graphicData>
-            </a:graphic>
-          </p:graphicFrame>
-        </mc:Choice>
-        <mc:Fallback>
-          <p:pic>
-            <p:nvPicPr>
-              <p:cNvPr id="8" name="Slide Zoom 7">
-                <a:extLst>
-                  <a:ext uri="{FF2B5EF4-FFF2-40B4-BE49-F238E27FC236}">
-                    <a16:creationId xmlns:a16="http://schemas.microsoft.com/office/drawing/2014/main" id="{710EED48-BC66-431C-BF12-A8926F7D6582}"/>
-                  </a:ext>
-                </a:extLst>
-              </p:cNvPr>
-              <p:cNvPicPr>
-                <a:picLocks noGrp="1" noRot="1" noChangeAspect="1" noMove="1" noResize="1" noEditPoints="1" noAdjustHandles="1" noChangeArrowheads="1" noChangeShapeType="1"/>
-              </p:cNvPicPr>
-              <p:nvPr/>
-            </p:nvPicPr>
-            <p:blipFill>
-              <a:blip r:embed="rId4"/>
-              <a:stretch>
-                <a:fillRect/>
-              </a:stretch>
-            </p:blipFill>
-            <p:spPr>
-              <a:xfrm>
-                <a:off x="8811195" y="3324935"/>
-                <a:ext cx="3251200" cy="1828800"/>
-              </a:xfrm>
-              <a:prstGeom prst="rect">
-                <a:avLst/>
-              </a:prstGeom>
-              <a:ln w="3175">
-                <a:solidFill>
-                  <a:prstClr val="ltGray"/>
-                </a:solidFill>
-              </a:ln>
-            </p:spPr>
-          </p:pic>
-        </mc:Fallback>
-      </mc:AlternateContent>
-      <mc:AlternateContent xmlns:mc="http://schemas.openxmlformats.org/markup-compatibility/2006">
-        <mc:Choice xmlns:pslz="http://schemas.microsoft.com/office/powerpoint/2016/slidezoom" Requires="pslz">
-          <p:graphicFrame>
-            <p:nvGraphicFramePr>
-              <p:cNvPr id="9" name="Slide Zoom 8">
-                <a:extLst>
-                  <a:ext uri="{FF2B5EF4-FFF2-40B4-BE49-F238E27FC236}">
-                    <a16:creationId xmlns:a16="http://schemas.microsoft.com/office/drawing/2014/main" id="{736FFCF2-3C5C-4A20-ADF6-42B9617526E5}"/>
-                  </a:ext>
-                </a:extLst>
-              </p:cNvPr>
-              <p:cNvGraphicFramePr>
-                <a:graphicFrameLocks noChangeAspect="1"/>
-              </p:cNvGraphicFramePr>
-              <p:nvPr>
-                <p:extLst>
-                  <p:ext uri="{D42A27DB-BD31-4B8C-83A1-F6EECF244321}">
-                    <p14:modId xmlns:p14="http://schemas.microsoft.com/office/powerpoint/2010/main" val="1263158715"/>
-                  </p:ext>
-                </p:extLst>
-              </p:nvPr>
-            </p:nvGraphicFramePr>
-            <p:xfrm>
-              <a:off x="7655930" y="4948379"/>
-              <a:ext cx="3251200" cy="1828800"/>
-            </p:xfrm>
-            <a:graphic>
-              <a:graphicData uri="http://schemas.microsoft.com/office/powerpoint/2016/slidezoom">
-                <pslz:sldZm>
-                  <pslz:sldZmObj sldId="308" cId="3758680294">
-                    <pslz:zmPr id="{A6E8FC35-551B-4C64-8503-943B6C5B01AC}" returnToParent="0" transitionDur="1000">
-                      <p166:blipFill xmlns:p166="http://schemas.microsoft.com/office/powerpoint/2016/6/main">
-                        <a:blip r:embed="rId5"/>
-                        <a:stretch>
-                          <a:fillRect/>
-                        </a:stretch>
-                      </p166:blipFill>
-                      <p166:spPr xmlns:p166="http://schemas.microsoft.com/office/powerpoint/2016/6/main">
-                        <a:xfrm>
-                          <a:off x="0" y="0"/>
-                          <a:ext cx="3251200" cy="1828800"/>
-                        </a:xfrm>
-                        <a:prstGeom prst="rect">
-                          <a:avLst/>
-                        </a:prstGeom>
-                        <a:ln w="3175">
-                          <a:solidFill>
-                            <a:prstClr val="ltGray"/>
-                          </a:solidFill>
-                        </a:ln>
-                      </p166:spPr>
-                    </pslz:zmPr>
-                  </pslz:sldZmObj>
-                </pslz:sldZm>
-              </a:graphicData>
-            </a:graphic>
-          </p:graphicFrame>
-        </mc:Choice>
-        <mc:Fallback>
-          <p:pic>
-            <p:nvPicPr>
-              <p:cNvPr id="9" name="Slide Zoom 8">
-                <a:extLst>
-                  <a:ext uri="{FF2B5EF4-FFF2-40B4-BE49-F238E27FC236}">
-                    <a16:creationId xmlns:a16="http://schemas.microsoft.com/office/drawing/2014/main" id="{736FFCF2-3C5C-4A20-ADF6-42B9617526E5}"/>
-                  </a:ext>
-                </a:extLst>
-              </p:cNvPr>
-              <p:cNvPicPr>
-                <a:picLocks noGrp="1" noRot="1" noChangeAspect="1" noMove="1" noResize="1" noEditPoints="1" noAdjustHandles="1" noChangeArrowheads="1" noChangeShapeType="1"/>
-              </p:cNvPicPr>
-              <p:nvPr/>
-            </p:nvPicPr>
-            <p:blipFill>
-              <a:blip r:embed="rId5"/>
-              <a:stretch>
-                <a:fillRect/>
-              </a:stretch>
-            </p:blipFill>
-            <p:spPr>
-              <a:xfrm>
-                <a:off x="7655930" y="4948379"/>
-                <a:ext cx="3251200" cy="1828800"/>
-              </a:xfrm>
-              <a:prstGeom prst="rect">
-                <a:avLst/>
-              </a:prstGeom>
-              <a:ln w="3175">
-                <a:solidFill>
-                  <a:prstClr val="ltGray"/>
-                </a:solidFill>
-              </a:ln>
-            </p:spPr>
-          </p:pic>
-        </mc:Fallback>
-      </mc:AlternateContent>
     </p:spTree>
     <p:extLst>
       <p:ext uri="{BB962C8B-B14F-4D97-AF65-F5344CB8AC3E}">
-        <p14:creationId xmlns:p14="http://schemas.microsoft.com/office/powerpoint/2010/main" val="2579405120"/>
+        <p14:creationId xmlns:p14="http://schemas.microsoft.com/office/powerpoint/2010/main" val="3758680294"/>
       </p:ext>
     </p:extLst>
   </p:cSld>
